--- a/warner-manage-azure-webapps.pptx
+++ b/warner-manage-azure-webapps.pptx
@@ -7,18 +7,24 @@
   <p:sldIdLst>
     <p:sldId id="256" r:id="rId2"/>
     <p:sldId id="257" r:id="rId3"/>
-    <p:sldId id="258" r:id="rId4"/>
-    <p:sldId id="259" r:id="rId5"/>
-    <p:sldId id="265" r:id="rId6"/>
-    <p:sldId id="266" r:id="rId7"/>
-    <p:sldId id="260" r:id="rId8"/>
-    <p:sldId id="268" r:id="rId9"/>
-    <p:sldId id="267" r:id="rId10"/>
-    <p:sldId id="261" r:id="rId11"/>
-    <p:sldId id="262" r:id="rId12"/>
-    <p:sldId id="263" r:id="rId13"/>
-    <p:sldId id="269" r:id="rId14"/>
-    <p:sldId id="264" r:id="rId15"/>
+    <p:sldId id="270" r:id="rId4"/>
+    <p:sldId id="258" r:id="rId5"/>
+    <p:sldId id="259" r:id="rId6"/>
+    <p:sldId id="275" r:id="rId7"/>
+    <p:sldId id="265" r:id="rId8"/>
+    <p:sldId id="266" r:id="rId9"/>
+    <p:sldId id="274" r:id="rId10"/>
+    <p:sldId id="260" r:id="rId11"/>
+    <p:sldId id="268" r:id="rId12"/>
+    <p:sldId id="267" r:id="rId13"/>
+    <p:sldId id="261" r:id="rId14"/>
+    <p:sldId id="272" r:id="rId15"/>
+    <p:sldId id="271" r:id="rId16"/>
+    <p:sldId id="273" r:id="rId17"/>
+    <p:sldId id="263" r:id="rId18"/>
+    <p:sldId id="269" r:id="rId19"/>
+    <p:sldId id="276" r:id="rId20"/>
+    <p:sldId id="264" r:id="rId21"/>
   </p:sldIdLst>
   <p:sldSz cx="12192000" cy="6858000"/>
   <p:notesSz cx="6858000" cy="9144000"/>
@@ -726,7 +732,7 @@
           </a:lstStyle>
           <a:p>
             <a:r>
-              <a:rPr lang="en-US" smtClean="0"/>
+              <a:rPr lang="en-US"/>
               <a:t>Click to edit Master title style</a:t>
             </a:r>
             <a:endParaRPr lang="en-US" dirty="0"/>
@@ -846,7 +852,7 @@
           </a:lstStyle>
           <a:p>
             <a:r>
-              <a:rPr lang="en-US" smtClean="0"/>
+              <a:rPr lang="en-US"/>
               <a:t>Click to edit Master subtitle style</a:t>
             </a:r>
             <a:endParaRPr lang="en-US" dirty="0"/>
@@ -870,7 +876,7 @@
           <a:p>
             <a:fld id="{6AD6EE87-EBD5-4F12-A48A-63ACA297AC8F}" type="datetimeFigureOut">
               <a:rPr lang="en-US" smtClean="0"/>
-              <a:t>4/3/2017</a:t>
+              <a:t>4/9/2017</a:t>
             </a:fld>
             <a:endParaRPr lang="en-US" dirty="0"/>
           </a:p>
@@ -1047,7 +1053,7 @@
           </a:lstStyle>
           <a:p>
             <a:r>
-              <a:rPr lang="en-US" smtClean="0"/>
+              <a:rPr lang="en-US"/>
               <a:t>Click to edit Master title style</a:t>
             </a:r>
             <a:endParaRPr lang="en-US" dirty="0"/>
@@ -1170,7 +1176,7 @@
           <a:p>
             <a:pPr lvl="0"/>
             <a:r>
-              <a:rPr lang="en-US" smtClean="0"/>
+              <a:rPr lang="en-US"/>
               <a:t>Click to edit Master text styles</a:t>
             </a:r>
           </a:p>
@@ -1194,7 +1200,7 @@
             <a:fld id="{90298CD5-6C1E-4009-B41F-6DF62E31D3BE}" type="datetimeFigureOut">
               <a:rPr lang="en-US" smtClean="0"/>
               <a:pPr/>
-              <a:t>4/3/2017</a:t>
+              <a:t>4/9/2017</a:t>
             </a:fld>
             <a:endParaRPr lang="en-US" dirty="0"/>
           </a:p>
@@ -1300,7 +1306,7 @@
           </a:lstStyle>
           <a:p>
             <a:r>
-              <a:rPr lang="en-US" smtClean="0"/>
+              <a:rPr lang="en-US"/>
               <a:t>Click to edit Master title style</a:t>
             </a:r>
             <a:endParaRPr lang="en-US" dirty="0"/>
@@ -1364,7 +1370,7 @@
           <a:p>
             <a:pPr lvl="0"/>
             <a:r>
-              <a:rPr lang="en-US" smtClean="0"/>
+              <a:rPr lang="en-US"/>
               <a:t>Click to edit Master text styles</a:t>
             </a:r>
           </a:p>
@@ -1486,7 +1492,7 @@
           <a:p>
             <a:pPr lvl="0"/>
             <a:r>
-              <a:rPr lang="en-US" smtClean="0"/>
+              <a:rPr lang="en-US"/>
               <a:t>Click to edit Master text styles</a:t>
             </a:r>
           </a:p>
@@ -1510,7 +1516,7 @@
             <a:fld id="{90298CD5-6C1E-4009-B41F-6DF62E31D3BE}" type="datetimeFigureOut">
               <a:rPr lang="en-US" smtClean="0"/>
               <a:pPr/>
-              <a:t>4/3/2017</a:t>
+              <a:t>4/9/2017</a:t>
             </a:fld>
             <a:endParaRPr lang="en-US" dirty="0"/>
           </a:p>
@@ -1698,7 +1704,7 @@
           </a:lstStyle>
           <a:p>
             <a:r>
-              <a:rPr lang="en-US" smtClean="0"/>
+              <a:rPr lang="en-US"/>
               <a:t>Click to edit Master title style</a:t>
             </a:r>
             <a:endParaRPr lang="en-US" dirty="0"/>
@@ -1821,7 +1827,7 @@
           <a:p>
             <a:pPr lvl="0"/>
             <a:r>
-              <a:rPr lang="en-US" smtClean="0"/>
+              <a:rPr lang="en-US"/>
               <a:t>Click to edit Master text styles</a:t>
             </a:r>
           </a:p>
@@ -1845,7 +1851,7 @@
             <a:fld id="{90298CD5-6C1E-4009-B41F-6DF62E31D3BE}" type="datetimeFigureOut">
               <a:rPr lang="en-US" smtClean="0"/>
               <a:pPr/>
-              <a:t>4/3/2017</a:t>
+              <a:t>4/9/2017</a:t>
             </a:fld>
             <a:endParaRPr lang="en-US" dirty="0"/>
           </a:p>
@@ -1951,7 +1957,7 @@
           </a:lstStyle>
           <a:p>
             <a:r>
-              <a:rPr lang="en-US" smtClean="0"/>
+              <a:rPr lang="en-US"/>
               <a:t>Click to edit Master title style</a:t>
             </a:r>
             <a:endParaRPr lang="en-US" dirty="0"/>
@@ -2015,7 +2021,7 @@
           <a:p>
             <a:pPr lvl="0"/>
             <a:r>
-              <a:rPr lang="en-US" smtClean="0"/>
+              <a:rPr lang="en-US"/>
               <a:t>Click to edit Master text styles</a:t>
             </a:r>
           </a:p>
@@ -2137,7 +2143,7 @@
           <a:p>
             <a:pPr lvl="0"/>
             <a:r>
-              <a:rPr lang="en-US" smtClean="0"/>
+              <a:rPr lang="en-US"/>
               <a:t>Click to edit Master text styles</a:t>
             </a:r>
           </a:p>
@@ -2161,7 +2167,7 @@
             <a:fld id="{90298CD5-6C1E-4009-B41F-6DF62E31D3BE}" type="datetimeFigureOut">
               <a:rPr lang="en-US" smtClean="0"/>
               <a:pPr/>
-              <a:t>4/3/2017</a:t>
+              <a:t>4/9/2017</a:t>
             </a:fld>
             <a:endParaRPr lang="en-US" dirty="0"/>
           </a:p>
@@ -2349,7 +2355,7 @@
           </a:lstStyle>
           <a:p>
             <a:r>
-              <a:rPr lang="en-US" smtClean="0"/>
+              <a:rPr lang="en-US"/>
               <a:t>Click to edit Master title style</a:t>
             </a:r>
             <a:endParaRPr lang="en-US" dirty="0"/>
@@ -2410,7 +2416,7 @@
           <a:p>
             <a:pPr lvl="0"/>
             <a:r>
-              <a:rPr lang="en-US" smtClean="0"/>
+              <a:rPr lang="en-US"/>
               <a:t>Click to edit Master text styles</a:t>
             </a:r>
           </a:p>
@@ -2532,7 +2538,7 @@
           <a:p>
             <a:pPr lvl="0"/>
             <a:r>
-              <a:rPr lang="en-US" smtClean="0"/>
+              <a:rPr lang="en-US"/>
               <a:t>Click to edit Master text styles</a:t>
             </a:r>
           </a:p>
@@ -2556,7 +2562,7 @@
             <a:fld id="{90298CD5-6C1E-4009-B41F-6DF62E31D3BE}" type="datetimeFigureOut">
               <a:rPr lang="en-US" smtClean="0"/>
               <a:pPr/>
-              <a:t>4/3/2017</a:t>
+              <a:t>4/9/2017</a:t>
             </a:fld>
             <a:endParaRPr lang="en-US" dirty="0"/>
           </a:p>
@@ -2651,7 +2657,7 @@
           <a:lstStyle/>
           <a:p>
             <a:r>
-              <a:rPr lang="en-US" smtClean="0"/>
+              <a:rPr lang="en-US"/>
               <a:t>Click to edit Master title style</a:t>
             </a:r>
             <a:endParaRPr lang="en-US" dirty="0"/>
@@ -2675,35 +2681,35 @@
           <a:p>
             <a:pPr lvl="0"/>
             <a:r>
-              <a:rPr lang="en-US" smtClean="0"/>
+              <a:rPr lang="en-US"/>
               <a:t>Click to edit Master text styles</a:t>
             </a:r>
           </a:p>
           <a:p>
             <a:pPr lvl="1"/>
             <a:r>
-              <a:rPr lang="en-US" smtClean="0"/>
+              <a:rPr lang="en-US"/>
               <a:t>Second level</a:t>
             </a:r>
           </a:p>
           <a:p>
             <a:pPr lvl="2"/>
             <a:r>
-              <a:rPr lang="en-US" smtClean="0"/>
+              <a:rPr lang="en-US"/>
               <a:t>Third level</a:t>
             </a:r>
           </a:p>
           <a:p>
             <a:pPr lvl="3"/>
             <a:r>
-              <a:rPr lang="en-US" smtClean="0"/>
+              <a:rPr lang="en-US"/>
               <a:t>Fourth level</a:t>
             </a:r>
           </a:p>
           <a:p>
             <a:pPr lvl="4"/>
             <a:r>
-              <a:rPr lang="en-US" smtClean="0"/>
+              <a:rPr lang="en-US"/>
               <a:t>Fifth level</a:t>
             </a:r>
             <a:endParaRPr lang="en-US" dirty="0"/>
@@ -2727,7 +2733,7 @@
           <a:p>
             <a:fld id="{4CD73815-2707-4475-8F1A-B873CB631BB4}" type="datetimeFigureOut">
               <a:rPr lang="en-US" smtClean="0"/>
-              <a:t>4/3/2017</a:t>
+              <a:t>4/9/2017</a:t>
             </a:fld>
             <a:endParaRPr lang="en-US" dirty="0"/>
           </a:p>
@@ -2826,7 +2832,7 @@
           <a:lstStyle/>
           <a:p>
             <a:r>
-              <a:rPr lang="en-US" smtClean="0"/>
+              <a:rPr lang="en-US"/>
               <a:t>Click to edit Master title style</a:t>
             </a:r>
             <a:endParaRPr lang="en-US" dirty="0"/>
@@ -2855,35 +2861,35 @@
           <a:p>
             <a:pPr lvl="0"/>
             <a:r>
-              <a:rPr lang="en-US" smtClean="0"/>
+              <a:rPr lang="en-US"/>
               <a:t>Click to edit Master text styles</a:t>
             </a:r>
           </a:p>
           <a:p>
             <a:pPr lvl="1"/>
             <a:r>
-              <a:rPr lang="en-US" smtClean="0"/>
+              <a:rPr lang="en-US"/>
               <a:t>Second level</a:t>
             </a:r>
           </a:p>
           <a:p>
             <a:pPr lvl="2"/>
             <a:r>
-              <a:rPr lang="en-US" smtClean="0"/>
+              <a:rPr lang="en-US"/>
               <a:t>Third level</a:t>
             </a:r>
           </a:p>
           <a:p>
             <a:pPr lvl="3"/>
             <a:r>
-              <a:rPr lang="en-US" smtClean="0"/>
+              <a:rPr lang="en-US"/>
               <a:t>Fourth level</a:t>
             </a:r>
           </a:p>
           <a:p>
             <a:pPr lvl="4"/>
             <a:r>
-              <a:rPr lang="en-US" smtClean="0"/>
+              <a:rPr lang="en-US"/>
               <a:t>Fifth level</a:t>
             </a:r>
             <a:endParaRPr lang="en-US" dirty="0"/>
@@ -2907,7 +2913,7 @@
           <a:p>
             <a:fld id="{2A4AFB99-0EAB-4182-AFF8-E214C82A68F6}" type="datetimeFigureOut">
               <a:rPr lang="en-US" smtClean="0"/>
-              <a:t>4/3/2017</a:t>
+              <a:t>4/9/2017</a:t>
             </a:fld>
             <a:endParaRPr lang="en-US" dirty="0"/>
           </a:p>
@@ -3233,12 +3239,12 @@
   <p:extLst mod="1">
     <p:ext uri="{DCECCB84-F9BA-43D5-87BE-67443E8EF086}">
       <p15:sldGuideLst xmlns:p15="http://schemas.microsoft.com/office/powerpoint/2012/main">
-        <p15:guide id="4294967295" orient="horz" pos="2160">
+        <p15:guide id="1" orient="horz" pos="2160">
           <p15:clr>
             <a:srgbClr val="FBAE40"/>
           </p15:clr>
         </p15:guide>
-        <p15:guide id="4294967295" pos="3840">
+        <p15:guide id="2" pos="3840">
           <p15:clr>
             <a:srgbClr val="FBAE40"/>
           </p15:clr>
@@ -3282,7 +3288,7 @@
           <a:lstStyle/>
           <a:p>
             <a:r>
-              <a:rPr lang="en-US" smtClean="0"/>
+              <a:rPr lang="en-US"/>
               <a:t>Click to edit Master title style</a:t>
             </a:r>
             <a:endParaRPr lang="en-US" dirty="0"/>
@@ -3306,35 +3312,35 @@
           <a:p>
             <a:pPr lvl="0"/>
             <a:r>
-              <a:rPr lang="en-US" smtClean="0"/>
+              <a:rPr lang="en-US"/>
               <a:t>Click to edit Master text styles</a:t>
             </a:r>
           </a:p>
           <a:p>
             <a:pPr lvl="1"/>
             <a:r>
-              <a:rPr lang="en-US" smtClean="0"/>
+              <a:rPr lang="en-US"/>
               <a:t>Second level</a:t>
             </a:r>
           </a:p>
           <a:p>
             <a:pPr lvl="2"/>
             <a:r>
-              <a:rPr lang="en-US" smtClean="0"/>
+              <a:rPr lang="en-US"/>
               <a:t>Third level</a:t>
             </a:r>
           </a:p>
           <a:p>
             <a:pPr lvl="3"/>
             <a:r>
-              <a:rPr lang="en-US" smtClean="0"/>
+              <a:rPr lang="en-US"/>
               <a:t>Fourth level</a:t>
             </a:r>
           </a:p>
           <a:p>
             <a:pPr lvl="4"/>
             <a:r>
-              <a:rPr lang="en-US" smtClean="0"/>
+              <a:rPr lang="en-US"/>
               <a:t>Fifth level</a:t>
             </a:r>
             <a:endParaRPr lang="en-US" dirty="0"/>
@@ -3358,7 +3364,7 @@
           <a:p>
             <a:fld id="{A5D3794B-289A-4A80-97D7-111025398D45}" type="datetimeFigureOut">
               <a:rPr lang="en-US" smtClean="0"/>
-              <a:t>4/3/2017</a:t>
+              <a:t>4/9/2017</a:t>
             </a:fld>
             <a:endParaRPr lang="en-US" dirty="0"/>
           </a:p>
@@ -3461,7 +3467,7 @@
           </a:lstStyle>
           <a:p>
             <a:r>
-              <a:rPr lang="en-US" smtClean="0"/>
+              <a:rPr lang="en-US"/>
               <a:t>Click to edit Master title style</a:t>
             </a:r>
             <a:endParaRPr lang="en-US" dirty="0"/>
@@ -3582,7 +3588,7 @@
           <a:p>
             <a:pPr lvl="0"/>
             <a:r>
-              <a:rPr lang="en-US" smtClean="0"/>
+              <a:rPr lang="en-US"/>
               <a:t>Click to edit Master text styles</a:t>
             </a:r>
           </a:p>
@@ -3605,7 +3611,7 @@
           <a:p>
             <a:fld id="{5A61015F-7CC6-4D0A-9D87-873EA4C304CC}" type="datetimeFigureOut">
               <a:rPr lang="en-US" smtClean="0"/>
-              <a:t>4/3/2017</a:t>
+              <a:t>4/9/2017</a:t>
             </a:fld>
             <a:endParaRPr lang="en-US" dirty="0"/>
           </a:p>
@@ -3771,7 +3777,7 @@
           <a:lstStyle/>
           <a:p>
             <a:r>
-              <a:rPr lang="en-US" smtClean="0"/>
+              <a:rPr lang="en-US"/>
               <a:t>Click to edit Master title style</a:t>
             </a:r>
             <a:endParaRPr lang="en-US" dirty="0"/>
@@ -3800,35 +3806,35 @@
           <a:p>
             <a:pPr lvl="0"/>
             <a:r>
-              <a:rPr lang="en-US" smtClean="0"/>
+              <a:rPr lang="en-US"/>
               <a:t>Click to edit Master text styles</a:t>
             </a:r>
           </a:p>
           <a:p>
             <a:pPr lvl="1"/>
             <a:r>
-              <a:rPr lang="en-US" smtClean="0"/>
+              <a:rPr lang="en-US"/>
               <a:t>Second level</a:t>
             </a:r>
           </a:p>
           <a:p>
             <a:pPr lvl="2"/>
             <a:r>
-              <a:rPr lang="en-US" smtClean="0"/>
+              <a:rPr lang="en-US"/>
               <a:t>Third level</a:t>
             </a:r>
           </a:p>
           <a:p>
             <a:pPr lvl="3"/>
             <a:r>
-              <a:rPr lang="en-US" smtClean="0"/>
+              <a:rPr lang="en-US"/>
               <a:t>Fourth level</a:t>
             </a:r>
           </a:p>
           <a:p>
             <a:pPr lvl="4"/>
             <a:r>
-              <a:rPr lang="en-US" smtClean="0"/>
+              <a:rPr lang="en-US"/>
               <a:t>Fifth level</a:t>
             </a:r>
             <a:endParaRPr lang="en-US" dirty="0"/>
@@ -3857,35 +3863,35 @@
           <a:p>
             <a:pPr lvl="0"/>
             <a:r>
-              <a:rPr lang="en-US" smtClean="0"/>
+              <a:rPr lang="en-US"/>
               <a:t>Click to edit Master text styles</a:t>
             </a:r>
           </a:p>
           <a:p>
             <a:pPr lvl="1"/>
             <a:r>
-              <a:rPr lang="en-US" smtClean="0"/>
+              <a:rPr lang="en-US"/>
               <a:t>Second level</a:t>
             </a:r>
           </a:p>
           <a:p>
             <a:pPr lvl="2"/>
             <a:r>
-              <a:rPr lang="en-US" smtClean="0"/>
+              <a:rPr lang="en-US"/>
               <a:t>Third level</a:t>
             </a:r>
           </a:p>
           <a:p>
             <a:pPr lvl="3"/>
             <a:r>
-              <a:rPr lang="en-US" smtClean="0"/>
+              <a:rPr lang="en-US"/>
               <a:t>Fourth level</a:t>
             </a:r>
           </a:p>
           <a:p>
             <a:pPr lvl="4"/>
             <a:r>
-              <a:rPr lang="en-US" smtClean="0"/>
+              <a:rPr lang="en-US"/>
               <a:t>Fifth level</a:t>
             </a:r>
             <a:endParaRPr lang="en-US" dirty="0"/>
@@ -3909,7 +3915,7 @@
           <a:p>
             <a:fld id="{93C6A301-0538-44EC-B09D-202E1042A48B}" type="datetimeFigureOut">
               <a:rPr lang="en-US" smtClean="0"/>
-              <a:t>4/3/2017</a:t>
+              <a:t>4/9/2017</a:t>
             </a:fld>
             <a:endParaRPr lang="en-US" dirty="0"/>
           </a:p>
@@ -4007,7 +4013,7 @@
           </a:lstStyle>
           <a:p>
             <a:r>
-              <a:rPr lang="en-US" smtClean="0"/>
+              <a:rPr lang="en-US"/>
               <a:t>Click to edit Master title style</a:t>
             </a:r>
             <a:endParaRPr lang="en-US" dirty="0"/>
@@ -4075,7 +4081,7 @@
           <a:p>
             <a:pPr lvl="0"/>
             <a:r>
-              <a:rPr lang="en-US" smtClean="0"/>
+              <a:rPr lang="en-US"/>
               <a:t>Click to edit Master text styles</a:t>
             </a:r>
           </a:p>
@@ -4105,35 +4111,35 @@
           <a:p>
             <a:pPr lvl="0"/>
             <a:r>
-              <a:rPr lang="en-US" smtClean="0"/>
+              <a:rPr lang="en-US"/>
               <a:t>Click to edit Master text styles</a:t>
             </a:r>
           </a:p>
           <a:p>
             <a:pPr lvl="1"/>
             <a:r>
-              <a:rPr lang="en-US" smtClean="0"/>
+              <a:rPr lang="en-US"/>
               <a:t>Second level</a:t>
             </a:r>
           </a:p>
           <a:p>
             <a:pPr lvl="2"/>
             <a:r>
-              <a:rPr lang="en-US" smtClean="0"/>
+              <a:rPr lang="en-US"/>
               <a:t>Third level</a:t>
             </a:r>
           </a:p>
           <a:p>
             <a:pPr lvl="3"/>
             <a:r>
-              <a:rPr lang="en-US" smtClean="0"/>
+              <a:rPr lang="en-US"/>
               <a:t>Fourth level</a:t>
             </a:r>
           </a:p>
           <a:p>
             <a:pPr lvl="4"/>
             <a:r>
-              <a:rPr lang="en-US" smtClean="0"/>
+              <a:rPr lang="en-US"/>
               <a:t>Fifth level</a:t>
             </a:r>
             <a:endParaRPr lang="en-US" dirty="0"/>
@@ -4201,7 +4207,7 @@
           <a:p>
             <a:pPr lvl="0"/>
             <a:r>
-              <a:rPr lang="en-US" smtClean="0"/>
+              <a:rPr lang="en-US"/>
               <a:t>Click to edit Master text styles</a:t>
             </a:r>
           </a:p>
@@ -4231,35 +4237,35 @@
           <a:p>
             <a:pPr lvl="0"/>
             <a:r>
-              <a:rPr lang="en-US" smtClean="0"/>
+              <a:rPr lang="en-US"/>
               <a:t>Click to edit Master text styles</a:t>
             </a:r>
           </a:p>
           <a:p>
             <a:pPr lvl="1"/>
             <a:r>
-              <a:rPr lang="en-US" smtClean="0"/>
+              <a:rPr lang="en-US"/>
               <a:t>Second level</a:t>
             </a:r>
           </a:p>
           <a:p>
             <a:pPr lvl="2"/>
             <a:r>
-              <a:rPr lang="en-US" smtClean="0"/>
+              <a:rPr lang="en-US"/>
               <a:t>Third level</a:t>
             </a:r>
           </a:p>
           <a:p>
             <a:pPr lvl="3"/>
             <a:r>
-              <a:rPr lang="en-US" smtClean="0"/>
+              <a:rPr lang="en-US"/>
               <a:t>Fourth level</a:t>
             </a:r>
           </a:p>
           <a:p>
             <a:pPr lvl="4"/>
             <a:r>
-              <a:rPr lang="en-US" smtClean="0"/>
+              <a:rPr lang="en-US"/>
               <a:t>Fifth level</a:t>
             </a:r>
             <a:endParaRPr lang="en-US" dirty="0"/>
@@ -4283,7 +4289,7 @@
           <a:p>
             <a:fld id="{D789574A-8875-45EF-8EA2-3CAA0F7ABC4C}" type="datetimeFigureOut">
               <a:rPr lang="en-US" smtClean="0"/>
-              <a:t>4/3/2017</a:t>
+              <a:t>4/9/2017</a:t>
             </a:fld>
             <a:endParaRPr lang="en-US" dirty="0"/>
           </a:p>
@@ -4382,7 +4388,7 @@
           <a:lstStyle/>
           <a:p>
             <a:r>
-              <a:rPr lang="en-US" smtClean="0"/>
+              <a:rPr lang="en-US"/>
               <a:t>Click to edit Master title style</a:t>
             </a:r>
             <a:endParaRPr lang="en-US" dirty="0"/>
@@ -4406,7 +4412,7 @@
           <a:p>
             <a:fld id="{67EF4D4C-5367-4C26-9E2B-D8088D7FCA81}" type="datetimeFigureOut">
               <a:rPr lang="en-US" smtClean="0"/>
-              <a:t>4/3/2017</a:t>
+              <a:t>4/9/2017</a:t>
             </a:fld>
             <a:endParaRPr lang="en-US" dirty="0"/>
           </a:p>
@@ -4501,7 +4507,7 @@
           <a:p>
             <a:fld id="{56E91E96-98B0-4413-9547-46F3504108EF}" type="datetimeFigureOut">
               <a:rPr lang="en-US" smtClean="0"/>
-              <a:t>4/3/2017</a:t>
+              <a:t>4/9/2017</a:t>
             </a:fld>
             <a:endParaRPr lang="en-US" dirty="0"/>
           </a:p>
@@ -4606,7 +4612,7 @@
           </a:lstStyle>
           <a:p>
             <a:r>
-              <a:rPr lang="en-US" smtClean="0"/>
+              <a:rPr lang="en-US"/>
               <a:t>Click to edit Master title style</a:t>
             </a:r>
             <a:endParaRPr lang="en-US" dirty="0"/>
@@ -4637,35 +4643,35 @@
           <a:p>
             <a:pPr lvl="0"/>
             <a:r>
-              <a:rPr lang="en-US" smtClean="0"/>
+              <a:rPr lang="en-US"/>
               <a:t>Click to edit Master text styles</a:t>
             </a:r>
           </a:p>
           <a:p>
             <a:pPr lvl="1"/>
             <a:r>
-              <a:rPr lang="en-US" smtClean="0"/>
+              <a:rPr lang="en-US"/>
               <a:t>Second level</a:t>
             </a:r>
           </a:p>
           <a:p>
             <a:pPr lvl="2"/>
             <a:r>
-              <a:rPr lang="en-US" smtClean="0"/>
+              <a:rPr lang="en-US"/>
               <a:t>Third level</a:t>
             </a:r>
           </a:p>
           <a:p>
             <a:pPr lvl="3"/>
             <a:r>
-              <a:rPr lang="en-US" smtClean="0"/>
+              <a:rPr lang="en-US"/>
               <a:t>Fourth level</a:t>
             </a:r>
           </a:p>
           <a:p>
             <a:pPr lvl="4"/>
             <a:r>
-              <a:rPr lang="en-US" smtClean="0"/>
+              <a:rPr lang="en-US"/>
               <a:t>Fifth level</a:t>
             </a:r>
             <a:endParaRPr lang="en-US" dirty="0"/>
@@ -4733,7 +4739,7 @@
           <a:p>
             <a:pPr lvl="0"/>
             <a:r>
-              <a:rPr lang="en-US" smtClean="0"/>
+              <a:rPr lang="en-US"/>
               <a:t>Click to edit Master text styles</a:t>
             </a:r>
           </a:p>
@@ -4756,7 +4762,7 @@
           <a:p>
             <a:fld id="{05C68B11-C5A8-448C-8CE9-B1A273C79CFC}" type="datetimeFigureOut">
               <a:rPr lang="en-US" smtClean="0"/>
-              <a:t>4/3/2017</a:t>
+              <a:t>4/9/2017</a:t>
             </a:fld>
             <a:endParaRPr lang="en-US" dirty="0"/>
           </a:p>
@@ -4861,7 +4867,7 @@
           </a:lstStyle>
           <a:p>
             <a:r>
-              <a:rPr lang="en-US" smtClean="0"/>
+              <a:rPr lang="en-US"/>
               <a:t>Click to edit Master title style</a:t>
             </a:r>
             <a:endParaRPr lang="en-US" dirty="0"/>
@@ -4928,7 +4934,7 @@
           </a:lstStyle>
           <a:p>
             <a:r>
-              <a:rPr lang="en-US" smtClean="0"/>
+              <a:rPr lang="en-US"/>
               <a:t>Click icon to add picture</a:t>
             </a:r>
             <a:endParaRPr lang="en-US" dirty="0"/>
@@ -4996,7 +5002,7 @@
           <a:p>
             <a:pPr lvl="0"/>
             <a:r>
-              <a:rPr lang="en-US" smtClean="0"/>
+              <a:rPr lang="en-US"/>
               <a:t>Click to edit Master text styles</a:t>
             </a:r>
           </a:p>
@@ -5061,7 +5067,7 @@
           <a:p>
             <a:fld id="{C7616CA0-919D-4A49-9C8A-62FDFB3A5183}" type="datetimeFigureOut">
               <a:rPr lang="en-US" smtClean="0"/>
-              <a:t>4/3/2017</a:t>
+              <a:t>4/9/2017</a:t>
             </a:fld>
             <a:endParaRPr lang="en-US" dirty="0"/>
           </a:p>
@@ -5659,7 +5665,7 @@
           <a:lstStyle/>
           <a:p>
             <a:r>
-              <a:rPr lang="en-US" smtClean="0"/>
+              <a:rPr lang="en-US"/>
               <a:t>Click to edit Master title style</a:t>
             </a:r>
             <a:endParaRPr lang="en-US" dirty="0"/>
@@ -5764,7 +5770,7 @@
             <a:fld id="{90298CD5-6C1E-4009-B41F-6DF62E31D3BE}" type="datetimeFigureOut">
               <a:rPr lang="en-US" smtClean="0"/>
               <a:pPr/>
-              <a:t>4/3/2017</a:t>
+              <a:t>4/9/2017</a:t>
             </a:fld>
             <a:endParaRPr lang="en-US" dirty="0"/>
           </a:p>
@@ -5874,13 +5880,6 @@
     <p:sldLayoutId id="2147483706" r:id="rId16"/>
     <p:sldLayoutId id="2147483707" r:id="rId17"/>
   </p:sldLayoutIdLst>
-  <p:timing>
-    <p:tnLst>
-      <p:par>
-        <p:cTn id="1" dur="indefinite" restart="never" nodeType="tmRoot"/>
-      </p:par>
-    </p:tnLst>
-  </p:timing>
   <p:txStyles>
     <p:titleStyle>
       <a:lvl1pPr algn="l" defTabSz="457200" rtl="0" eaLnBrk="1" latinLnBrk="0" hangingPunct="1">
@@ -6313,10 +6312,9 @@
           <a:lstStyle/>
           <a:p>
             <a:r>
-              <a:rPr lang="en-US" smtClean="0"/>
+              <a:rPr lang="en-US"/>
               <a:t>Manage Azure Web Apps with Visual Studio and PowerShell</a:t>
             </a:r>
-            <a:endParaRPr lang="en-US"/>
           </a:p>
         </p:txBody>
       </p:sp>
@@ -6333,37 +6331,37 @@
         <p:spPr>
           <a:xfrm>
             <a:off x="1507067" y="4050833"/>
-            <a:ext cx="7766936" cy="1096899"/>
+            <a:ext cx="7766936" cy="2002495"/>
           </a:xfrm>
         </p:spPr>
         <p:txBody>
-          <a:bodyPr/>
+          <a:bodyPr>
+            <a:normAutofit/>
+          </a:bodyPr>
           <a:lstStyle/>
           <a:p>
             <a:r>
-              <a:rPr lang="en-US" smtClean="0"/>
+              <a:rPr lang="en-US" dirty="0"/>
               <a:t>Tim Warner</a:t>
             </a:r>
           </a:p>
           <a:p>
             <a:r>
-              <a:rPr lang="en-US" smtClean="0"/>
+              <a:rPr lang="en-US" dirty="0"/>
               <a:t>Author, Pluralsight</a:t>
             </a:r>
-            <a:endParaRPr lang="en-US" smtClean="0"/>
-          </a:p>
-          <a:p>
-            <a:r>
-              <a:rPr lang="en-US" smtClean="0"/>
+          </a:p>
+          <a:p>
+            <a:r>
+              <a:rPr lang="en-US" dirty="0"/>
               <a:t>Tuesday, April 11, 2017</a:t>
             </a:r>
           </a:p>
           <a:p>
             <a:r>
-              <a:rPr lang="en-US" smtClean="0"/>
+              <a:rPr lang="en-US" dirty="0"/>
               <a:t>1:00 - 1:45 pm</a:t>
             </a:r>
-            <a:endParaRPr lang="en-US"/>
           </a:p>
         </p:txBody>
       </p:sp>
@@ -6407,13 +6405,6 @@
   <p:clrMapOvr>
     <a:masterClrMapping/>
   </p:clrMapOvr>
-  <p:timing>
-    <p:tnLst>
-      <p:par>
-        <p:cTn id="1" dur="indefinite" restart="never" nodeType="tmRoot"/>
-      </p:par>
-    </p:tnLst>
-  </p:timing>
 </p:sld>
 </file>
 
@@ -6450,9 +6441,27 @@
           <a:lstStyle/>
           <a:p>
             <a:r>
-              <a:rPr lang="en-US" smtClean="0"/>
-              <a:t>Demo: Create and Manage Azure Web Apps</a:t>
-            </a:r>
+              <a:rPr lang="en-US"/>
+              <a:t>Explore the AzureRM.Websites Module</a:t>
+            </a:r>
+          </a:p>
+        </p:txBody>
+      </p:sp>
+      <p:sp>
+        <p:nvSpPr>
+          <p:cNvPr id="2" name="Subtitle 1"/>
+          <p:cNvSpPr>
+            <a:spLocks noGrp="1"/>
+          </p:cNvSpPr>
+          <p:nvPr>
+            <p:ph type="subTitle" idx="1"/>
+          </p:nvPr>
+        </p:nvSpPr>
+        <p:spPr/>
+        <p:txBody>
+          <a:bodyPr/>
+          <a:lstStyle/>
+          <a:p>
             <a:endParaRPr lang="en-US"/>
           </a:p>
         </p:txBody>
@@ -6460,20 +6469,13 @@
     </p:spTree>
     <p:extLst>
       <p:ext uri="{BB962C8B-B14F-4D97-AF65-F5344CB8AC3E}">
-        <p14:creationId xmlns:p14="http://schemas.microsoft.com/office/powerpoint/2010/main" val="441045865"/>
+        <p14:creationId xmlns:p14="http://schemas.microsoft.com/office/powerpoint/2010/main" val="3118289570"/>
       </p:ext>
     </p:extLst>
   </p:cSld>
   <p:clrMapOvr>
     <a:masterClrMapping/>
   </p:clrMapOvr>
-  <p:timing>
-    <p:tnLst>
-      <p:par>
-        <p:cTn id="1" dur="indefinite" restart="never" nodeType="tmRoot"/>
-      </p:par>
-    </p:tnLst>
-  </p:timing>
 </p:sld>
 </file>
 
@@ -6494,46 +6496,40 @@
           <a:chExt cx="0" cy="0"/>
         </a:xfrm>
       </p:grpSpPr>
-      <p:sp>
-        <p:nvSpPr>
-          <p:cNvPr id="4" name="Title 3"/>
-          <p:cNvSpPr>
-            <a:spLocks noGrp="1"/>
-          </p:cNvSpPr>
-          <p:nvPr>
-            <p:ph type="ctrTitle"/>
-          </p:nvPr>
-        </p:nvSpPr>
-        <p:spPr/>
-        <p:txBody>
-          <a:bodyPr/>
-          <a:lstStyle/>
-          <a:p>
-            <a:r>
-              <a:rPr lang="en-US" smtClean="0"/>
-              <a:t>Demo: Deploy ARM Templates</a:t>
-            </a:r>
-            <a:endParaRPr lang="en-US"/>
-          </a:p>
-        </p:txBody>
-      </p:sp>
+      <p:pic>
+        <p:nvPicPr>
+          <p:cNvPr id="5" name="Picture 4"/>
+          <p:cNvPicPr>
+            <a:picLocks noChangeAspect="1"/>
+          </p:cNvPicPr>
+          <p:nvPr/>
+        </p:nvPicPr>
+        <p:blipFill>
+          <a:blip r:embed="rId2"/>
+          <a:stretch>
+            <a:fillRect/>
+          </a:stretch>
+        </p:blipFill>
+        <p:spPr>
+          <a:xfrm>
+            <a:off x="701041" y="199108"/>
+            <a:ext cx="8607468" cy="5957852"/>
+          </a:xfrm>
+          <a:prstGeom prst="rect">
+            <a:avLst/>
+          </a:prstGeom>
+        </p:spPr>
+      </p:pic>
     </p:spTree>
     <p:extLst>
       <p:ext uri="{BB962C8B-B14F-4D97-AF65-F5344CB8AC3E}">
-        <p14:creationId xmlns:p14="http://schemas.microsoft.com/office/powerpoint/2010/main" val="3657343189"/>
+        <p14:creationId xmlns:p14="http://schemas.microsoft.com/office/powerpoint/2010/main" val="1252232933"/>
       </p:ext>
     </p:extLst>
   </p:cSld>
   <p:clrMapOvr>
     <a:masterClrMapping/>
   </p:clrMapOvr>
-  <p:timing>
-    <p:tnLst>
-      <p:par>
-        <p:cTn id="1" dur="indefinite" restart="never" nodeType="tmRoot"/>
-      </p:par>
-    </p:tnLst>
-  </p:timing>
 </p:sld>
 </file>
 
@@ -6554,46 +6550,40 @@
           <a:chExt cx="0" cy="0"/>
         </a:xfrm>
       </p:grpSpPr>
-      <p:sp>
-        <p:nvSpPr>
-          <p:cNvPr id="4" name="Title 3"/>
-          <p:cNvSpPr>
-            <a:spLocks noGrp="1"/>
-          </p:cNvSpPr>
-          <p:nvPr>
-            <p:ph type="ctrTitle"/>
-          </p:nvPr>
-        </p:nvSpPr>
-        <p:spPr/>
-        <p:txBody>
-          <a:bodyPr/>
-          <a:lstStyle/>
-          <a:p>
-            <a:r>
-              <a:rPr lang="en-US" smtClean="0"/>
-              <a:t>Understand Azure CLI v2.0</a:t>
-            </a:r>
-            <a:endParaRPr lang="en-US"/>
-          </a:p>
-        </p:txBody>
-      </p:sp>
+      <p:pic>
+        <p:nvPicPr>
+          <p:cNvPr id="4" name="Picture 3"/>
+          <p:cNvPicPr>
+            <a:picLocks noChangeAspect="1"/>
+          </p:cNvPicPr>
+          <p:nvPr/>
+        </p:nvPicPr>
+        <p:blipFill>
+          <a:blip r:embed="rId2"/>
+          <a:stretch>
+            <a:fillRect/>
+          </a:stretch>
+        </p:blipFill>
+        <p:spPr>
+          <a:xfrm>
+            <a:off x="701040" y="199108"/>
+            <a:ext cx="8229600" cy="6391149"/>
+          </a:xfrm>
+          <a:prstGeom prst="rect">
+            <a:avLst/>
+          </a:prstGeom>
+        </p:spPr>
+      </p:pic>
     </p:spTree>
     <p:extLst>
       <p:ext uri="{BB962C8B-B14F-4D97-AF65-F5344CB8AC3E}">
-        <p14:creationId xmlns:p14="http://schemas.microsoft.com/office/powerpoint/2010/main" val="3572936075"/>
+        <p14:creationId xmlns:p14="http://schemas.microsoft.com/office/powerpoint/2010/main" val="53741972"/>
       </p:ext>
     </p:extLst>
   </p:cSld>
   <p:clrMapOvr>
     <a:masterClrMapping/>
   </p:clrMapOvr>
-  <p:timing>
-    <p:tnLst>
-      <p:par>
-        <p:cTn id="1" dur="indefinite" restart="never" nodeType="tmRoot"/>
-      </p:par>
-    </p:tnLst>
-  </p:timing>
 </p:sld>
 </file>
 
@@ -6616,12 +6606,12 @@
       </p:grpSpPr>
       <p:sp>
         <p:nvSpPr>
-          <p:cNvPr id="2" name="Title 1"/>
-          <p:cNvSpPr>
-            <a:spLocks noGrp="1"/>
-          </p:cNvSpPr>
-          <p:nvPr>
-            <p:ph type="title"/>
+          <p:cNvPr id="4" name="Title 3"/>
+          <p:cNvSpPr>
+            <a:spLocks noGrp="1"/>
+          </p:cNvSpPr>
+          <p:nvPr>
+            <p:ph type="ctrTitle"/>
           </p:nvPr>
         </p:nvSpPr>
         <p:spPr/>
@@ -6630,21 +6620,50 @@
           <a:lstStyle/>
           <a:p>
             <a:r>
-              <a:rPr lang="en-US" smtClean="0"/>
-              <a:t>About the Azure CLI</a:t>
-            </a:r>
-            <a:endParaRPr lang="en-US"/>
-          </a:p>
-        </p:txBody>
-      </p:sp>
-      <p:sp>
-        <p:nvSpPr>
-          <p:cNvPr id="3" name="Content Placeholder 2"/>
-          <p:cNvSpPr>
-            <a:spLocks noGrp="1"/>
-          </p:cNvSpPr>
-          <p:nvPr>
-            <p:ph idx="1"/>
+              <a:rPr lang="en-US" dirty="0"/>
+              <a:t>Create and Manage Azure Web Apps</a:t>
+            </a:r>
+          </a:p>
+        </p:txBody>
+      </p:sp>
+    </p:spTree>
+    <p:extLst>
+      <p:ext uri="{BB962C8B-B14F-4D97-AF65-F5344CB8AC3E}">
+        <p14:creationId xmlns:p14="http://schemas.microsoft.com/office/powerpoint/2010/main" val="441045865"/>
+      </p:ext>
+    </p:extLst>
+  </p:cSld>
+  <p:clrMapOvr>
+    <a:masterClrMapping/>
+  </p:clrMapOvr>
+</p:sld>
+</file>
+
+<file path=ppt/slides/slide14.xml><?xml version="1.0" encoding="utf-8"?>
+<p:sld xmlns:a="http://schemas.openxmlformats.org/drawingml/2006/main" xmlns:r="http://schemas.openxmlformats.org/officeDocument/2006/relationships" xmlns:p="http://schemas.openxmlformats.org/presentationml/2006/main">
+  <p:cSld>
+    <p:spTree>
+      <p:nvGrpSpPr>
+        <p:cNvPr id="1" name=""/>
+        <p:cNvGrpSpPr/>
+        <p:nvPr/>
+      </p:nvGrpSpPr>
+      <p:grpSpPr>
+        <a:xfrm>
+          <a:off x="0" y="0"/>
+          <a:ext cx="0" cy="0"/>
+          <a:chOff x="0" y="0"/>
+          <a:chExt cx="0" cy="0"/>
+        </a:xfrm>
+      </p:grpSpPr>
+      <p:sp>
+        <p:nvSpPr>
+          <p:cNvPr id="2" name="Title 1"/>
+          <p:cNvSpPr>
+            <a:spLocks noGrp="1"/>
+          </p:cNvSpPr>
+          <p:nvPr>
+            <p:ph type="title"/>
           </p:nvPr>
         </p:nvSpPr>
         <p:spPr/>
@@ -6653,60 +6672,490 @@
           <a:lstStyle/>
           <a:p>
             <a:r>
-              <a:rPr lang="en-US" smtClean="0"/>
-              <a:t>Xplat-CLI: Node.js application</a:t>
+              <a:rPr lang="en-US" dirty="0"/>
+              <a:t>Demo Tasks</a:t>
+            </a:r>
+          </a:p>
+        </p:txBody>
+      </p:sp>
+      <p:sp>
+        <p:nvSpPr>
+          <p:cNvPr id="3" name="Content Placeholder 2"/>
+          <p:cNvSpPr>
+            <a:spLocks noGrp="1"/>
+          </p:cNvSpPr>
+          <p:nvPr>
+            <p:ph idx="1"/>
+          </p:nvPr>
+        </p:nvSpPr>
+        <p:spPr/>
+        <p:txBody>
+          <a:bodyPr/>
+          <a:lstStyle/>
+          <a:p>
+            <a:r>
+              <a:rPr lang="en-US" dirty="0"/>
+              <a:t>Review portal experience</a:t>
+            </a:r>
+          </a:p>
+          <a:p>
+            <a:r>
+              <a:rPr lang="en-US" dirty="0"/>
+              <a:t>Azure PowerShell</a:t>
+            </a:r>
+          </a:p>
+          <a:p>
+            <a:r>
+              <a:rPr lang="en-US" dirty="0"/>
+              <a:t>Kudu PowerShell console</a:t>
+            </a:r>
+          </a:p>
+          <a:p>
+            <a:r>
+              <a:rPr lang="en-US" dirty="0"/>
+              <a:t>Cloud console</a:t>
+            </a:r>
+          </a:p>
+        </p:txBody>
+      </p:sp>
+      <p:pic>
+        <p:nvPicPr>
+          <p:cNvPr id="1026" name="Picture 2" descr="Lecture, Conference, Mission, Planning, Plan, Cat"/>
+          <p:cNvPicPr>
+            <a:picLocks noChangeAspect="1" noChangeArrowheads="1"/>
+          </p:cNvPicPr>
+          <p:nvPr/>
+        </p:nvPicPr>
+        <p:blipFill>
+          <a:blip r:embed="rId2">
+            <a:extLst>
+              <a:ext uri="{28A0092B-C50C-407E-A947-70E740481C1C}">
+                <a14:useLocalDpi xmlns:a14="http://schemas.microsoft.com/office/drawing/2010/main" val="0"/>
+              </a:ext>
+            </a:extLst>
+          </a:blip>
+          <a:srcRect/>
+          <a:stretch>
+            <a:fillRect/>
+          </a:stretch>
+        </p:blipFill>
+        <p:spPr bwMode="auto">
+          <a:xfrm>
+            <a:off x="5863742" y="1792224"/>
+            <a:ext cx="5654650" cy="3534156"/>
+          </a:xfrm>
+          <a:prstGeom prst="rect">
+            <a:avLst/>
+          </a:prstGeom>
+          <a:noFill/>
+          <a:extLst>
+            <a:ext uri="{909E8E84-426E-40DD-AFC4-6F175D3DCCD1}">
+              <a14:hiddenFill xmlns:a14="http://schemas.microsoft.com/office/drawing/2010/main">
+                <a:solidFill>
+                  <a:srgbClr val="FFFFFF"/>
+                </a:solidFill>
+              </a14:hiddenFill>
+            </a:ext>
+          </a:extLst>
+        </p:spPr>
+      </p:pic>
+    </p:spTree>
+    <p:extLst>
+      <p:ext uri="{BB962C8B-B14F-4D97-AF65-F5344CB8AC3E}">
+        <p14:creationId xmlns:p14="http://schemas.microsoft.com/office/powerpoint/2010/main" val="2797034559"/>
+      </p:ext>
+    </p:extLst>
+  </p:cSld>
+  <p:clrMapOvr>
+    <a:masterClrMapping/>
+  </p:clrMapOvr>
+</p:sld>
+</file>
+
+<file path=ppt/slides/slide15.xml><?xml version="1.0" encoding="utf-8"?>
+<p:sld xmlns:a="http://schemas.openxmlformats.org/drawingml/2006/main" xmlns:r="http://schemas.openxmlformats.org/officeDocument/2006/relationships" xmlns:p="http://schemas.openxmlformats.org/presentationml/2006/main">
+  <p:cSld>
+    <p:spTree>
+      <p:nvGrpSpPr>
+        <p:cNvPr id="1" name=""/>
+        <p:cNvGrpSpPr/>
+        <p:nvPr/>
+      </p:nvGrpSpPr>
+      <p:grpSpPr>
+        <a:xfrm>
+          <a:off x="0" y="0"/>
+          <a:ext cx="0" cy="0"/>
+          <a:chOff x="0" y="0"/>
+          <a:chExt cx="0" cy="0"/>
+        </a:xfrm>
+      </p:grpSpPr>
+      <p:sp>
+        <p:nvSpPr>
+          <p:cNvPr id="4" name="Title 3"/>
+          <p:cNvSpPr>
+            <a:spLocks noGrp="1"/>
+          </p:cNvSpPr>
+          <p:nvPr>
+            <p:ph type="ctrTitle"/>
+          </p:nvPr>
+        </p:nvSpPr>
+        <p:spPr/>
+        <p:txBody>
+          <a:bodyPr/>
+          <a:lstStyle/>
+          <a:p>
+            <a:r>
+              <a:rPr lang="en-US" dirty="0"/>
+              <a:t>Visual Studio Integration Points</a:t>
+            </a:r>
+          </a:p>
+        </p:txBody>
+      </p:sp>
+    </p:spTree>
+    <p:extLst>
+      <p:ext uri="{BB962C8B-B14F-4D97-AF65-F5344CB8AC3E}">
+        <p14:creationId xmlns:p14="http://schemas.microsoft.com/office/powerpoint/2010/main" val="725990735"/>
+      </p:ext>
+    </p:extLst>
+  </p:cSld>
+  <p:clrMapOvr>
+    <a:masterClrMapping/>
+  </p:clrMapOvr>
+</p:sld>
+</file>
+
+<file path=ppt/slides/slide16.xml><?xml version="1.0" encoding="utf-8"?>
+<p:sld xmlns:a="http://schemas.openxmlformats.org/drawingml/2006/main" xmlns:r="http://schemas.openxmlformats.org/officeDocument/2006/relationships" xmlns:p="http://schemas.openxmlformats.org/presentationml/2006/main">
+  <p:cSld>
+    <p:spTree>
+      <p:nvGrpSpPr>
+        <p:cNvPr id="1" name=""/>
+        <p:cNvGrpSpPr/>
+        <p:nvPr/>
+      </p:nvGrpSpPr>
+      <p:grpSpPr>
+        <a:xfrm>
+          <a:off x="0" y="0"/>
+          <a:ext cx="0" cy="0"/>
+          <a:chOff x="0" y="0"/>
+          <a:chExt cx="0" cy="0"/>
+        </a:xfrm>
+      </p:grpSpPr>
+      <p:sp>
+        <p:nvSpPr>
+          <p:cNvPr id="2" name="Title 1"/>
+          <p:cNvSpPr>
+            <a:spLocks noGrp="1"/>
+          </p:cNvSpPr>
+          <p:nvPr>
+            <p:ph type="title"/>
+          </p:nvPr>
+        </p:nvSpPr>
+        <p:spPr/>
+        <p:txBody>
+          <a:bodyPr/>
+          <a:lstStyle/>
+          <a:p>
+            <a:r>
+              <a:rPr lang="en-US" dirty="0"/>
+              <a:t>Demo Tasks</a:t>
+            </a:r>
+          </a:p>
+        </p:txBody>
+      </p:sp>
+      <p:sp>
+        <p:nvSpPr>
+          <p:cNvPr id="3" name="Content Placeholder 2"/>
+          <p:cNvSpPr>
+            <a:spLocks noGrp="1"/>
+          </p:cNvSpPr>
+          <p:nvPr>
+            <p:ph idx="1"/>
+          </p:nvPr>
+        </p:nvSpPr>
+        <p:spPr/>
+        <p:txBody>
+          <a:bodyPr/>
+          <a:lstStyle/>
+          <a:p>
+            <a:r>
+              <a:rPr lang="en-US" dirty="0"/>
+              <a:t>SDK availability</a:t>
+            </a:r>
+          </a:p>
+          <a:p>
+            <a:r>
+              <a:rPr lang="en-US" dirty="0"/>
+              <a:t>Create web app from template</a:t>
+            </a:r>
+          </a:p>
+          <a:p>
+            <a:r>
+              <a:rPr lang="en-US" dirty="0"/>
+              <a:t>Cloud explorer</a:t>
+            </a:r>
+          </a:p>
+          <a:p>
+            <a:r>
+              <a:rPr lang="en-US" dirty="0"/>
+              <a:t>Open Websites extension</a:t>
+            </a:r>
+          </a:p>
+          <a:p>
+            <a:r>
+              <a:rPr lang="en-US" dirty="0"/>
+              <a:t>JSON Outline</a:t>
+            </a:r>
+          </a:p>
+        </p:txBody>
+      </p:sp>
+      <p:pic>
+        <p:nvPicPr>
+          <p:cNvPr id="1026" name="Picture 2" descr="Lecture, Conference, Mission, Planning, Plan, Cat"/>
+          <p:cNvPicPr>
+            <a:picLocks noChangeAspect="1" noChangeArrowheads="1"/>
+          </p:cNvPicPr>
+          <p:nvPr/>
+        </p:nvPicPr>
+        <p:blipFill>
+          <a:blip r:embed="rId2">
+            <a:extLst>
+              <a:ext uri="{28A0092B-C50C-407E-A947-70E740481C1C}">
+                <a14:useLocalDpi xmlns:a14="http://schemas.microsoft.com/office/drawing/2010/main" val="0"/>
+              </a:ext>
+            </a:extLst>
+          </a:blip>
+          <a:srcRect/>
+          <a:stretch>
+            <a:fillRect/>
+          </a:stretch>
+        </p:blipFill>
+        <p:spPr bwMode="auto">
+          <a:xfrm>
+            <a:off x="5863742" y="1792224"/>
+            <a:ext cx="5654650" cy="3534156"/>
+          </a:xfrm>
+          <a:prstGeom prst="rect">
+            <a:avLst/>
+          </a:prstGeom>
+          <a:noFill/>
+          <a:extLst>
+            <a:ext uri="{909E8E84-426E-40DD-AFC4-6F175D3DCCD1}">
+              <a14:hiddenFill xmlns:a14="http://schemas.microsoft.com/office/drawing/2010/main">
+                <a:solidFill>
+                  <a:srgbClr val="FFFFFF"/>
+                </a:solidFill>
+              </a14:hiddenFill>
+            </a:ext>
+          </a:extLst>
+        </p:spPr>
+      </p:pic>
+    </p:spTree>
+    <p:extLst>
+      <p:ext uri="{BB962C8B-B14F-4D97-AF65-F5344CB8AC3E}">
+        <p14:creationId xmlns:p14="http://schemas.microsoft.com/office/powerpoint/2010/main" val="852799601"/>
+      </p:ext>
+    </p:extLst>
+  </p:cSld>
+  <p:clrMapOvr>
+    <a:masterClrMapping/>
+  </p:clrMapOvr>
+</p:sld>
+</file>
+
+<file path=ppt/slides/slide17.xml><?xml version="1.0" encoding="utf-8"?>
+<p:sld xmlns:a="http://schemas.openxmlformats.org/drawingml/2006/main" xmlns:r="http://schemas.openxmlformats.org/officeDocument/2006/relationships" xmlns:p="http://schemas.openxmlformats.org/presentationml/2006/main">
+  <p:cSld>
+    <p:spTree>
+      <p:nvGrpSpPr>
+        <p:cNvPr id="1" name=""/>
+        <p:cNvGrpSpPr/>
+        <p:nvPr/>
+      </p:nvGrpSpPr>
+      <p:grpSpPr>
+        <a:xfrm>
+          <a:off x="0" y="0"/>
+          <a:ext cx="0" cy="0"/>
+          <a:chOff x="0" y="0"/>
+          <a:chExt cx="0" cy="0"/>
+        </a:xfrm>
+      </p:grpSpPr>
+      <p:sp>
+        <p:nvSpPr>
+          <p:cNvPr id="4" name="Title 3"/>
+          <p:cNvSpPr>
+            <a:spLocks noGrp="1"/>
+          </p:cNvSpPr>
+          <p:nvPr>
+            <p:ph type="ctrTitle"/>
+          </p:nvPr>
+        </p:nvSpPr>
+        <p:spPr/>
+        <p:txBody>
+          <a:bodyPr/>
+          <a:lstStyle/>
+          <a:p>
+            <a:r>
+              <a:rPr lang="en-US"/>
+              <a:t>Understand Azure CLI v2.0</a:t>
+            </a:r>
+          </a:p>
+        </p:txBody>
+      </p:sp>
+    </p:spTree>
+    <p:extLst>
+      <p:ext uri="{BB962C8B-B14F-4D97-AF65-F5344CB8AC3E}">
+        <p14:creationId xmlns:p14="http://schemas.microsoft.com/office/powerpoint/2010/main" val="3572936075"/>
+      </p:ext>
+    </p:extLst>
+  </p:cSld>
+  <p:clrMapOvr>
+    <a:masterClrMapping/>
+  </p:clrMapOvr>
+</p:sld>
+</file>
+
+<file path=ppt/slides/slide18.xml><?xml version="1.0" encoding="utf-8"?>
+<p:sld xmlns:a="http://schemas.openxmlformats.org/drawingml/2006/main" xmlns:r="http://schemas.openxmlformats.org/officeDocument/2006/relationships" xmlns:p="http://schemas.openxmlformats.org/presentationml/2006/main">
+  <p:cSld>
+    <p:spTree>
+      <p:nvGrpSpPr>
+        <p:cNvPr id="1" name=""/>
+        <p:cNvGrpSpPr/>
+        <p:nvPr/>
+      </p:nvGrpSpPr>
+      <p:grpSpPr>
+        <a:xfrm>
+          <a:off x="0" y="0"/>
+          <a:ext cx="0" cy="0"/>
+          <a:chOff x="0" y="0"/>
+          <a:chExt cx="0" cy="0"/>
+        </a:xfrm>
+      </p:grpSpPr>
+      <p:sp>
+        <p:nvSpPr>
+          <p:cNvPr id="2" name="Title 1"/>
+          <p:cNvSpPr>
+            <a:spLocks noGrp="1"/>
+          </p:cNvSpPr>
+          <p:nvPr>
+            <p:ph type="title"/>
+          </p:nvPr>
+        </p:nvSpPr>
+        <p:spPr/>
+        <p:txBody>
+          <a:bodyPr/>
+          <a:lstStyle/>
+          <a:p>
+            <a:r>
+              <a:rPr lang="en-US" dirty="0"/>
+              <a:t>A Tale of Two Azure CLIs</a:t>
+            </a:r>
+          </a:p>
+        </p:txBody>
+      </p:sp>
+      <p:sp>
+        <p:nvSpPr>
+          <p:cNvPr id="3" name="Content Placeholder 2"/>
+          <p:cNvSpPr>
+            <a:spLocks noGrp="1"/>
+          </p:cNvSpPr>
+          <p:nvPr>
+            <p:ph idx="1"/>
+          </p:nvPr>
+        </p:nvSpPr>
+        <p:spPr>
+          <a:xfrm>
+            <a:off x="677334" y="2160589"/>
+            <a:ext cx="5632026" cy="4340795"/>
+          </a:xfrm>
+        </p:spPr>
+        <p:txBody>
+          <a:bodyPr/>
+          <a:lstStyle/>
+          <a:p>
+            <a:r>
+              <a:rPr lang="en-US" dirty="0" err="1"/>
+              <a:t>Xplat</a:t>
+            </a:r>
+            <a:r>
+              <a:rPr lang="en-US" dirty="0"/>
+              <a:t>-CLI: Node.js application</a:t>
             </a:r>
           </a:p>
           <a:p>
             <a:pPr lvl="1"/>
             <a:r>
-              <a:rPr lang="en-US" smtClean="0"/>
+              <a:rPr lang="en-US" dirty="0"/>
               <a:t>Azure Service Management (ASM)</a:t>
             </a:r>
           </a:p>
           <a:p>
             <a:r>
-              <a:rPr lang="en-US" smtClean="0"/>
+              <a:rPr lang="en-US" dirty="0"/>
               <a:t>Cross-platform programmatic access to Azure</a:t>
             </a:r>
           </a:p>
           <a:p>
             <a:r>
-              <a:rPr lang="en-US" smtClean="0"/>
+              <a:rPr lang="en-US" dirty="0"/>
               <a:t>Azure CLI v2.0: Python application</a:t>
             </a:r>
           </a:p>
           <a:p>
             <a:r>
-              <a:rPr lang="en-US" smtClean="0"/>
+              <a:rPr lang="en-US" dirty="0"/>
               <a:t>The two CLIs are incompatible (</a:t>
             </a:r>
             <a:r>
-              <a:rPr lang="en-US" smtClean="0">
+              <a:rPr lang="en-US" dirty="0">
                 <a:latin typeface="Courier New" panose="02070309020205020404" pitchFamily="49" charset="0"/>
                 <a:cs typeface="Courier New" panose="02070309020205020404" pitchFamily="49" charset="0"/>
               </a:rPr>
               <a:t>azure</a:t>
             </a:r>
             <a:r>
-              <a:rPr lang="en-US" smtClean="0"/>
+              <a:rPr lang="en-US" dirty="0"/>
               <a:t> vs </a:t>
             </a:r>
             <a:r>
-              <a:rPr lang="en-US" smtClean="0">
+              <a:rPr lang="en-US" dirty="0" err="1">
                 <a:latin typeface="Courier New" panose="02070309020205020404" pitchFamily="49" charset="0"/>
                 <a:cs typeface="Courier New" panose="02070309020205020404" pitchFamily="49" charset="0"/>
               </a:rPr>
               <a:t>az</a:t>
             </a:r>
             <a:r>
-              <a:rPr lang="en-US" smtClean="0"/>
+              <a:rPr lang="en-US" dirty="0"/>
               <a:t>)</a:t>
             </a:r>
-            <a:endParaRPr lang="en-US"/>
-          </a:p>
-        </p:txBody>
-      </p:sp>
+          </a:p>
+        </p:txBody>
+      </p:sp>
+      <p:pic>
+        <p:nvPicPr>
+          <p:cNvPr id="4" name="Picture 3"/>
+          <p:cNvPicPr>
+            <a:picLocks noChangeAspect="1"/>
+          </p:cNvPicPr>
+          <p:nvPr/>
+        </p:nvPicPr>
+        <p:blipFill>
+          <a:blip r:embed="rId2"/>
+          <a:stretch>
+            <a:fillRect/>
+          </a:stretch>
+        </p:blipFill>
+        <p:spPr>
+          <a:xfrm>
+            <a:off x="6462512" y="1745613"/>
+            <a:ext cx="5390604" cy="3365883"/>
+          </a:xfrm>
+          <a:prstGeom prst="rect">
+            <a:avLst/>
+          </a:prstGeom>
+        </p:spPr>
+      </p:pic>
     </p:spTree>
     <p:extLst>
       <p:ext uri="{BB962C8B-B14F-4D97-AF65-F5344CB8AC3E}">
@@ -7055,7 +7504,7 @@
 </p:sld>
 </file>
 
-<file path=ppt/slides/slide14.xml><?xml version="1.0" encoding="utf-8"?>
+<file path=ppt/slides/slide19.xml><?xml version="1.0" encoding="utf-8"?>
 <p:sld xmlns:a="http://schemas.openxmlformats.org/drawingml/2006/main" xmlns:r="http://schemas.openxmlformats.org/officeDocument/2006/relationships" xmlns:p="http://schemas.openxmlformats.org/presentationml/2006/main">
   <p:cSld>
     <p:spTree>
@@ -7074,7 +7523,7 @@
       </p:grpSpPr>
       <p:sp>
         <p:nvSpPr>
-          <p:cNvPr id="4" name="Title 3"/>
+          <p:cNvPr id="2" name="Title 1"/>
           <p:cNvSpPr>
             <a:spLocks noGrp="1"/>
           </p:cNvSpPr>
@@ -7083,140 +7532,50 @@
           </p:nvPr>
         </p:nvSpPr>
         <p:spPr/>
-        <p:txBody>
-          <a:bodyPr>
-            <a:normAutofit/>
-          </a:bodyPr>
-          <a:lstStyle/>
-          <a:p>
-            <a:r>
-              <a:rPr lang="en-US" sz="3600" smtClean="0"/>
-              <a:t>Thank you!</a:t>
-            </a:r>
-            <a:endParaRPr lang="en-US" sz="3600"/>
-          </a:p>
-        </p:txBody>
-      </p:sp>
-      <p:sp>
-        <p:nvSpPr>
-          <p:cNvPr id="5" name="Content Placeholder 4"/>
-          <p:cNvSpPr>
-            <a:spLocks noGrp="1"/>
-          </p:cNvSpPr>
-          <p:nvPr>
-            <p:ph idx="1"/>
-          </p:nvPr>
-        </p:nvSpPr>
-        <p:spPr>
-          <a:xfrm>
-            <a:off x="4445501" y="2647670"/>
-            <a:ext cx="6313939" cy="3856961"/>
-          </a:xfrm>
-        </p:spPr>
         <p:txBody>
           <a:bodyPr/>
           <a:lstStyle/>
           <a:p>
             <a:r>
-              <a:rPr lang="en-US" smtClean="0"/>
-              <a:t>Materials: </a:t>
-            </a:r>
-            <a:r>
-              <a:rPr lang="en-US" b="1" smtClean="0">
-                <a:solidFill>
-                  <a:srgbClr val="0070C0"/>
-                </a:solidFill>
-              </a:rPr>
-              <a:t>timw.info/awa</a:t>
-            </a:r>
-          </a:p>
-          <a:p>
-            <a:r>
-              <a:rPr lang="en-US" smtClean="0"/>
-              <a:t>Twitter: </a:t>
-            </a:r>
-            <a:r>
-              <a:rPr lang="en-US" b="1">
-                <a:solidFill>
-                  <a:srgbClr val="0070C0"/>
-                </a:solidFill>
-              </a:rPr>
-              <a:t>@TechTrainerTim</a:t>
-            </a:r>
-          </a:p>
-          <a:p>
-            <a:r>
-              <a:rPr lang="en-US" smtClean="0"/>
-              <a:t>Site: </a:t>
-            </a:r>
-            <a:r>
-              <a:rPr lang="en-US" b="1">
-                <a:solidFill>
-                  <a:srgbClr val="0070C0"/>
-                </a:solidFill>
-              </a:rPr>
-              <a:t>techtrainertim.com</a:t>
-            </a:r>
-          </a:p>
-          <a:p>
-            <a:r>
-              <a:rPr lang="en-US" smtClean="0"/>
-              <a:t>Mail: </a:t>
-            </a:r>
-            <a:r>
-              <a:rPr lang="en-US" b="1">
-                <a:solidFill>
-                  <a:srgbClr val="0070C0"/>
-                </a:solidFill>
-              </a:rPr>
-              <a:t>timothy-warner@pluralsight.com</a:t>
-            </a:r>
-            <a:endParaRPr lang="en-US" b="1">
-              <a:solidFill>
-                <a:srgbClr val="0070C0"/>
-              </a:solidFill>
-            </a:endParaRPr>
-          </a:p>
-        </p:txBody>
-      </p:sp>
-      <p:sp>
-        <p:nvSpPr>
-          <p:cNvPr id="6" name="Text Placeholder 5"/>
-          <p:cNvSpPr>
-            <a:spLocks noGrp="1"/>
-          </p:cNvSpPr>
-          <p:nvPr>
-            <p:ph type="body" sz="half" idx="2"/>
+              <a:rPr lang="en-US" dirty="0"/>
+              <a:t>Demo Tasks</a:t>
+            </a:r>
+          </a:p>
+        </p:txBody>
+      </p:sp>
+      <p:sp>
+        <p:nvSpPr>
+          <p:cNvPr id="3" name="Content Placeholder 2"/>
+          <p:cNvSpPr>
+            <a:spLocks noGrp="1"/>
+          </p:cNvSpPr>
+          <p:nvPr>
+            <p:ph idx="1"/>
           </p:nvPr>
         </p:nvSpPr>
         <p:spPr/>
         <p:txBody>
-          <a:bodyPr>
-            <a:normAutofit/>
-          </a:bodyPr>
+          <a:bodyPr/>
           <a:lstStyle/>
           <a:p>
             <a:r>
-              <a:rPr lang="en-US" sz="1800" smtClean="0"/>
-              <a:t>Don't You Forget About </a:t>
-            </a:r>
-            <a:r>
-              <a:rPr lang="en-US" sz="1800" strike="sngStrike" smtClean="0"/>
-              <a:t>Me</a:t>
-            </a:r>
-            <a:r>
-              <a:rPr lang="en-US" sz="1800" smtClean="0"/>
-              <a:t> the evaluation</a:t>
-            </a:r>
-            <a:endParaRPr lang="en-US" sz="1800"/>
+              <a:rPr lang="en-US" dirty="0"/>
+              <a:t>Installation workflow</a:t>
+            </a:r>
+          </a:p>
+          <a:p>
+            <a:r>
+              <a:rPr lang="en-US" dirty="0"/>
+              <a:t>Play with the tool in the website context</a:t>
+            </a:r>
           </a:p>
         </p:txBody>
       </p:sp>
       <p:pic>
         <p:nvPicPr>
-          <p:cNvPr id="7" name="Picture 6"/>
+          <p:cNvPr id="1026" name="Picture 2" descr="Lecture, Conference, Mission, Planning, Plan, Cat"/>
           <p:cNvPicPr>
-            <a:picLocks noChangeAspect="1"/>
+            <a:picLocks noChangeAspect="1" noChangeArrowheads="1"/>
           </p:cNvPicPr>
           <p:nvPr/>
         </p:nvPicPr>
@@ -7228,304 +7587,41 @@
               </a:ext>
             </a:extLst>
           </a:blip>
+          <a:srcRect/>
           <a:stretch>
             <a:fillRect/>
           </a:stretch>
         </p:blipFill>
-        <p:spPr>
+        <p:spPr bwMode="auto">
           <a:xfrm>
-            <a:off x="677334" y="3567263"/>
-            <a:ext cx="3048000" cy="2017776"/>
+            <a:off x="5863742" y="1792224"/>
+            <a:ext cx="5654650" cy="3534156"/>
           </a:xfrm>
           <a:prstGeom prst="rect">
             <a:avLst/>
           </a:prstGeom>
+          <a:noFill/>
+          <a:extLst>
+            <a:ext uri="{909E8E84-426E-40DD-AFC4-6F175D3DCCD1}">
+              <a14:hiddenFill xmlns:a14="http://schemas.microsoft.com/office/drawing/2010/main">
+                <a:solidFill>
+                  <a:srgbClr val="FFFFFF"/>
+                </a:solidFill>
+              </a14:hiddenFill>
+            </a:ext>
+          </a:extLst>
         </p:spPr>
       </p:pic>
     </p:spTree>
     <p:extLst>
       <p:ext uri="{BB962C8B-B14F-4D97-AF65-F5344CB8AC3E}">
-        <p14:creationId xmlns:p14="http://schemas.microsoft.com/office/powerpoint/2010/main" val="230511919"/>
+        <p14:creationId xmlns:p14="http://schemas.microsoft.com/office/powerpoint/2010/main" val="988184761"/>
       </p:ext>
     </p:extLst>
   </p:cSld>
   <p:clrMapOvr>
     <a:masterClrMapping/>
   </p:clrMapOvr>
-  <p:timing>
-    <p:tnLst>
-      <p:par>
-        <p:cTn id="1" dur="indefinite" restart="never" nodeType="tmRoot">
-          <p:childTnLst>
-            <p:seq concurrent="1" nextAc="seek">
-              <p:cTn id="2" dur="indefinite" nodeType="mainSeq">
-                <p:childTnLst>
-                  <p:par>
-                    <p:cTn id="3" fill="hold">
-                      <p:stCondLst>
-                        <p:cond delay="indefinite"/>
-                      </p:stCondLst>
-                      <p:childTnLst>
-                        <p:par>
-                          <p:cTn id="4" fill="hold">
-                            <p:stCondLst>
-                              <p:cond delay="0"/>
-                            </p:stCondLst>
-                            <p:childTnLst>
-                              <p:par>
-                                <p:cTn id="5" presetID="10" presetClass="entr" presetSubtype="0" fill="hold" nodeType="clickEffect">
-                                  <p:stCondLst>
-                                    <p:cond delay="0"/>
-                                  </p:stCondLst>
-                                  <p:childTnLst>
-                                    <p:set>
-                                      <p:cBhvr>
-                                        <p:cTn id="6" dur="1" fill="hold">
-                                          <p:stCondLst>
-                                            <p:cond delay="0"/>
-                                          </p:stCondLst>
-                                        </p:cTn>
-                                        <p:tgtEl>
-                                          <p:spTgt spid="5">
-                                            <p:txEl>
-                                              <p:pRg st="0" end="0"/>
-                                            </p:txEl>
-                                          </p:spTgt>
-                                        </p:tgtEl>
-                                        <p:attrNameLst>
-                                          <p:attrName>style.visibility</p:attrName>
-                                        </p:attrNameLst>
-                                      </p:cBhvr>
-                                      <p:to>
-                                        <p:strVal val="visible"/>
-                                      </p:to>
-                                    </p:set>
-                                    <p:animEffect transition="in" filter="fade">
-                                      <p:cBhvr>
-                                        <p:cTn id="7" dur="500"/>
-                                        <p:tgtEl>
-                                          <p:spTgt spid="5">
-                                            <p:txEl>
-                                              <p:pRg st="0" end="0"/>
-                                            </p:txEl>
-                                          </p:spTgt>
-                                        </p:tgtEl>
-                                      </p:cBhvr>
-                                    </p:animEffect>
-                                  </p:childTnLst>
-                                </p:cTn>
-                              </p:par>
-                            </p:childTnLst>
-                          </p:cTn>
-                        </p:par>
-                      </p:childTnLst>
-                    </p:cTn>
-                  </p:par>
-                  <p:par>
-                    <p:cTn id="8" fill="hold">
-                      <p:stCondLst>
-                        <p:cond delay="indefinite"/>
-                      </p:stCondLst>
-                      <p:childTnLst>
-                        <p:par>
-                          <p:cTn id="9" fill="hold">
-                            <p:stCondLst>
-                              <p:cond delay="0"/>
-                            </p:stCondLst>
-                            <p:childTnLst>
-                              <p:par>
-                                <p:cTn id="10" presetID="10" presetClass="entr" presetSubtype="0" fill="hold" nodeType="clickEffect">
-                                  <p:stCondLst>
-                                    <p:cond delay="0"/>
-                                  </p:stCondLst>
-                                  <p:childTnLst>
-                                    <p:set>
-                                      <p:cBhvr>
-                                        <p:cTn id="11" dur="1" fill="hold">
-                                          <p:stCondLst>
-                                            <p:cond delay="0"/>
-                                          </p:stCondLst>
-                                        </p:cTn>
-                                        <p:tgtEl>
-                                          <p:spTgt spid="5">
-                                            <p:txEl>
-                                              <p:pRg st="1" end="1"/>
-                                            </p:txEl>
-                                          </p:spTgt>
-                                        </p:tgtEl>
-                                        <p:attrNameLst>
-                                          <p:attrName>style.visibility</p:attrName>
-                                        </p:attrNameLst>
-                                      </p:cBhvr>
-                                      <p:to>
-                                        <p:strVal val="visible"/>
-                                      </p:to>
-                                    </p:set>
-                                    <p:animEffect transition="in" filter="fade">
-                                      <p:cBhvr>
-                                        <p:cTn id="12" dur="500"/>
-                                        <p:tgtEl>
-                                          <p:spTgt spid="5">
-                                            <p:txEl>
-                                              <p:pRg st="1" end="1"/>
-                                            </p:txEl>
-                                          </p:spTgt>
-                                        </p:tgtEl>
-                                      </p:cBhvr>
-                                    </p:animEffect>
-                                  </p:childTnLst>
-                                </p:cTn>
-                              </p:par>
-                            </p:childTnLst>
-                          </p:cTn>
-                        </p:par>
-                      </p:childTnLst>
-                    </p:cTn>
-                  </p:par>
-                  <p:par>
-                    <p:cTn id="13" fill="hold">
-                      <p:stCondLst>
-                        <p:cond delay="indefinite"/>
-                      </p:stCondLst>
-                      <p:childTnLst>
-                        <p:par>
-                          <p:cTn id="14" fill="hold">
-                            <p:stCondLst>
-                              <p:cond delay="0"/>
-                            </p:stCondLst>
-                            <p:childTnLst>
-                              <p:par>
-                                <p:cTn id="15" presetID="10" presetClass="entr" presetSubtype="0" fill="hold" nodeType="clickEffect">
-                                  <p:stCondLst>
-                                    <p:cond delay="0"/>
-                                  </p:stCondLst>
-                                  <p:childTnLst>
-                                    <p:set>
-                                      <p:cBhvr>
-                                        <p:cTn id="16" dur="1" fill="hold">
-                                          <p:stCondLst>
-                                            <p:cond delay="0"/>
-                                          </p:stCondLst>
-                                        </p:cTn>
-                                        <p:tgtEl>
-                                          <p:spTgt spid="5">
-                                            <p:txEl>
-                                              <p:pRg st="2" end="2"/>
-                                            </p:txEl>
-                                          </p:spTgt>
-                                        </p:tgtEl>
-                                        <p:attrNameLst>
-                                          <p:attrName>style.visibility</p:attrName>
-                                        </p:attrNameLst>
-                                      </p:cBhvr>
-                                      <p:to>
-                                        <p:strVal val="visible"/>
-                                      </p:to>
-                                    </p:set>
-                                    <p:animEffect transition="in" filter="fade">
-                                      <p:cBhvr>
-                                        <p:cTn id="17" dur="500"/>
-                                        <p:tgtEl>
-                                          <p:spTgt spid="5">
-                                            <p:txEl>
-                                              <p:pRg st="2" end="2"/>
-                                            </p:txEl>
-                                          </p:spTgt>
-                                        </p:tgtEl>
-                                      </p:cBhvr>
-                                    </p:animEffect>
-                                  </p:childTnLst>
-                                </p:cTn>
-                              </p:par>
-                            </p:childTnLst>
-                          </p:cTn>
-                        </p:par>
-                      </p:childTnLst>
-                    </p:cTn>
-                  </p:par>
-                  <p:par>
-                    <p:cTn id="18" fill="hold">
-                      <p:stCondLst>
-                        <p:cond delay="indefinite"/>
-                      </p:stCondLst>
-                      <p:childTnLst>
-                        <p:par>
-                          <p:cTn id="19" fill="hold">
-                            <p:stCondLst>
-                              <p:cond delay="0"/>
-                            </p:stCondLst>
-                            <p:childTnLst>
-                              <p:par>
-                                <p:cTn id="20" presetID="10" presetClass="entr" presetSubtype="0" fill="hold" nodeType="clickEffect">
-                                  <p:stCondLst>
-                                    <p:cond delay="0"/>
-                                  </p:stCondLst>
-                                  <p:childTnLst>
-                                    <p:set>
-                                      <p:cBhvr>
-                                        <p:cTn id="21" dur="1" fill="hold">
-                                          <p:stCondLst>
-                                            <p:cond delay="0"/>
-                                          </p:stCondLst>
-                                        </p:cTn>
-                                        <p:tgtEl>
-                                          <p:spTgt spid="5">
-                                            <p:txEl>
-                                              <p:pRg st="3" end="3"/>
-                                            </p:txEl>
-                                          </p:spTgt>
-                                        </p:tgtEl>
-                                        <p:attrNameLst>
-                                          <p:attrName>style.visibility</p:attrName>
-                                        </p:attrNameLst>
-                                      </p:cBhvr>
-                                      <p:to>
-                                        <p:strVal val="visible"/>
-                                      </p:to>
-                                    </p:set>
-                                    <p:animEffect transition="in" filter="fade">
-                                      <p:cBhvr>
-                                        <p:cTn id="22" dur="500"/>
-                                        <p:tgtEl>
-                                          <p:spTgt spid="5">
-                                            <p:txEl>
-                                              <p:pRg st="3" end="3"/>
-                                            </p:txEl>
-                                          </p:spTgt>
-                                        </p:tgtEl>
-                                      </p:cBhvr>
-                                    </p:animEffect>
-                                  </p:childTnLst>
-                                </p:cTn>
-                              </p:par>
-                            </p:childTnLst>
-                          </p:cTn>
-                        </p:par>
-                      </p:childTnLst>
-                    </p:cTn>
-                  </p:par>
-                </p:childTnLst>
-              </p:cTn>
-              <p:prevCondLst>
-                <p:cond evt="onPrev" delay="0">
-                  <p:tgtEl>
-                    <p:sldTgt/>
-                  </p:tgtEl>
-                </p:cond>
-              </p:prevCondLst>
-              <p:nextCondLst>
-                <p:cond evt="onNext" delay="0">
-                  <p:tgtEl>
-                    <p:sldTgt/>
-                  </p:tgtEl>
-                </p:cond>
-              </p:nextCondLst>
-            </p:seq>
-          </p:childTnLst>
-        </p:cTn>
-      </p:par>
-    </p:tnLst>
-  </p:timing>
 </p:sld>
 </file>
 
@@ -7562,10 +7658,9 @@
           <a:lstStyle/>
           <a:p>
             <a:r>
-              <a:rPr lang="en-US" smtClean="0"/>
-              <a:t>Our Agenda</a:t>
-            </a:r>
-            <a:endParaRPr lang="en-US"/>
+              <a:rPr lang="en-US" dirty="0"/>
+              <a:t>Your Takeaways</a:t>
+            </a:r>
           </a:p>
         </p:txBody>
       </p:sp>
@@ -7585,34 +7680,41 @@
           <a:lstStyle/>
           <a:p>
             <a:r>
-              <a:rPr lang="en-US" smtClean="0"/>
+              <a:rPr lang="en-US" dirty="0"/>
               <a:t>Understand Azure App Services</a:t>
             </a:r>
           </a:p>
           <a:p>
             <a:r>
-              <a:rPr lang="en-US" smtClean="0"/>
-              <a:t>Explore the AzureRM.Websites PowerShell module</a:t>
-            </a:r>
-          </a:p>
-          <a:p>
-            <a:r>
-              <a:rPr lang="en-US" smtClean="0"/>
+              <a:rPr lang="en-US" dirty="0"/>
+              <a:t>Explore the </a:t>
+            </a:r>
+            <a:r>
+              <a:rPr lang="en-US" dirty="0" err="1"/>
+              <a:t>AzureRM.Websites</a:t>
+            </a:r>
+            <a:r>
+              <a:rPr lang="en-US" dirty="0"/>
+              <a:t> PowerShell module</a:t>
+            </a:r>
+          </a:p>
+          <a:p>
+            <a:r>
+              <a:rPr lang="en-US" dirty="0"/>
               <a:t>Create and manage Web apps programmatically</a:t>
             </a:r>
           </a:p>
           <a:p>
             <a:r>
-              <a:rPr lang="en-US" smtClean="0"/>
-              <a:t>Deploy ARM templates with PowerShell</a:t>
-            </a:r>
-          </a:p>
-          <a:p>
-            <a:r>
-              <a:rPr lang="en-US" smtClean="0"/>
-              <a:t>If we have time...understand Azure CLI v2.0</a:t>
-            </a:r>
-            <a:endParaRPr lang="en-US"/>
+              <a:rPr lang="en-US" dirty="0"/>
+              <a:t>Visual Studio integration points</a:t>
+            </a:r>
+          </a:p>
+          <a:p>
+            <a:r>
+              <a:rPr lang="en-US" dirty="0"/>
+              <a:t>If we have time...get familiar with Azure CLI v2.0</a:t>
+            </a:r>
           </a:p>
         </p:txBody>
       </p:sp>
@@ -7964,6 +8066,473 @@
 </p:sld>
 </file>
 
+<file path=ppt/slides/slide20.xml><?xml version="1.0" encoding="utf-8"?>
+<p:sld xmlns:a="http://schemas.openxmlformats.org/drawingml/2006/main" xmlns:r="http://schemas.openxmlformats.org/officeDocument/2006/relationships" xmlns:p="http://schemas.openxmlformats.org/presentationml/2006/main">
+  <p:cSld>
+    <p:spTree>
+      <p:nvGrpSpPr>
+        <p:cNvPr id="1" name=""/>
+        <p:cNvGrpSpPr/>
+        <p:nvPr/>
+      </p:nvGrpSpPr>
+      <p:grpSpPr>
+        <a:xfrm>
+          <a:off x="0" y="0"/>
+          <a:ext cx="0" cy="0"/>
+          <a:chOff x="0" y="0"/>
+          <a:chExt cx="0" cy="0"/>
+        </a:xfrm>
+      </p:grpSpPr>
+      <p:sp>
+        <p:nvSpPr>
+          <p:cNvPr id="4" name="Title 3"/>
+          <p:cNvSpPr>
+            <a:spLocks noGrp="1"/>
+          </p:cNvSpPr>
+          <p:nvPr>
+            <p:ph type="title"/>
+          </p:nvPr>
+        </p:nvSpPr>
+        <p:spPr/>
+        <p:txBody>
+          <a:bodyPr>
+            <a:normAutofit/>
+          </a:bodyPr>
+          <a:lstStyle/>
+          <a:p>
+            <a:r>
+              <a:rPr lang="en-US" sz="3600"/>
+              <a:t>Thank you!</a:t>
+            </a:r>
+          </a:p>
+        </p:txBody>
+      </p:sp>
+      <p:sp>
+        <p:nvSpPr>
+          <p:cNvPr id="5" name="Content Placeholder 4"/>
+          <p:cNvSpPr>
+            <a:spLocks noGrp="1"/>
+          </p:cNvSpPr>
+          <p:nvPr>
+            <p:ph idx="1"/>
+          </p:nvPr>
+        </p:nvSpPr>
+        <p:spPr>
+          <a:xfrm>
+            <a:off x="4445501" y="2647670"/>
+            <a:ext cx="6313939" cy="3856961"/>
+          </a:xfrm>
+        </p:spPr>
+        <p:txBody>
+          <a:bodyPr/>
+          <a:lstStyle/>
+          <a:p>
+            <a:r>
+              <a:rPr lang="en-US"/>
+              <a:t>Materials: </a:t>
+            </a:r>
+            <a:r>
+              <a:rPr lang="en-US" b="1">
+                <a:solidFill>
+                  <a:srgbClr val="0070C0"/>
+                </a:solidFill>
+              </a:rPr>
+              <a:t>timw.info/awa</a:t>
+            </a:r>
+          </a:p>
+          <a:p>
+            <a:r>
+              <a:rPr lang="en-US"/>
+              <a:t>Twitter: </a:t>
+            </a:r>
+            <a:r>
+              <a:rPr lang="en-US" b="1">
+                <a:solidFill>
+                  <a:srgbClr val="0070C0"/>
+                </a:solidFill>
+              </a:rPr>
+              <a:t>@TechTrainerTim</a:t>
+            </a:r>
+          </a:p>
+          <a:p>
+            <a:r>
+              <a:rPr lang="en-US"/>
+              <a:t>Site: </a:t>
+            </a:r>
+            <a:r>
+              <a:rPr lang="en-US" b="1">
+                <a:solidFill>
+                  <a:srgbClr val="0070C0"/>
+                </a:solidFill>
+              </a:rPr>
+              <a:t>techtrainertim.com</a:t>
+            </a:r>
+          </a:p>
+          <a:p>
+            <a:r>
+              <a:rPr lang="en-US"/>
+              <a:t>Mail: </a:t>
+            </a:r>
+            <a:r>
+              <a:rPr lang="en-US" b="1">
+                <a:solidFill>
+                  <a:srgbClr val="0070C0"/>
+                </a:solidFill>
+              </a:rPr>
+              <a:t>timothy-warner@pluralsight.com</a:t>
+            </a:r>
+          </a:p>
+        </p:txBody>
+      </p:sp>
+      <p:sp>
+        <p:nvSpPr>
+          <p:cNvPr id="6" name="Text Placeholder 5"/>
+          <p:cNvSpPr>
+            <a:spLocks noGrp="1"/>
+          </p:cNvSpPr>
+          <p:nvPr>
+            <p:ph type="body" sz="half" idx="2"/>
+          </p:nvPr>
+        </p:nvSpPr>
+        <p:spPr/>
+        <p:txBody>
+          <a:bodyPr>
+            <a:normAutofit/>
+          </a:bodyPr>
+          <a:lstStyle/>
+          <a:p>
+            <a:r>
+              <a:rPr lang="en-US" sz="1800"/>
+              <a:t>Don't You Forget About </a:t>
+            </a:r>
+            <a:r>
+              <a:rPr lang="en-US" sz="1800" strike="sngStrike"/>
+              <a:t>Me</a:t>
+            </a:r>
+            <a:r>
+              <a:rPr lang="en-US" sz="1800"/>
+              <a:t> the evaluation</a:t>
+            </a:r>
+          </a:p>
+        </p:txBody>
+      </p:sp>
+      <p:pic>
+        <p:nvPicPr>
+          <p:cNvPr id="7" name="Picture 6"/>
+          <p:cNvPicPr>
+            <a:picLocks noChangeAspect="1"/>
+          </p:cNvPicPr>
+          <p:nvPr/>
+        </p:nvPicPr>
+        <p:blipFill>
+          <a:blip r:embed="rId2">
+            <a:extLst>
+              <a:ext uri="{28A0092B-C50C-407E-A947-70E740481C1C}">
+                <a14:useLocalDpi xmlns:a14="http://schemas.microsoft.com/office/drawing/2010/main" val="0"/>
+              </a:ext>
+            </a:extLst>
+          </a:blip>
+          <a:stretch>
+            <a:fillRect/>
+          </a:stretch>
+        </p:blipFill>
+        <p:spPr>
+          <a:xfrm>
+            <a:off x="677334" y="3567263"/>
+            <a:ext cx="3048000" cy="2017776"/>
+          </a:xfrm>
+          <a:prstGeom prst="rect">
+            <a:avLst/>
+          </a:prstGeom>
+        </p:spPr>
+      </p:pic>
+    </p:spTree>
+    <p:extLst>
+      <p:ext uri="{BB962C8B-B14F-4D97-AF65-F5344CB8AC3E}">
+        <p14:creationId xmlns:p14="http://schemas.microsoft.com/office/powerpoint/2010/main" val="230511919"/>
+      </p:ext>
+    </p:extLst>
+  </p:cSld>
+  <p:clrMapOvr>
+    <a:masterClrMapping/>
+  </p:clrMapOvr>
+  <p:timing>
+    <p:tnLst>
+      <p:par>
+        <p:cTn id="1" dur="indefinite" restart="never" nodeType="tmRoot">
+          <p:childTnLst>
+            <p:seq concurrent="1" nextAc="seek">
+              <p:cTn id="2" dur="indefinite" nodeType="mainSeq">
+                <p:childTnLst>
+                  <p:par>
+                    <p:cTn id="3" fill="hold">
+                      <p:stCondLst>
+                        <p:cond delay="indefinite"/>
+                      </p:stCondLst>
+                      <p:childTnLst>
+                        <p:par>
+                          <p:cTn id="4" fill="hold">
+                            <p:stCondLst>
+                              <p:cond delay="0"/>
+                            </p:stCondLst>
+                            <p:childTnLst>
+                              <p:par>
+                                <p:cTn id="5" presetID="10" presetClass="entr" presetSubtype="0" fill="hold" nodeType="clickEffect">
+                                  <p:stCondLst>
+                                    <p:cond delay="0"/>
+                                  </p:stCondLst>
+                                  <p:childTnLst>
+                                    <p:set>
+                                      <p:cBhvr>
+                                        <p:cTn id="6" dur="1" fill="hold">
+                                          <p:stCondLst>
+                                            <p:cond delay="0"/>
+                                          </p:stCondLst>
+                                        </p:cTn>
+                                        <p:tgtEl>
+                                          <p:spTgt spid="5">
+                                            <p:txEl>
+                                              <p:pRg st="0" end="0"/>
+                                            </p:txEl>
+                                          </p:spTgt>
+                                        </p:tgtEl>
+                                        <p:attrNameLst>
+                                          <p:attrName>style.visibility</p:attrName>
+                                        </p:attrNameLst>
+                                      </p:cBhvr>
+                                      <p:to>
+                                        <p:strVal val="visible"/>
+                                      </p:to>
+                                    </p:set>
+                                    <p:animEffect transition="in" filter="fade">
+                                      <p:cBhvr>
+                                        <p:cTn id="7" dur="500"/>
+                                        <p:tgtEl>
+                                          <p:spTgt spid="5">
+                                            <p:txEl>
+                                              <p:pRg st="0" end="0"/>
+                                            </p:txEl>
+                                          </p:spTgt>
+                                        </p:tgtEl>
+                                      </p:cBhvr>
+                                    </p:animEffect>
+                                  </p:childTnLst>
+                                </p:cTn>
+                              </p:par>
+                            </p:childTnLst>
+                          </p:cTn>
+                        </p:par>
+                      </p:childTnLst>
+                    </p:cTn>
+                  </p:par>
+                  <p:par>
+                    <p:cTn id="8" fill="hold">
+                      <p:stCondLst>
+                        <p:cond delay="indefinite"/>
+                      </p:stCondLst>
+                      <p:childTnLst>
+                        <p:par>
+                          <p:cTn id="9" fill="hold">
+                            <p:stCondLst>
+                              <p:cond delay="0"/>
+                            </p:stCondLst>
+                            <p:childTnLst>
+                              <p:par>
+                                <p:cTn id="10" presetID="10" presetClass="entr" presetSubtype="0" fill="hold" nodeType="clickEffect">
+                                  <p:stCondLst>
+                                    <p:cond delay="0"/>
+                                  </p:stCondLst>
+                                  <p:childTnLst>
+                                    <p:set>
+                                      <p:cBhvr>
+                                        <p:cTn id="11" dur="1" fill="hold">
+                                          <p:stCondLst>
+                                            <p:cond delay="0"/>
+                                          </p:stCondLst>
+                                        </p:cTn>
+                                        <p:tgtEl>
+                                          <p:spTgt spid="5">
+                                            <p:txEl>
+                                              <p:pRg st="1" end="1"/>
+                                            </p:txEl>
+                                          </p:spTgt>
+                                        </p:tgtEl>
+                                        <p:attrNameLst>
+                                          <p:attrName>style.visibility</p:attrName>
+                                        </p:attrNameLst>
+                                      </p:cBhvr>
+                                      <p:to>
+                                        <p:strVal val="visible"/>
+                                      </p:to>
+                                    </p:set>
+                                    <p:animEffect transition="in" filter="fade">
+                                      <p:cBhvr>
+                                        <p:cTn id="12" dur="500"/>
+                                        <p:tgtEl>
+                                          <p:spTgt spid="5">
+                                            <p:txEl>
+                                              <p:pRg st="1" end="1"/>
+                                            </p:txEl>
+                                          </p:spTgt>
+                                        </p:tgtEl>
+                                      </p:cBhvr>
+                                    </p:animEffect>
+                                  </p:childTnLst>
+                                </p:cTn>
+                              </p:par>
+                            </p:childTnLst>
+                          </p:cTn>
+                        </p:par>
+                      </p:childTnLst>
+                    </p:cTn>
+                  </p:par>
+                  <p:par>
+                    <p:cTn id="13" fill="hold">
+                      <p:stCondLst>
+                        <p:cond delay="indefinite"/>
+                      </p:stCondLst>
+                      <p:childTnLst>
+                        <p:par>
+                          <p:cTn id="14" fill="hold">
+                            <p:stCondLst>
+                              <p:cond delay="0"/>
+                            </p:stCondLst>
+                            <p:childTnLst>
+                              <p:par>
+                                <p:cTn id="15" presetID="10" presetClass="entr" presetSubtype="0" fill="hold" nodeType="clickEffect">
+                                  <p:stCondLst>
+                                    <p:cond delay="0"/>
+                                  </p:stCondLst>
+                                  <p:childTnLst>
+                                    <p:set>
+                                      <p:cBhvr>
+                                        <p:cTn id="16" dur="1" fill="hold">
+                                          <p:stCondLst>
+                                            <p:cond delay="0"/>
+                                          </p:stCondLst>
+                                        </p:cTn>
+                                        <p:tgtEl>
+                                          <p:spTgt spid="5">
+                                            <p:txEl>
+                                              <p:pRg st="2" end="2"/>
+                                            </p:txEl>
+                                          </p:spTgt>
+                                        </p:tgtEl>
+                                        <p:attrNameLst>
+                                          <p:attrName>style.visibility</p:attrName>
+                                        </p:attrNameLst>
+                                      </p:cBhvr>
+                                      <p:to>
+                                        <p:strVal val="visible"/>
+                                      </p:to>
+                                    </p:set>
+                                    <p:animEffect transition="in" filter="fade">
+                                      <p:cBhvr>
+                                        <p:cTn id="17" dur="500"/>
+                                        <p:tgtEl>
+                                          <p:spTgt spid="5">
+                                            <p:txEl>
+                                              <p:pRg st="2" end="2"/>
+                                            </p:txEl>
+                                          </p:spTgt>
+                                        </p:tgtEl>
+                                      </p:cBhvr>
+                                    </p:animEffect>
+                                  </p:childTnLst>
+                                </p:cTn>
+                              </p:par>
+                            </p:childTnLst>
+                          </p:cTn>
+                        </p:par>
+                      </p:childTnLst>
+                    </p:cTn>
+                  </p:par>
+                  <p:par>
+                    <p:cTn id="18" fill="hold">
+                      <p:stCondLst>
+                        <p:cond delay="indefinite"/>
+                      </p:stCondLst>
+                      <p:childTnLst>
+                        <p:par>
+                          <p:cTn id="19" fill="hold">
+                            <p:stCondLst>
+                              <p:cond delay="0"/>
+                            </p:stCondLst>
+                            <p:childTnLst>
+                              <p:par>
+                                <p:cTn id="20" presetID="10" presetClass="entr" presetSubtype="0" fill="hold" nodeType="clickEffect">
+                                  <p:stCondLst>
+                                    <p:cond delay="0"/>
+                                  </p:stCondLst>
+                                  <p:childTnLst>
+                                    <p:set>
+                                      <p:cBhvr>
+                                        <p:cTn id="21" dur="1" fill="hold">
+                                          <p:stCondLst>
+                                            <p:cond delay="0"/>
+                                          </p:stCondLst>
+                                        </p:cTn>
+                                        <p:tgtEl>
+                                          <p:spTgt spid="5">
+                                            <p:txEl>
+                                              <p:pRg st="3" end="3"/>
+                                            </p:txEl>
+                                          </p:spTgt>
+                                        </p:tgtEl>
+                                        <p:attrNameLst>
+                                          <p:attrName>style.visibility</p:attrName>
+                                        </p:attrNameLst>
+                                      </p:cBhvr>
+                                      <p:to>
+                                        <p:strVal val="visible"/>
+                                      </p:to>
+                                    </p:set>
+                                    <p:animEffect transition="in" filter="fade">
+                                      <p:cBhvr>
+                                        <p:cTn id="22" dur="500"/>
+                                        <p:tgtEl>
+                                          <p:spTgt spid="5">
+                                            <p:txEl>
+                                              <p:pRg st="3" end="3"/>
+                                            </p:txEl>
+                                          </p:spTgt>
+                                        </p:tgtEl>
+                                      </p:cBhvr>
+                                    </p:animEffect>
+                                  </p:childTnLst>
+                                </p:cTn>
+                              </p:par>
+                            </p:childTnLst>
+                          </p:cTn>
+                        </p:par>
+                      </p:childTnLst>
+                    </p:cTn>
+                  </p:par>
+                </p:childTnLst>
+              </p:cTn>
+              <p:prevCondLst>
+                <p:cond evt="onPrev" delay="0">
+                  <p:tgtEl>
+                    <p:sldTgt/>
+                  </p:tgtEl>
+                </p:cond>
+              </p:prevCondLst>
+              <p:nextCondLst>
+                <p:cond evt="onNext" delay="0">
+                  <p:tgtEl>
+                    <p:sldTgt/>
+                  </p:tgtEl>
+                </p:cond>
+              </p:nextCondLst>
+            </p:seq>
+          </p:childTnLst>
+        </p:cTn>
+      </p:par>
+    </p:tnLst>
+  </p:timing>
+</p:sld>
+</file>
+
 <file path=ppt/slides/slide3.xml><?xml version="1.0" encoding="utf-8"?>
 <p:sld xmlns:a="http://schemas.openxmlformats.org/drawingml/2006/main" xmlns:r="http://schemas.openxmlformats.org/officeDocument/2006/relationships" xmlns:p="http://schemas.openxmlformats.org/presentationml/2006/main">
   <p:cSld>
@@ -7997,10 +8566,502 @@
           <a:lstStyle/>
           <a:p>
             <a:r>
-              <a:rPr lang="en-US" smtClean="0"/>
+              <a:rPr lang="en-US" dirty="0"/>
+              <a:t>Setting Expectations</a:t>
+            </a:r>
+          </a:p>
+        </p:txBody>
+      </p:sp>
+      <p:sp>
+        <p:nvSpPr>
+          <p:cNvPr id="3" name="Content Placeholder 2"/>
+          <p:cNvSpPr>
+            <a:spLocks noGrp="1"/>
+          </p:cNvSpPr>
+          <p:nvPr>
+            <p:ph idx="1"/>
+          </p:nvPr>
+        </p:nvSpPr>
+        <p:spPr>
+          <a:xfrm>
+            <a:off x="294380" y="2148501"/>
+            <a:ext cx="5879774" cy="3880773"/>
+          </a:xfrm>
+        </p:spPr>
+        <p:txBody>
+          <a:bodyPr/>
+          <a:lstStyle/>
+          <a:p>
+            <a:r>
+              <a:rPr lang="en-US" dirty="0"/>
+              <a:t>45 min + lots o’ content = drinking from the fire hose</a:t>
+            </a:r>
+          </a:p>
+          <a:p>
+            <a:r>
+              <a:rPr lang="en-US" dirty="0"/>
+              <a:t>I make all my session materials available for your studying pleasure</a:t>
+            </a:r>
+          </a:p>
+          <a:p>
+            <a:r>
+              <a:rPr lang="en-US" dirty="0"/>
+              <a:t>If you need ARM template deployment info:</a:t>
+            </a:r>
+          </a:p>
+          <a:p>
+            <a:pPr lvl="1"/>
+            <a:r>
+              <a:rPr lang="en-US" dirty="0"/>
+              <a:t>“Deploy an n-Tier Web App Pod with PowerShell and Azure”</a:t>
+            </a:r>
+          </a:p>
+          <a:p>
+            <a:pPr lvl="1"/>
+            <a:r>
+              <a:rPr lang="en-US" dirty="0"/>
+              <a:t>Wednesday, April 12 10:00 – 10:45 am</a:t>
+            </a:r>
+          </a:p>
+        </p:txBody>
+      </p:sp>
+      <p:pic>
+        <p:nvPicPr>
+          <p:cNvPr id="5" name="Picture 4"/>
+          <p:cNvPicPr>
+            <a:picLocks noChangeAspect="1"/>
+          </p:cNvPicPr>
+          <p:nvPr/>
+        </p:nvPicPr>
+        <p:blipFill>
+          <a:blip r:embed="rId2"/>
+          <a:stretch>
+            <a:fillRect/>
+          </a:stretch>
+        </p:blipFill>
+        <p:spPr>
+          <a:xfrm>
+            <a:off x="6471138" y="2148501"/>
+            <a:ext cx="5344078" cy="3063631"/>
+          </a:xfrm>
+          <a:prstGeom prst="rect">
+            <a:avLst/>
+          </a:prstGeom>
+        </p:spPr>
+      </p:pic>
+      <p:sp>
+        <p:nvSpPr>
+          <p:cNvPr id="6" name="TextBox 5"/>
+          <p:cNvSpPr txBox="1"/>
+          <p:nvPr/>
+        </p:nvSpPr>
+        <p:spPr>
+          <a:xfrm>
+            <a:off x="9706708" y="6416431"/>
+            <a:ext cx="2305538" cy="382954"/>
+          </a:xfrm>
+          <a:prstGeom prst="rect">
+            <a:avLst/>
+          </a:prstGeom>
+          <a:noFill/>
+        </p:spPr>
+        <p:txBody>
+          <a:bodyPr wrap="square" rtlCol="0">
+            <a:spAutoFit/>
+          </a:bodyPr>
+          <a:lstStyle/>
+          <a:p>
+            <a:r>
+              <a:rPr lang="en-US" dirty="0"/>
+              <a:t>timw.info/firehose</a:t>
+            </a:r>
+          </a:p>
+        </p:txBody>
+      </p:sp>
+    </p:spTree>
+    <p:extLst>
+      <p:ext uri="{BB962C8B-B14F-4D97-AF65-F5344CB8AC3E}">
+        <p14:creationId xmlns:p14="http://schemas.microsoft.com/office/powerpoint/2010/main" val="4130600756"/>
+      </p:ext>
+    </p:extLst>
+  </p:cSld>
+  <p:clrMapOvr>
+    <a:masterClrMapping/>
+  </p:clrMapOvr>
+  <p:timing>
+    <p:tnLst>
+      <p:par>
+        <p:cTn id="1" dur="indefinite" restart="never" nodeType="tmRoot">
+          <p:childTnLst>
+            <p:seq concurrent="1" nextAc="seek">
+              <p:cTn id="2" dur="indefinite" nodeType="mainSeq">
+                <p:childTnLst>
+                  <p:par>
+                    <p:cTn id="3" fill="hold">
+                      <p:stCondLst>
+                        <p:cond delay="indefinite"/>
+                      </p:stCondLst>
+                      <p:childTnLst>
+                        <p:par>
+                          <p:cTn id="4" fill="hold">
+                            <p:stCondLst>
+                              <p:cond delay="0"/>
+                            </p:stCondLst>
+                            <p:childTnLst>
+                              <p:par>
+                                <p:cTn id="5" presetID="10" presetClass="entr" presetSubtype="0" fill="hold" nodeType="clickEffect">
+                                  <p:stCondLst>
+                                    <p:cond delay="0"/>
+                                  </p:stCondLst>
+                                  <p:childTnLst>
+                                    <p:set>
+                                      <p:cBhvr>
+                                        <p:cTn id="6" dur="1" fill="hold">
+                                          <p:stCondLst>
+                                            <p:cond delay="0"/>
+                                          </p:stCondLst>
+                                        </p:cTn>
+                                        <p:tgtEl>
+                                          <p:spTgt spid="3">
+                                            <p:txEl>
+                                              <p:pRg st="0" end="0"/>
+                                            </p:txEl>
+                                          </p:spTgt>
+                                        </p:tgtEl>
+                                        <p:attrNameLst>
+                                          <p:attrName>style.visibility</p:attrName>
+                                        </p:attrNameLst>
+                                      </p:cBhvr>
+                                      <p:to>
+                                        <p:strVal val="visible"/>
+                                      </p:to>
+                                    </p:set>
+                                    <p:animEffect transition="in" filter="fade">
+                                      <p:cBhvr>
+                                        <p:cTn id="7" dur="500"/>
+                                        <p:tgtEl>
+                                          <p:spTgt spid="3">
+                                            <p:txEl>
+                                              <p:pRg st="0" end="0"/>
+                                            </p:txEl>
+                                          </p:spTgt>
+                                        </p:tgtEl>
+                                      </p:cBhvr>
+                                    </p:animEffect>
+                                  </p:childTnLst>
+                                </p:cTn>
+                              </p:par>
+                            </p:childTnLst>
+                          </p:cTn>
+                        </p:par>
+                      </p:childTnLst>
+                    </p:cTn>
+                  </p:par>
+                  <p:par>
+                    <p:cTn id="8" fill="hold">
+                      <p:stCondLst>
+                        <p:cond delay="indefinite"/>
+                      </p:stCondLst>
+                      <p:childTnLst>
+                        <p:par>
+                          <p:cTn id="9" fill="hold">
+                            <p:stCondLst>
+                              <p:cond delay="0"/>
+                            </p:stCondLst>
+                            <p:childTnLst>
+                              <p:par>
+                                <p:cTn id="10" presetID="10" presetClass="entr" presetSubtype="0" fill="hold" nodeType="clickEffect">
+                                  <p:stCondLst>
+                                    <p:cond delay="0"/>
+                                  </p:stCondLst>
+                                  <p:childTnLst>
+                                    <p:set>
+                                      <p:cBhvr>
+                                        <p:cTn id="11" dur="1" fill="hold">
+                                          <p:stCondLst>
+                                            <p:cond delay="0"/>
+                                          </p:stCondLst>
+                                        </p:cTn>
+                                        <p:tgtEl>
+                                          <p:spTgt spid="3">
+                                            <p:txEl>
+                                              <p:pRg st="1" end="1"/>
+                                            </p:txEl>
+                                          </p:spTgt>
+                                        </p:tgtEl>
+                                        <p:attrNameLst>
+                                          <p:attrName>style.visibility</p:attrName>
+                                        </p:attrNameLst>
+                                      </p:cBhvr>
+                                      <p:to>
+                                        <p:strVal val="visible"/>
+                                      </p:to>
+                                    </p:set>
+                                    <p:animEffect transition="in" filter="fade">
+                                      <p:cBhvr>
+                                        <p:cTn id="12" dur="500"/>
+                                        <p:tgtEl>
+                                          <p:spTgt spid="3">
+                                            <p:txEl>
+                                              <p:pRg st="1" end="1"/>
+                                            </p:txEl>
+                                          </p:spTgt>
+                                        </p:tgtEl>
+                                      </p:cBhvr>
+                                    </p:animEffect>
+                                  </p:childTnLst>
+                                </p:cTn>
+                              </p:par>
+                            </p:childTnLst>
+                          </p:cTn>
+                        </p:par>
+                      </p:childTnLst>
+                    </p:cTn>
+                  </p:par>
+                  <p:par>
+                    <p:cTn id="13" fill="hold">
+                      <p:stCondLst>
+                        <p:cond delay="indefinite"/>
+                      </p:stCondLst>
+                      <p:childTnLst>
+                        <p:par>
+                          <p:cTn id="14" fill="hold">
+                            <p:stCondLst>
+                              <p:cond delay="0"/>
+                            </p:stCondLst>
+                            <p:childTnLst>
+                              <p:par>
+                                <p:cTn id="15" presetID="10" presetClass="entr" presetSubtype="0" fill="hold" nodeType="clickEffect">
+                                  <p:stCondLst>
+                                    <p:cond delay="0"/>
+                                  </p:stCondLst>
+                                  <p:childTnLst>
+                                    <p:set>
+                                      <p:cBhvr>
+                                        <p:cTn id="16" dur="1" fill="hold">
+                                          <p:stCondLst>
+                                            <p:cond delay="0"/>
+                                          </p:stCondLst>
+                                        </p:cTn>
+                                        <p:tgtEl>
+                                          <p:spTgt spid="3">
+                                            <p:txEl>
+                                              <p:pRg st="2" end="2"/>
+                                            </p:txEl>
+                                          </p:spTgt>
+                                        </p:tgtEl>
+                                        <p:attrNameLst>
+                                          <p:attrName>style.visibility</p:attrName>
+                                        </p:attrNameLst>
+                                      </p:cBhvr>
+                                      <p:to>
+                                        <p:strVal val="visible"/>
+                                      </p:to>
+                                    </p:set>
+                                    <p:animEffect transition="in" filter="fade">
+                                      <p:cBhvr>
+                                        <p:cTn id="17" dur="500"/>
+                                        <p:tgtEl>
+                                          <p:spTgt spid="3">
+                                            <p:txEl>
+                                              <p:pRg st="2" end="2"/>
+                                            </p:txEl>
+                                          </p:spTgt>
+                                        </p:tgtEl>
+                                      </p:cBhvr>
+                                    </p:animEffect>
+                                  </p:childTnLst>
+                                </p:cTn>
+                              </p:par>
+                            </p:childTnLst>
+                          </p:cTn>
+                        </p:par>
+                      </p:childTnLst>
+                    </p:cTn>
+                  </p:par>
+                  <p:par>
+                    <p:cTn id="18" fill="hold">
+                      <p:stCondLst>
+                        <p:cond delay="indefinite"/>
+                      </p:stCondLst>
+                      <p:childTnLst>
+                        <p:par>
+                          <p:cTn id="19" fill="hold">
+                            <p:stCondLst>
+                              <p:cond delay="0"/>
+                            </p:stCondLst>
+                            <p:childTnLst>
+                              <p:par>
+                                <p:cTn id="20" presetID="10" presetClass="entr" presetSubtype="0" fill="hold" nodeType="clickEffect">
+                                  <p:stCondLst>
+                                    <p:cond delay="0"/>
+                                  </p:stCondLst>
+                                  <p:childTnLst>
+                                    <p:set>
+                                      <p:cBhvr>
+                                        <p:cTn id="21" dur="1" fill="hold">
+                                          <p:stCondLst>
+                                            <p:cond delay="0"/>
+                                          </p:stCondLst>
+                                        </p:cTn>
+                                        <p:tgtEl>
+                                          <p:spTgt spid="3">
+                                            <p:txEl>
+                                              <p:pRg st="3" end="3"/>
+                                            </p:txEl>
+                                          </p:spTgt>
+                                        </p:tgtEl>
+                                        <p:attrNameLst>
+                                          <p:attrName>style.visibility</p:attrName>
+                                        </p:attrNameLst>
+                                      </p:cBhvr>
+                                      <p:to>
+                                        <p:strVal val="visible"/>
+                                      </p:to>
+                                    </p:set>
+                                    <p:animEffect transition="in" filter="fade">
+                                      <p:cBhvr>
+                                        <p:cTn id="22" dur="500"/>
+                                        <p:tgtEl>
+                                          <p:spTgt spid="3">
+                                            <p:txEl>
+                                              <p:pRg st="3" end="3"/>
+                                            </p:txEl>
+                                          </p:spTgt>
+                                        </p:tgtEl>
+                                      </p:cBhvr>
+                                    </p:animEffect>
+                                  </p:childTnLst>
+                                </p:cTn>
+                              </p:par>
+                            </p:childTnLst>
+                          </p:cTn>
+                        </p:par>
+                      </p:childTnLst>
+                    </p:cTn>
+                  </p:par>
+                  <p:par>
+                    <p:cTn id="23" fill="hold">
+                      <p:stCondLst>
+                        <p:cond delay="indefinite"/>
+                      </p:stCondLst>
+                      <p:childTnLst>
+                        <p:par>
+                          <p:cTn id="24" fill="hold">
+                            <p:stCondLst>
+                              <p:cond delay="0"/>
+                            </p:stCondLst>
+                            <p:childTnLst>
+                              <p:par>
+                                <p:cTn id="25" presetID="10" presetClass="entr" presetSubtype="0" fill="hold" nodeType="clickEffect">
+                                  <p:stCondLst>
+                                    <p:cond delay="0"/>
+                                  </p:stCondLst>
+                                  <p:childTnLst>
+                                    <p:set>
+                                      <p:cBhvr>
+                                        <p:cTn id="26" dur="1" fill="hold">
+                                          <p:stCondLst>
+                                            <p:cond delay="0"/>
+                                          </p:stCondLst>
+                                        </p:cTn>
+                                        <p:tgtEl>
+                                          <p:spTgt spid="3">
+                                            <p:txEl>
+                                              <p:pRg st="4" end="4"/>
+                                            </p:txEl>
+                                          </p:spTgt>
+                                        </p:tgtEl>
+                                        <p:attrNameLst>
+                                          <p:attrName>style.visibility</p:attrName>
+                                        </p:attrNameLst>
+                                      </p:cBhvr>
+                                      <p:to>
+                                        <p:strVal val="visible"/>
+                                      </p:to>
+                                    </p:set>
+                                    <p:animEffect transition="in" filter="fade">
+                                      <p:cBhvr>
+                                        <p:cTn id="27" dur="500"/>
+                                        <p:tgtEl>
+                                          <p:spTgt spid="3">
+                                            <p:txEl>
+                                              <p:pRg st="4" end="4"/>
+                                            </p:txEl>
+                                          </p:spTgt>
+                                        </p:tgtEl>
+                                      </p:cBhvr>
+                                    </p:animEffect>
+                                  </p:childTnLst>
+                                </p:cTn>
+                              </p:par>
+                            </p:childTnLst>
+                          </p:cTn>
+                        </p:par>
+                      </p:childTnLst>
+                    </p:cTn>
+                  </p:par>
+                </p:childTnLst>
+              </p:cTn>
+              <p:prevCondLst>
+                <p:cond evt="onPrev" delay="0">
+                  <p:tgtEl>
+                    <p:sldTgt/>
+                  </p:tgtEl>
+                </p:cond>
+              </p:prevCondLst>
+              <p:nextCondLst>
+                <p:cond evt="onNext" delay="0">
+                  <p:tgtEl>
+                    <p:sldTgt/>
+                  </p:tgtEl>
+                </p:cond>
+              </p:nextCondLst>
+            </p:seq>
+          </p:childTnLst>
+        </p:cTn>
+      </p:par>
+    </p:tnLst>
+  </p:timing>
+</p:sld>
+</file>
+
+<file path=ppt/slides/slide4.xml><?xml version="1.0" encoding="utf-8"?>
+<p:sld xmlns:a="http://schemas.openxmlformats.org/drawingml/2006/main" xmlns:r="http://schemas.openxmlformats.org/officeDocument/2006/relationships" xmlns:p="http://schemas.openxmlformats.org/presentationml/2006/main">
+  <p:cSld>
+    <p:spTree>
+      <p:nvGrpSpPr>
+        <p:cNvPr id="1" name=""/>
+        <p:cNvGrpSpPr/>
+        <p:nvPr/>
+      </p:nvGrpSpPr>
+      <p:grpSpPr>
+        <a:xfrm>
+          <a:off x="0" y="0"/>
+          <a:ext cx="0" cy="0"/>
+          <a:chOff x="0" y="0"/>
+          <a:chExt cx="0" cy="0"/>
+        </a:xfrm>
+      </p:grpSpPr>
+      <p:sp>
+        <p:nvSpPr>
+          <p:cNvPr id="2" name="Title 1"/>
+          <p:cNvSpPr>
+            <a:spLocks noGrp="1"/>
+          </p:cNvSpPr>
+          <p:nvPr>
+            <p:ph type="title"/>
+          </p:nvPr>
+        </p:nvSpPr>
+        <p:spPr/>
+        <p:txBody>
+          <a:bodyPr/>
+          <a:lstStyle/>
+          <a:p>
+            <a:r>
+              <a:rPr lang="en-US"/>
               <a:t>Session Materials</a:t>
             </a:r>
-            <a:endParaRPr lang="en-US"/>
           </a:p>
         </p:txBody>
       </p:sp>
@@ -8030,7 +9091,7 @@
               <a:buNone/>
             </a:pPr>
             <a:r>
-              <a:rPr lang="en-US" sz="4400" b="1" smtClean="0">
+              <a:rPr lang="en-US" sz="4400" b="1">
                 <a:solidFill>
                   <a:srgbClr val="0070C0"/>
                 </a:solidFill>
@@ -8040,14 +9101,6 @@
               </a:rPr>
               <a:t>timw.info/awa</a:t>
             </a:r>
-            <a:endParaRPr lang="en-US" sz="4400" b="1">
-              <a:solidFill>
-                <a:srgbClr val="0070C0"/>
-              </a:solidFill>
-              <a:latin typeface="Verdana" panose="020B0604030504040204" pitchFamily="34" charset="0"/>
-              <a:ea typeface="Verdana" panose="020B0604030504040204" pitchFamily="34" charset="0"/>
-              <a:cs typeface="Verdana" panose="020B0604030504040204" pitchFamily="34" charset="0"/>
-            </a:endParaRPr>
           </a:p>
         </p:txBody>
       </p:sp>
@@ -8102,73 +9155,6 @@
   <p:clrMapOvr>
     <a:masterClrMapping/>
   </p:clrMapOvr>
-  <p:timing>
-    <p:tnLst>
-      <p:par>
-        <p:cTn id="1" dur="indefinite" restart="never" nodeType="tmRoot"/>
-      </p:par>
-    </p:tnLst>
-  </p:timing>
-</p:sld>
-</file>
-
-<file path=ppt/slides/slide4.xml><?xml version="1.0" encoding="utf-8"?>
-<p:sld xmlns:a="http://schemas.openxmlformats.org/drawingml/2006/main" xmlns:r="http://schemas.openxmlformats.org/officeDocument/2006/relationships" xmlns:p="http://schemas.openxmlformats.org/presentationml/2006/main">
-  <p:cSld>
-    <p:spTree>
-      <p:nvGrpSpPr>
-        <p:cNvPr id="1" name=""/>
-        <p:cNvGrpSpPr/>
-        <p:nvPr/>
-      </p:nvGrpSpPr>
-      <p:grpSpPr>
-        <a:xfrm>
-          <a:off x="0" y="0"/>
-          <a:ext cx="0" cy="0"/>
-          <a:chOff x="0" y="0"/>
-          <a:chExt cx="0" cy="0"/>
-        </a:xfrm>
-      </p:grpSpPr>
-      <p:sp>
-        <p:nvSpPr>
-          <p:cNvPr id="4" name="Title 3"/>
-          <p:cNvSpPr>
-            <a:spLocks noGrp="1"/>
-          </p:cNvSpPr>
-          <p:nvPr>
-            <p:ph type="ctrTitle"/>
-          </p:nvPr>
-        </p:nvSpPr>
-        <p:spPr/>
-        <p:txBody>
-          <a:bodyPr/>
-          <a:lstStyle/>
-          <a:p>
-            <a:r>
-              <a:rPr lang="en-US" smtClean="0"/>
-              <a:t>Understand Azure App Services</a:t>
-            </a:r>
-            <a:endParaRPr lang="en-US"/>
-          </a:p>
-        </p:txBody>
-      </p:sp>
-    </p:spTree>
-    <p:extLst>
-      <p:ext uri="{BB962C8B-B14F-4D97-AF65-F5344CB8AC3E}">
-        <p14:creationId xmlns:p14="http://schemas.microsoft.com/office/powerpoint/2010/main" val="757702694"/>
-      </p:ext>
-    </p:extLst>
-  </p:cSld>
-  <p:clrMapOvr>
-    <a:masterClrMapping/>
-  </p:clrMapOvr>
-  <p:timing>
-    <p:tnLst>
-      <p:par>
-        <p:cTn id="1" dur="indefinite" restart="never" nodeType="tmRoot"/>
-      </p:par>
-    </p:tnLst>
-  </p:timing>
 </p:sld>
 </file>
 
@@ -8191,12 +9177,12 @@
       </p:grpSpPr>
       <p:sp>
         <p:nvSpPr>
-          <p:cNvPr id="5" name="Text Placeholder 4"/>
-          <p:cNvSpPr>
-            <a:spLocks noGrp="1"/>
-          </p:cNvSpPr>
-          <p:nvPr>
-            <p:ph type="body" sz="quarter" idx="10"/>
+          <p:cNvPr id="4" name="Title 3"/>
+          <p:cNvSpPr>
+            <a:spLocks noGrp="1"/>
+          </p:cNvSpPr>
+          <p:nvPr>
+            <p:ph type="ctrTitle"/>
           </p:nvPr>
         </p:nvSpPr>
         <p:spPr/>
@@ -8205,21 +9191,50 @@
           <a:lstStyle/>
           <a:p>
             <a:r>
-              <a:rPr lang="en-US" smtClean="0"/>
-              <a:t>Web Apps</a:t>
-            </a:r>
-            <a:endParaRPr lang="en-US"/>
-          </a:p>
-        </p:txBody>
-      </p:sp>
-      <p:sp>
-        <p:nvSpPr>
-          <p:cNvPr id="6" name="Text Placeholder 5"/>
-          <p:cNvSpPr>
-            <a:spLocks noGrp="1"/>
-          </p:cNvSpPr>
-          <p:nvPr>
-            <p:ph type="body" sz="quarter" idx="15"/>
+              <a:rPr lang="en-US"/>
+              <a:t>Understand Azure App Services</a:t>
+            </a:r>
+          </a:p>
+        </p:txBody>
+      </p:sp>
+    </p:spTree>
+    <p:extLst>
+      <p:ext uri="{BB962C8B-B14F-4D97-AF65-F5344CB8AC3E}">
+        <p14:creationId xmlns:p14="http://schemas.microsoft.com/office/powerpoint/2010/main" val="757702694"/>
+      </p:ext>
+    </p:extLst>
+  </p:cSld>
+  <p:clrMapOvr>
+    <a:masterClrMapping/>
+  </p:clrMapOvr>
+</p:sld>
+</file>
+
+<file path=ppt/slides/slide6.xml><?xml version="1.0" encoding="utf-8"?>
+<p:sld xmlns:a="http://schemas.openxmlformats.org/drawingml/2006/main" xmlns:r="http://schemas.openxmlformats.org/officeDocument/2006/relationships" xmlns:p="http://schemas.openxmlformats.org/presentationml/2006/main">
+  <p:cSld>
+    <p:spTree>
+      <p:nvGrpSpPr>
+        <p:cNvPr id="1" name=""/>
+        <p:cNvGrpSpPr/>
+        <p:nvPr/>
+      </p:nvGrpSpPr>
+      <p:grpSpPr>
+        <a:xfrm>
+          <a:off x="0" y="0"/>
+          <a:ext cx="0" cy="0"/>
+          <a:chOff x="0" y="0"/>
+          <a:chExt cx="0" cy="0"/>
+        </a:xfrm>
+      </p:grpSpPr>
+      <p:sp>
+        <p:nvSpPr>
+          <p:cNvPr id="2" name="Title 1"/>
+          <p:cNvSpPr>
+            <a:spLocks noGrp="1"/>
+          </p:cNvSpPr>
+          <p:nvPr>
+            <p:ph type="title"/>
           </p:nvPr>
         </p:nvSpPr>
         <p:spPr/>
@@ -8228,7 +9243,155 @@
           <a:lstStyle/>
           <a:p>
             <a:r>
-              <a:rPr lang="en-US" smtClean="0"/>
+              <a:rPr lang="en-US" dirty="0"/>
+              <a:t>Platform as a Service (PaaS)</a:t>
+            </a:r>
+          </a:p>
+        </p:txBody>
+      </p:sp>
+      <p:pic>
+        <p:nvPicPr>
+          <p:cNvPr id="1026" name="Picture 2" descr="Cloud SQL Server options: SQL server on IaaS, or SaaS SQL database in the cloud."/>
+          <p:cNvPicPr>
+            <a:picLocks noChangeAspect="1" noChangeArrowheads="1"/>
+          </p:cNvPicPr>
+          <p:nvPr/>
+        </p:nvPicPr>
+        <p:blipFill>
+          <a:blip r:embed="rId2">
+            <a:extLst>
+              <a:ext uri="{28A0092B-C50C-407E-A947-70E740481C1C}">
+                <a14:useLocalDpi xmlns:a14="http://schemas.microsoft.com/office/drawing/2010/main" val="0"/>
+              </a:ext>
+            </a:extLst>
+          </a:blip>
+          <a:srcRect/>
+          <a:stretch>
+            <a:fillRect/>
+          </a:stretch>
+        </p:blipFill>
+        <p:spPr bwMode="auto">
+          <a:xfrm>
+            <a:off x="2331114" y="1467041"/>
+            <a:ext cx="7529773" cy="5006911"/>
+          </a:xfrm>
+          <a:prstGeom prst="rect">
+            <a:avLst/>
+          </a:prstGeom>
+          <a:noFill/>
+          <a:extLst>
+            <a:ext uri="{909E8E84-426E-40DD-AFC4-6F175D3DCCD1}">
+              <a14:hiddenFill xmlns:a14="http://schemas.microsoft.com/office/drawing/2010/main">
+                <a:solidFill>
+                  <a:srgbClr val="FFFFFF"/>
+                </a:solidFill>
+              </a14:hiddenFill>
+            </a:ext>
+          </a:extLst>
+        </p:spPr>
+      </p:pic>
+      <p:sp>
+        <p:nvSpPr>
+          <p:cNvPr id="4" name="TextBox 3"/>
+          <p:cNvSpPr txBox="1"/>
+          <p:nvPr/>
+        </p:nvSpPr>
+        <p:spPr>
+          <a:xfrm>
+            <a:off x="26633" y="6473952"/>
+            <a:ext cx="2368296" cy="369332"/>
+          </a:xfrm>
+          <a:prstGeom prst="rect">
+            <a:avLst/>
+          </a:prstGeom>
+          <a:noFill/>
+        </p:spPr>
+        <p:txBody>
+          <a:bodyPr wrap="square" rtlCol="0">
+            <a:spAutoFit/>
+          </a:bodyPr>
+          <a:lstStyle/>
+          <a:p>
+            <a:r>
+              <a:rPr lang="en-US" dirty="0"/>
+              <a:t>timw.info/paas2</a:t>
+            </a:r>
+          </a:p>
+        </p:txBody>
+      </p:sp>
+    </p:spTree>
+    <p:extLst>
+      <p:ext uri="{BB962C8B-B14F-4D97-AF65-F5344CB8AC3E}">
+        <p14:creationId xmlns:p14="http://schemas.microsoft.com/office/powerpoint/2010/main" val="3725372034"/>
+      </p:ext>
+    </p:extLst>
+  </p:cSld>
+  <p:clrMapOvr>
+    <a:masterClrMapping/>
+  </p:clrMapOvr>
+</p:sld>
+</file>
+
+<file path=ppt/slides/slide7.xml><?xml version="1.0" encoding="utf-8"?>
+<p:sld xmlns:a="http://schemas.openxmlformats.org/drawingml/2006/main" xmlns:r="http://schemas.openxmlformats.org/officeDocument/2006/relationships" xmlns:p="http://schemas.openxmlformats.org/presentationml/2006/main">
+  <p:cSld>
+    <p:spTree>
+      <p:nvGrpSpPr>
+        <p:cNvPr id="1" name=""/>
+        <p:cNvGrpSpPr/>
+        <p:nvPr/>
+      </p:nvGrpSpPr>
+      <p:grpSpPr>
+        <a:xfrm>
+          <a:off x="0" y="0"/>
+          <a:ext cx="0" cy="0"/>
+          <a:chOff x="0" y="0"/>
+          <a:chExt cx="0" cy="0"/>
+        </a:xfrm>
+      </p:grpSpPr>
+      <p:sp>
+        <p:nvSpPr>
+          <p:cNvPr id="5" name="Text Placeholder 4"/>
+          <p:cNvSpPr>
+            <a:spLocks noGrp="1"/>
+          </p:cNvSpPr>
+          <p:nvPr>
+            <p:ph type="body" sz="quarter" idx="10"/>
+          </p:nvPr>
+        </p:nvSpPr>
+        <p:spPr/>
+        <p:txBody>
+          <a:bodyPr>
+            <a:normAutofit lnSpcReduction="10000"/>
+          </a:bodyPr>
+          <a:lstStyle/>
+          <a:p>
+            <a:r>
+              <a:rPr lang="en-US"/>
+              <a:t>Web Apps</a:t>
+            </a:r>
+          </a:p>
+        </p:txBody>
+      </p:sp>
+      <p:sp>
+        <p:nvSpPr>
+          <p:cNvPr id="6" name="Text Placeholder 5"/>
+          <p:cNvSpPr>
+            <a:spLocks noGrp="1"/>
+          </p:cNvSpPr>
+          <p:nvPr>
+            <p:ph type="body" sz="quarter" idx="15"/>
+          </p:nvPr>
+        </p:nvSpPr>
+        <p:spPr/>
+        <p:txBody>
+          <a:bodyPr>
+            <a:normAutofit lnSpcReduction="10000"/>
+          </a:bodyPr>
+          <a:lstStyle/>
+          <a:p>
+            <a:r>
+              <a:rPr lang="en-US"/>
               <a:t>First-class support for:</a:t>
             </a:r>
           </a:p>
@@ -8238,23 +9401,15 @@
                 <a:spcPts val="0"/>
               </a:spcBef>
             </a:pPr>
-            <a:r>
-              <a:rPr lang="en-US" smtClean="0">
-                <a:solidFill>
-                  <a:srgbClr val="0070C0"/>
-                </a:solidFill>
-              </a:rPr>
-              <a:t/>
-            </a:r>
             <a:br>
-              <a:rPr lang="en-US" smtClean="0">
+              <a:rPr lang="en-US">
                 <a:solidFill>
                   <a:srgbClr val="0070C0"/>
                 </a:solidFill>
               </a:rPr>
             </a:br>
             <a:r>
-              <a:rPr lang="en-US" smtClean="0">
+              <a:rPr lang="en-US">
                 <a:solidFill>
                   <a:srgbClr val="0070C0"/>
                 </a:solidFill>
@@ -8269,7 +9424,7 @@
               </a:spcBef>
             </a:pPr>
             <a:r>
-              <a:rPr lang="en-US" smtClean="0">
+              <a:rPr lang="en-US">
                 <a:solidFill>
                   <a:srgbClr val="0070C0"/>
                 </a:solidFill>
@@ -8284,7 +9439,7 @@
               </a:spcBef>
             </a:pPr>
             <a:r>
-              <a:rPr lang="en-US" smtClean="0">
+              <a:rPr lang="en-US">
                 <a:solidFill>
                   <a:srgbClr val="0070C0"/>
                 </a:solidFill>
@@ -8299,7 +9454,7 @@
               </a:spcBef>
             </a:pPr>
             <a:r>
-              <a:rPr lang="en-US" smtClean="0">
+              <a:rPr lang="en-US">
                 <a:solidFill>
                   <a:srgbClr val="0070C0"/>
                 </a:solidFill>
@@ -8314,7 +9469,7 @@
               </a:spcBef>
             </a:pPr>
             <a:r>
-              <a:rPr lang="en-US" smtClean="0">
+              <a:rPr lang="en-US">
                 <a:solidFill>
                   <a:srgbClr val="0070C0"/>
                 </a:solidFill>
@@ -8324,13 +9479,13 @@
           </a:p>
           <a:p>
             <a:r>
-              <a:rPr lang="en-US" smtClean="0"/>
+              <a:rPr lang="en-US"/>
               <a:t>DevOps optimization:</a:t>
             </a:r>
           </a:p>
           <a:p>
             <a:r>
-              <a:rPr lang="en-US" smtClean="0">
+              <a:rPr lang="en-US">
                 <a:solidFill>
                   <a:srgbClr val="0070C0"/>
                 </a:solidFill>
@@ -8338,14 +9493,14 @@
               <a:t>PowerShell/Azure CLI</a:t>
             </a:r>
             <a:br>
-              <a:rPr lang="en-US" smtClean="0">
+              <a:rPr lang="en-US">
                 <a:solidFill>
                   <a:srgbClr val="0070C0"/>
                 </a:solidFill>
               </a:rPr>
             </a:br>
             <a:r>
-              <a:rPr lang="en-US" smtClean="0">
+              <a:rPr lang="en-US">
                 <a:solidFill>
                   <a:srgbClr val="0070C0"/>
                 </a:solidFill>
@@ -8353,14 +9508,14 @@
               <a:t>Visual Studio Team Services</a:t>
             </a:r>
             <a:br>
-              <a:rPr lang="en-US" smtClean="0">
+              <a:rPr lang="en-US">
                 <a:solidFill>
                   <a:srgbClr val="0070C0"/>
                 </a:solidFill>
               </a:rPr>
             </a:br>
             <a:r>
-              <a:rPr lang="en-US" smtClean="0">
+              <a:rPr lang="en-US">
                 <a:solidFill>
                   <a:srgbClr val="0070C0"/>
                 </a:solidFill>
@@ -8368,14 +9523,14 @@
               <a:t>GitHub</a:t>
             </a:r>
             <a:br>
-              <a:rPr lang="en-US" smtClean="0">
+              <a:rPr lang="en-US">
                 <a:solidFill>
                   <a:srgbClr val="0070C0"/>
                 </a:solidFill>
               </a:rPr>
             </a:br>
             <a:r>
-              <a:rPr lang="en-US" smtClean="0">
+              <a:rPr lang="en-US">
                 <a:solidFill>
                   <a:srgbClr val="0070C0"/>
                 </a:solidFill>
@@ -8385,10 +9540,9 @@
           </a:p>
           <a:p>
             <a:r>
-              <a:rPr lang="en-US" smtClean="0"/>
+              <a:rPr lang="en-US"/>
               <a:t>Global scale and high availability</a:t>
             </a:r>
-            <a:endParaRPr lang="en-US"/>
           </a:p>
         </p:txBody>
       </p:sp>
@@ -8400,6 +9554,30 @@
           </p:cNvSpPr>
           <p:nvPr>
             <p:ph type="body" sz="quarter" idx="16"/>
+          </p:nvPr>
+        </p:nvSpPr>
+        <p:spPr/>
+        <p:txBody>
+          <a:bodyPr>
+            <a:normAutofit lnSpcReduction="10000"/>
+          </a:bodyPr>
+          <a:lstStyle/>
+          <a:p>
+            <a:r>
+              <a:rPr lang="en-US"/>
+              <a:t>API Apps</a:t>
+            </a:r>
+          </a:p>
+        </p:txBody>
+      </p:sp>
+      <p:sp>
+        <p:nvSpPr>
+          <p:cNvPr id="8" name="Text Placeholder 7"/>
+          <p:cNvSpPr>
+            <a:spLocks noGrp="1"/>
+          </p:cNvSpPr>
+          <p:nvPr>
+            <p:ph type="body" sz="quarter" idx="17"/>
           </p:nvPr>
         </p:nvSpPr>
         <p:spPr/>
@@ -8408,21 +9586,32 @@
           <a:lstStyle/>
           <a:p>
             <a:r>
-              <a:rPr lang="en-US" smtClean="0"/>
-              <a:t>API Apps</a:t>
-            </a:r>
-            <a:endParaRPr lang="en-US"/>
-          </a:p>
-        </p:txBody>
-      </p:sp>
-      <p:sp>
-        <p:nvSpPr>
-          <p:cNvPr id="8" name="Text Placeholder 7"/>
-          <p:cNvSpPr>
-            <a:spLocks noGrp="1"/>
-          </p:cNvSpPr>
-          <p:nvPr>
-            <p:ph type="body" sz="quarter" idx="17"/>
+              <a:rPr lang="en-US"/>
+              <a:t>Hosted RESTful APIs in the Azure cloud</a:t>
+            </a:r>
+          </a:p>
+          <a:p>
+            <a:r>
+              <a:rPr lang="en-US"/>
+              <a:t>Supports any Azure App Services language/framework</a:t>
+            </a:r>
+          </a:p>
+          <a:p>
+            <a:r>
+              <a:rPr lang="en-US"/>
+              <a:t>Consume using the standard Swagger (OpenAPI) API framework</a:t>
+            </a:r>
+          </a:p>
+        </p:txBody>
+      </p:sp>
+      <p:sp>
+        <p:nvSpPr>
+          <p:cNvPr id="4" name="Title 3"/>
+          <p:cNvSpPr>
+            <a:spLocks noGrp="1"/>
+          </p:cNvSpPr>
+          <p:nvPr>
+            <p:ph type="title"/>
           </p:nvPr>
         </p:nvSpPr>
         <p:spPr/>
@@ -8431,45 +9620,9 @@
           <a:lstStyle/>
           <a:p>
             <a:r>
-              <a:rPr lang="en-US" smtClean="0"/>
-              <a:t>Hosted RESTful APIs in the Azure cloud</a:t>
-            </a:r>
-          </a:p>
-          <a:p>
-            <a:r>
-              <a:rPr lang="en-US" smtClean="0"/>
-              <a:t>Supports any Azure App Services language/framework</a:t>
-            </a:r>
-          </a:p>
-          <a:p>
-            <a:r>
-              <a:rPr lang="en-US" smtClean="0"/>
-              <a:t>Consume using the standard Swagger (OpenAPI) API framework</a:t>
-            </a:r>
-            <a:endParaRPr lang="en-US"/>
-          </a:p>
-        </p:txBody>
-      </p:sp>
-      <p:sp>
-        <p:nvSpPr>
-          <p:cNvPr id="4" name="Title 3"/>
-          <p:cNvSpPr>
-            <a:spLocks noGrp="1"/>
-          </p:cNvSpPr>
-          <p:nvPr>
-            <p:ph type="title"/>
-          </p:nvPr>
-        </p:nvSpPr>
-        <p:spPr/>
-        <p:txBody>
-          <a:bodyPr/>
-          <a:lstStyle/>
-          <a:p>
-            <a:r>
-              <a:rPr lang="en-US" smtClean="0"/>
+              <a:rPr lang="en-US"/>
               <a:t>Azure App Services App Types</a:t>
             </a:r>
-            <a:endParaRPr lang="en-US"/>
           </a:p>
         </p:txBody>
       </p:sp>
@@ -9224,7 +10377,7 @@
 </p:sld>
 </file>
 
-<file path=ppt/slides/slide6.xml><?xml version="1.0" encoding="utf-8"?>
+<file path=ppt/slides/slide8.xml><?xml version="1.0" encoding="utf-8"?>
 <p:sld xmlns:a="http://schemas.openxmlformats.org/drawingml/2006/main" xmlns:r="http://schemas.openxmlformats.org/officeDocument/2006/relationships" xmlns:p="http://schemas.openxmlformats.org/presentationml/2006/main">
   <p:cSld>
     <p:spTree>
@@ -9253,40 +10406,41 @@
         </p:nvSpPr>
         <p:spPr/>
         <p:txBody>
+          <a:bodyPr>
+            <a:normAutofit lnSpcReduction="10000"/>
+          </a:bodyPr>
+          <a:lstStyle/>
+          <a:p>
+            <a:r>
+              <a:rPr lang="en-US"/>
+              <a:t>Mobile Apps</a:t>
+            </a:r>
+          </a:p>
+        </p:txBody>
+      </p:sp>
+      <p:sp>
+        <p:nvSpPr>
+          <p:cNvPr id="6" name="Text Placeholder 5"/>
+          <p:cNvSpPr>
+            <a:spLocks noGrp="1"/>
+          </p:cNvSpPr>
+          <p:nvPr>
+            <p:ph type="body" sz="quarter" idx="15"/>
+          </p:nvPr>
+        </p:nvSpPr>
+        <p:spPr/>
+        <p:txBody>
           <a:bodyPr/>
           <a:lstStyle/>
           <a:p>
             <a:r>
-              <a:rPr lang="en-US" smtClean="0"/>
-              <a:t>Mobile Apps</a:t>
-            </a:r>
-            <a:endParaRPr lang="en-US"/>
-          </a:p>
-        </p:txBody>
-      </p:sp>
-      <p:sp>
-        <p:nvSpPr>
-          <p:cNvPr id="6" name="Text Placeholder 5"/>
-          <p:cNvSpPr>
-            <a:spLocks noGrp="1"/>
-          </p:cNvSpPr>
-          <p:nvPr>
-            <p:ph type="body" sz="quarter" idx="15"/>
-          </p:nvPr>
-        </p:nvSpPr>
-        <p:spPr/>
-        <p:txBody>
-          <a:bodyPr/>
-          <a:lstStyle/>
-          <a:p>
-            <a:r>
-              <a:rPr lang="en-US" smtClean="0"/>
+              <a:rPr lang="en-US"/>
               <a:t>Rich back-end functionality for:</a:t>
             </a:r>
           </a:p>
           <a:p>
             <a:r>
-              <a:rPr lang="en-US" smtClean="0">
+              <a:rPr lang="en-US">
                 <a:solidFill>
                   <a:srgbClr val="0070C0"/>
                 </a:solidFill>
@@ -9294,14 +10448,14 @@
               <a:t>iOS</a:t>
             </a:r>
             <a:br>
-              <a:rPr lang="en-US" smtClean="0">
+              <a:rPr lang="en-US">
                 <a:solidFill>
                   <a:srgbClr val="0070C0"/>
                 </a:solidFill>
               </a:rPr>
             </a:br>
             <a:r>
-              <a:rPr lang="en-US" smtClean="0">
+              <a:rPr lang="en-US">
                 <a:solidFill>
                   <a:srgbClr val="0070C0"/>
                 </a:solidFill>
@@ -9309,14 +10463,14 @@
               <a:t>Android</a:t>
             </a:r>
             <a:br>
-              <a:rPr lang="en-US" smtClean="0">
+              <a:rPr lang="en-US">
                 <a:solidFill>
                   <a:srgbClr val="0070C0"/>
                 </a:solidFill>
               </a:rPr>
             </a:br>
             <a:r>
-              <a:rPr lang="en-US" smtClean="0">
+              <a:rPr lang="en-US">
                 <a:solidFill>
                   <a:srgbClr val="0070C0"/>
                 </a:solidFill>
@@ -9324,14 +10478,14 @@
               <a:t>Windows Phone</a:t>
             </a:r>
             <a:br>
-              <a:rPr lang="en-US" smtClean="0">
+              <a:rPr lang="en-US">
                 <a:solidFill>
                   <a:srgbClr val="0070C0"/>
                 </a:solidFill>
               </a:rPr>
             </a:br>
             <a:r>
-              <a:rPr lang="en-US" smtClean="0">
+              <a:rPr lang="en-US">
                 <a:solidFill>
                   <a:srgbClr val="0070C0"/>
                 </a:solidFill>
@@ -9339,14 +10493,14 @@
               <a:t>Xamarin</a:t>
             </a:r>
             <a:br>
-              <a:rPr lang="en-US" smtClean="0">
+              <a:rPr lang="en-US">
                 <a:solidFill>
                   <a:srgbClr val="0070C0"/>
                 </a:solidFill>
               </a:rPr>
             </a:br>
             <a:r>
-              <a:rPr lang="en-US" smtClean="0">
+              <a:rPr lang="en-US">
                 <a:solidFill>
                   <a:srgbClr val="0070C0"/>
                 </a:solidFill>
@@ -9356,13 +10510,13 @@
           </a:p>
           <a:p>
             <a:r>
-              <a:rPr lang="en-US" smtClean="0"/>
+              <a:rPr lang="en-US"/>
               <a:t>User authentication</a:t>
             </a:r>
           </a:p>
           <a:p>
             <a:r>
-              <a:rPr lang="en-US" smtClean="0">
+              <a:rPr lang="en-US">
                 <a:solidFill>
                   <a:srgbClr val="0070C0"/>
                 </a:solidFill>
@@ -9370,14 +10524,14 @@
               <a:t>Azure AD</a:t>
             </a:r>
             <a:br>
-              <a:rPr lang="en-US" smtClean="0">
+              <a:rPr lang="en-US">
                 <a:solidFill>
                   <a:srgbClr val="0070C0"/>
                 </a:solidFill>
               </a:rPr>
             </a:br>
             <a:r>
-              <a:rPr lang="en-US" smtClean="0">
+              <a:rPr lang="en-US">
                 <a:solidFill>
                   <a:srgbClr val="0070C0"/>
                 </a:solidFill>
@@ -9387,7 +10541,7 @@
           </a:p>
           <a:p>
             <a:r>
-              <a:rPr lang="en-US" smtClean="0"/>
+              <a:rPr lang="en-US"/>
               <a:t>Push notifications</a:t>
             </a:r>
           </a:p>
@@ -9401,6 +10555,30 @@
           </p:cNvSpPr>
           <p:nvPr>
             <p:ph type="body" sz="quarter" idx="16"/>
+          </p:nvPr>
+        </p:nvSpPr>
+        <p:spPr/>
+        <p:txBody>
+          <a:bodyPr>
+            <a:normAutofit lnSpcReduction="10000"/>
+          </a:bodyPr>
+          <a:lstStyle/>
+          <a:p>
+            <a:r>
+              <a:rPr lang="en-US"/>
+              <a:t>Logic Apps</a:t>
+            </a:r>
+          </a:p>
+        </p:txBody>
+      </p:sp>
+      <p:sp>
+        <p:nvSpPr>
+          <p:cNvPr id="8" name="Text Placeholder 7"/>
+          <p:cNvSpPr>
+            <a:spLocks noGrp="1"/>
+          </p:cNvSpPr>
+          <p:nvPr>
+            <p:ph type="body" sz="quarter" idx="17"/>
           </p:nvPr>
         </p:nvSpPr>
         <p:spPr/>
@@ -9409,21 +10587,44 @@
           <a:lstStyle/>
           <a:p>
             <a:r>
-              <a:rPr lang="en-US" smtClean="0"/>
-              <a:t>Logic Apps</a:t>
-            </a:r>
-            <a:endParaRPr lang="en-US"/>
-          </a:p>
-        </p:txBody>
-      </p:sp>
-      <p:sp>
-        <p:nvSpPr>
-          <p:cNvPr id="8" name="Text Placeholder 7"/>
-          <p:cNvSpPr>
-            <a:spLocks noGrp="1"/>
-          </p:cNvSpPr>
-          <p:nvPr>
-            <p:ph type="body" sz="quarter" idx="17"/>
+              <a:rPr lang="en-US"/>
+              <a:t>Scalable workflow engine</a:t>
+            </a:r>
+          </a:p>
+          <a:p>
+            <a:r>
+              <a:rPr lang="en-US"/>
+              <a:t>Events trigger workflow (Azure functions = events trigger code)</a:t>
+            </a:r>
+          </a:p>
+          <a:p>
+            <a:r>
+              <a:rPr lang="en-US"/>
+              <a:t>Logic apps can use Azure functions in their workflows</a:t>
+            </a:r>
+          </a:p>
+          <a:p>
+            <a:r>
+              <a:rPr lang="en-US"/>
+              <a:t>Compare to IFTTT</a:t>
+            </a:r>
+          </a:p>
+          <a:p>
+            <a:r>
+              <a:rPr lang="en-US"/>
+              <a:t>Sibling to Microsoft BizTalk Server 2016 on premises and Azure BiZTalk Services</a:t>
+            </a:r>
+          </a:p>
+        </p:txBody>
+      </p:sp>
+      <p:sp>
+        <p:nvSpPr>
+          <p:cNvPr id="4" name="Title 3"/>
+          <p:cNvSpPr>
+            <a:spLocks noGrp="1"/>
+          </p:cNvSpPr>
+          <p:nvPr>
+            <p:ph type="title"/>
           </p:nvPr>
         </p:nvSpPr>
         <p:spPr/>
@@ -9432,57 +10633,9 @@
           <a:lstStyle/>
           <a:p>
             <a:r>
-              <a:rPr lang="en-US" smtClean="0"/>
-              <a:t>Scalable workflow engine</a:t>
-            </a:r>
-          </a:p>
-          <a:p>
-            <a:r>
-              <a:rPr lang="en-US" smtClean="0"/>
-              <a:t>Events trigger workflow (Azure functions = events trigger code)</a:t>
-            </a:r>
-          </a:p>
-          <a:p>
-            <a:r>
-              <a:rPr lang="en-US" smtClean="0"/>
-              <a:t>Logic apps can use Azure functions in their workflows</a:t>
-            </a:r>
-          </a:p>
-          <a:p>
-            <a:r>
-              <a:rPr lang="en-US" smtClean="0"/>
-              <a:t>Compare to IFTTT</a:t>
-            </a:r>
-          </a:p>
-          <a:p>
-            <a:r>
-              <a:rPr lang="en-US" smtClean="0"/>
-              <a:t>Sibling to Microsoft BizTalk Server 2016 on premises and Azure BiZTalk Services</a:t>
-            </a:r>
-            <a:endParaRPr lang="en-US"/>
-          </a:p>
-        </p:txBody>
-      </p:sp>
-      <p:sp>
-        <p:nvSpPr>
-          <p:cNvPr id="4" name="Title 3"/>
-          <p:cNvSpPr>
-            <a:spLocks noGrp="1"/>
-          </p:cNvSpPr>
-          <p:nvPr>
-            <p:ph type="title"/>
-          </p:nvPr>
-        </p:nvSpPr>
-        <p:spPr/>
-        <p:txBody>
-          <a:bodyPr/>
-          <a:lstStyle/>
-          <a:p>
-            <a:r>
-              <a:rPr lang="en-US" smtClean="0"/>
+              <a:rPr lang="en-US"/>
               <a:t>Azure App Services App Types</a:t>
             </a:r>
-            <a:endParaRPr lang="en-US"/>
           </a:p>
         </p:txBody>
       </p:sp>
@@ -10187,146 +11340,6 @@
 </p:sld>
 </file>
 
-<file path=ppt/slides/slide7.xml><?xml version="1.0" encoding="utf-8"?>
-<p:sld xmlns:a="http://schemas.openxmlformats.org/drawingml/2006/main" xmlns:r="http://schemas.openxmlformats.org/officeDocument/2006/relationships" xmlns:p="http://schemas.openxmlformats.org/presentationml/2006/main">
-  <p:cSld>
-    <p:spTree>
-      <p:nvGrpSpPr>
-        <p:cNvPr id="1" name=""/>
-        <p:cNvGrpSpPr/>
-        <p:nvPr/>
-      </p:nvGrpSpPr>
-      <p:grpSpPr>
-        <a:xfrm>
-          <a:off x="0" y="0"/>
-          <a:ext cx="0" cy="0"/>
-          <a:chOff x="0" y="0"/>
-          <a:chExt cx="0" cy="0"/>
-        </a:xfrm>
-      </p:grpSpPr>
-      <p:sp>
-        <p:nvSpPr>
-          <p:cNvPr id="4" name="Title 3"/>
-          <p:cNvSpPr>
-            <a:spLocks noGrp="1"/>
-          </p:cNvSpPr>
-          <p:nvPr>
-            <p:ph type="ctrTitle"/>
-          </p:nvPr>
-        </p:nvSpPr>
-        <p:spPr/>
-        <p:txBody>
-          <a:bodyPr/>
-          <a:lstStyle/>
-          <a:p>
-            <a:r>
-              <a:rPr lang="en-US" smtClean="0"/>
-              <a:t>Explore the AzureRM.Websites Module</a:t>
-            </a:r>
-            <a:endParaRPr lang="en-US"/>
-          </a:p>
-        </p:txBody>
-      </p:sp>
-      <p:sp>
-        <p:nvSpPr>
-          <p:cNvPr id="2" name="Subtitle 1"/>
-          <p:cNvSpPr>
-            <a:spLocks noGrp="1"/>
-          </p:cNvSpPr>
-          <p:nvPr>
-            <p:ph type="subTitle" idx="1"/>
-          </p:nvPr>
-        </p:nvSpPr>
-        <p:spPr/>
-        <p:txBody>
-          <a:bodyPr/>
-          <a:lstStyle/>
-          <a:p>
-            <a:endParaRPr lang="en-US"/>
-          </a:p>
-        </p:txBody>
-      </p:sp>
-    </p:spTree>
-    <p:extLst>
-      <p:ext uri="{BB962C8B-B14F-4D97-AF65-F5344CB8AC3E}">
-        <p14:creationId xmlns:p14="http://schemas.microsoft.com/office/powerpoint/2010/main" val="3118289570"/>
-      </p:ext>
-    </p:extLst>
-  </p:cSld>
-  <p:clrMapOvr>
-    <a:masterClrMapping/>
-  </p:clrMapOvr>
-  <p:timing>
-    <p:tnLst>
-      <p:par>
-        <p:cTn id="1" dur="indefinite" restart="never" nodeType="tmRoot"/>
-      </p:par>
-    </p:tnLst>
-  </p:timing>
-</p:sld>
-</file>
-
-<file path=ppt/slides/slide8.xml><?xml version="1.0" encoding="utf-8"?>
-<p:sld xmlns:a="http://schemas.openxmlformats.org/drawingml/2006/main" xmlns:r="http://schemas.openxmlformats.org/officeDocument/2006/relationships" xmlns:p="http://schemas.openxmlformats.org/presentationml/2006/main">
-  <p:cSld>
-    <p:spTree>
-      <p:nvGrpSpPr>
-        <p:cNvPr id="1" name=""/>
-        <p:cNvGrpSpPr/>
-        <p:nvPr/>
-      </p:nvGrpSpPr>
-      <p:grpSpPr>
-        <a:xfrm>
-          <a:off x="0" y="0"/>
-          <a:ext cx="0" cy="0"/>
-          <a:chOff x="0" y="0"/>
-          <a:chExt cx="0" cy="0"/>
-        </a:xfrm>
-      </p:grpSpPr>
-      <p:pic>
-        <p:nvPicPr>
-          <p:cNvPr id="5" name="Picture 4"/>
-          <p:cNvPicPr>
-            <a:picLocks noChangeAspect="1"/>
-          </p:cNvPicPr>
-          <p:nvPr/>
-        </p:nvPicPr>
-        <p:blipFill>
-          <a:blip r:embed="rId2"/>
-          <a:stretch>
-            <a:fillRect/>
-          </a:stretch>
-        </p:blipFill>
-        <p:spPr>
-          <a:xfrm>
-            <a:off x="701041" y="199108"/>
-            <a:ext cx="8607468" cy="5957852"/>
-          </a:xfrm>
-          <a:prstGeom prst="rect">
-            <a:avLst/>
-          </a:prstGeom>
-        </p:spPr>
-      </p:pic>
-    </p:spTree>
-    <p:extLst>
-      <p:ext uri="{BB962C8B-B14F-4D97-AF65-F5344CB8AC3E}">
-        <p14:creationId xmlns:p14="http://schemas.microsoft.com/office/powerpoint/2010/main" val="1252232933"/>
-      </p:ext>
-    </p:extLst>
-  </p:cSld>
-  <p:clrMapOvr>
-    <a:masterClrMapping/>
-  </p:clrMapOvr>
-  <p:timing>
-    <p:tnLst>
-      <p:par>
-        <p:cTn id="1" dur="indefinite" restart="never" nodeType="tmRoot"/>
-      </p:par>
-    </p:tnLst>
-  </p:timing>
-</p:sld>
-</file>
-
 <file path=ppt/slides/slide9.xml><?xml version="1.0" encoding="utf-8"?>
 <p:sld xmlns:a="http://schemas.openxmlformats.org/drawingml/2006/main" xmlns:r="http://schemas.openxmlformats.org/officeDocument/2006/relationships" xmlns:p="http://schemas.openxmlformats.org/presentationml/2006/main">
   <p:cSld>
@@ -10344,34 +11357,100 @@
           <a:chExt cx="0" cy="0"/>
         </a:xfrm>
       </p:grpSpPr>
-      <p:pic>
-        <p:nvPicPr>
-          <p:cNvPr id="4" name="Picture 3"/>
-          <p:cNvPicPr>
-            <a:picLocks noChangeAspect="1"/>
-          </p:cNvPicPr>
-          <p:nvPr/>
-        </p:nvPicPr>
-        <p:blipFill>
-          <a:blip r:embed="rId2"/>
-          <a:stretch>
-            <a:fillRect/>
-          </a:stretch>
-        </p:blipFill>
-        <p:spPr>
-          <a:xfrm>
-            <a:off x="701040" y="199108"/>
-            <a:ext cx="8229600" cy="6391149"/>
-          </a:xfrm>
-          <a:prstGeom prst="rect">
-            <a:avLst/>
-          </a:prstGeom>
-        </p:spPr>
-      </p:pic>
+      <p:sp>
+        <p:nvSpPr>
+          <p:cNvPr id="7" name="Title 6"/>
+          <p:cNvSpPr>
+            <a:spLocks noGrp="1"/>
+          </p:cNvSpPr>
+          <p:nvPr>
+            <p:ph type="title"/>
+          </p:nvPr>
+        </p:nvSpPr>
+        <p:spPr/>
+        <p:txBody>
+          <a:bodyPr/>
+          <a:lstStyle/>
+          <a:p>
+            <a:r>
+              <a:rPr lang="en-US" dirty="0"/>
+              <a:t>App Service Environments (ASEs)</a:t>
+            </a:r>
+          </a:p>
+        </p:txBody>
+      </p:sp>
+      <p:sp>
+        <p:nvSpPr>
+          <p:cNvPr id="8" name="Content Placeholder 7"/>
+          <p:cNvSpPr>
+            <a:spLocks noGrp="1"/>
+          </p:cNvSpPr>
+          <p:nvPr>
+            <p:ph idx="1"/>
+          </p:nvPr>
+        </p:nvSpPr>
+        <p:spPr/>
+        <p:txBody>
+          <a:bodyPr/>
+          <a:lstStyle/>
+          <a:p>
+            <a:r>
+              <a:rPr lang="en-US" dirty="0"/>
+              <a:t>Isolated on an Azure virtual network</a:t>
+            </a:r>
+          </a:p>
+          <a:p>
+            <a:pPr lvl="1"/>
+            <a:r>
+              <a:rPr lang="en-US" dirty="0"/>
+              <a:t>Network security groups (NSGs)</a:t>
+            </a:r>
+          </a:p>
+          <a:p>
+            <a:pPr lvl="1"/>
+            <a:r>
+              <a:rPr lang="en-US" dirty="0"/>
+              <a:t>Web application firewall (WAF)</a:t>
+            </a:r>
+          </a:p>
+          <a:p>
+            <a:r>
+              <a:rPr lang="en-US" dirty="0"/>
+              <a:t>Dedicated hardware resources</a:t>
+            </a:r>
+          </a:p>
+          <a:p>
+            <a:r>
+              <a:rPr lang="en-US" dirty="0"/>
+              <a:t>Requires high-end VM classes and premium storage</a:t>
+            </a:r>
+          </a:p>
+          <a:p>
+            <a:pPr lvl="1"/>
+            <a:r>
+              <a:rPr lang="en-US" dirty="0"/>
+              <a:t>Front-end</a:t>
+            </a:r>
+          </a:p>
+          <a:p>
+            <a:pPr lvl="1"/>
+            <a:r>
+              <a:rPr lang="en-US" dirty="0"/>
+              <a:t>Back-end</a:t>
+            </a:r>
+          </a:p>
+          <a:p>
+            <a:r>
+              <a:rPr lang="en-US" dirty="0"/>
+              <a:t>Expensive</a:t>
+            </a:r>
+          </a:p>
+        </p:txBody>
+      </p:sp>
     </p:spTree>
     <p:extLst>
       <p:ext uri="{BB962C8B-B14F-4D97-AF65-F5344CB8AC3E}">
-        <p14:creationId xmlns:p14="http://schemas.microsoft.com/office/powerpoint/2010/main" val="53741972"/>
+        <p14:creationId xmlns:p14="http://schemas.microsoft.com/office/powerpoint/2010/main" val="1863967674"/>
       </p:ext>
     </p:extLst>
   </p:cSld>
@@ -10381,7 +11460,518 @@
   <p:timing>
     <p:tnLst>
       <p:par>
-        <p:cTn id="1" dur="indefinite" restart="never" nodeType="tmRoot"/>
+        <p:cTn id="1" dur="indefinite" restart="never" nodeType="tmRoot">
+          <p:childTnLst>
+            <p:seq concurrent="1" nextAc="seek">
+              <p:cTn id="2" dur="indefinite" nodeType="mainSeq">
+                <p:childTnLst>
+                  <p:par>
+                    <p:cTn id="3" fill="hold">
+                      <p:stCondLst>
+                        <p:cond delay="indefinite"/>
+                      </p:stCondLst>
+                      <p:childTnLst>
+                        <p:par>
+                          <p:cTn id="4" fill="hold">
+                            <p:stCondLst>
+                              <p:cond delay="0"/>
+                            </p:stCondLst>
+                            <p:childTnLst>
+                              <p:par>
+                                <p:cTn id="5" presetID="10" presetClass="entr" presetSubtype="0" fill="hold" nodeType="clickEffect">
+                                  <p:stCondLst>
+                                    <p:cond delay="0"/>
+                                  </p:stCondLst>
+                                  <p:childTnLst>
+                                    <p:set>
+                                      <p:cBhvr>
+                                        <p:cTn id="6" dur="1" fill="hold">
+                                          <p:stCondLst>
+                                            <p:cond delay="0"/>
+                                          </p:stCondLst>
+                                        </p:cTn>
+                                        <p:tgtEl>
+                                          <p:spTgt spid="8">
+                                            <p:txEl>
+                                              <p:pRg st="0" end="0"/>
+                                            </p:txEl>
+                                          </p:spTgt>
+                                        </p:tgtEl>
+                                        <p:attrNameLst>
+                                          <p:attrName>style.visibility</p:attrName>
+                                        </p:attrNameLst>
+                                      </p:cBhvr>
+                                      <p:to>
+                                        <p:strVal val="visible"/>
+                                      </p:to>
+                                    </p:set>
+                                    <p:animEffect transition="in" filter="fade">
+                                      <p:cBhvr>
+                                        <p:cTn id="7" dur="500"/>
+                                        <p:tgtEl>
+                                          <p:spTgt spid="8">
+                                            <p:txEl>
+                                              <p:pRg st="0" end="0"/>
+                                            </p:txEl>
+                                          </p:spTgt>
+                                        </p:tgtEl>
+                                      </p:cBhvr>
+                                    </p:animEffect>
+                                  </p:childTnLst>
+                                </p:cTn>
+                              </p:par>
+                            </p:childTnLst>
+                          </p:cTn>
+                        </p:par>
+                      </p:childTnLst>
+                    </p:cTn>
+                  </p:par>
+                  <p:par>
+                    <p:cTn id="8" fill="hold">
+                      <p:stCondLst>
+                        <p:cond delay="indefinite"/>
+                      </p:stCondLst>
+                      <p:childTnLst>
+                        <p:par>
+                          <p:cTn id="9" fill="hold">
+                            <p:stCondLst>
+                              <p:cond delay="0"/>
+                            </p:stCondLst>
+                            <p:childTnLst>
+                              <p:par>
+                                <p:cTn id="10" presetID="10" presetClass="entr" presetSubtype="0" fill="hold" nodeType="clickEffect">
+                                  <p:stCondLst>
+                                    <p:cond delay="0"/>
+                                  </p:stCondLst>
+                                  <p:childTnLst>
+                                    <p:set>
+                                      <p:cBhvr>
+                                        <p:cTn id="11" dur="1" fill="hold">
+                                          <p:stCondLst>
+                                            <p:cond delay="0"/>
+                                          </p:stCondLst>
+                                        </p:cTn>
+                                        <p:tgtEl>
+                                          <p:spTgt spid="8">
+                                            <p:txEl>
+                                              <p:pRg st="1" end="1"/>
+                                            </p:txEl>
+                                          </p:spTgt>
+                                        </p:tgtEl>
+                                        <p:attrNameLst>
+                                          <p:attrName>style.visibility</p:attrName>
+                                        </p:attrNameLst>
+                                      </p:cBhvr>
+                                      <p:to>
+                                        <p:strVal val="visible"/>
+                                      </p:to>
+                                    </p:set>
+                                    <p:animEffect transition="in" filter="fade">
+                                      <p:cBhvr>
+                                        <p:cTn id="12" dur="500"/>
+                                        <p:tgtEl>
+                                          <p:spTgt spid="8">
+                                            <p:txEl>
+                                              <p:pRg st="1" end="1"/>
+                                            </p:txEl>
+                                          </p:spTgt>
+                                        </p:tgtEl>
+                                      </p:cBhvr>
+                                    </p:animEffect>
+                                  </p:childTnLst>
+                                </p:cTn>
+                              </p:par>
+                            </p:childTnLst>
+                          </p:cTn>
+                        </p:par>
+                      </p:childTnLst>
+                    </p:cTn>
+                  </p:par>
+                  <p:par>
+                    <p:cTn id="13" fill="hold">
+                      <p:stCondLst>
+                        <p:cond delay="indefinite"/>
+                      </p:stCondLst>
+                      <p:childTnLst>
+                        <p:par>
+                          <p:cTn id="14" fill="hold">
+                            <p:stCondLst>
+                              <p:cond delay="0"/>
+                            </p:stCondLst>
+                            <p:childTnLst>
+                              <p:par>
+                                <p:cTn id="15" presetID="10" presetClass="entr" presetSubtype="0" fill="hold" nodeType="clickEffect">
+                                  <p:stCondLst>
+                                    <p:cond delay="0"/>
+                                  </p:stCondLst>
+                                  <p:childTnLst>
+                                    <p:set>
+                                      <p:cBhvr>
+                                        <p:cTn id="16" dur="1" fill="hold">
+                                          <p:stCondLst>
+                                            <p:cond delay="0"/>
+                                          </p:stCondLst>
+                                        </p:cTn>
+                                        <p:tgtEl>
+                                          <p:spTgt spid="8">
+                                            <p:txEl>
+                                              <p:pRg st="2" end="2"/>
+                                            </p:txEl>
+                                          </p:spTgt>
+                                        </p:tgtEl>
+                                        <p:attrNameLst>
+                                          <p:attrName>style.visibility</p:attrName>
+                                        </p:attrNameLst>
+                                      </p:cBhvr>
+                                      <p:to>
+                                        <p:strVal val="visible"/>
+                                      </p:to>
+                                    </p:set>
+                                    <p:animEffect transition="in" filter="fade">
+                                      <p:cBhvr>
+                                        <p:cTn id="17" dur="500"/>
+                                        <p:tgtEl>
+                                          <p:spTgt spid="8">
+                                            <p:txEl>
+                                              <p:pRg st="2" end="2"/>
+                                            </p:txEl>
+                                          </p:spTgt>
+                                        </p:tgtEl>
+                                      </p:cBhvr>
+                                    </p:animEffect>
+                                  </p:childTnLst>
+                                </p:cTn>
+                              </p:par>
+                            </p:childTnLst>
+                          </p:cTn>
+                        </p:par>
+                      </p:childTnLst>
+                    </p:cTn>
+                  </p:par>
+                  <p:par>
+                    <p:cTn id="18" fill="hold">
+                      <p:stCondLst>
+                        <p:cond delay="indefinite"/>
+                      </p:stCondLst>
+                      <p:childTnLst>
+                        <p:par>
+                          <p:cTn id="19" fill="hold">
+                            <p:stCondLst>
+                              <p:cond delay="0"/>
+                            </p:stCondLst>
+                            <p:childTnLst>
+                              <p:par>
+                                <p:cTn id="20" presetID="10" presetClass="entr" presetSubtype="0" fill="hold" nodeType="clickEffect">
+                                  <p:stCondLst>
+                                    <p:cond delay="0"/>
+                                  </p:stCondLst>
+                                  <p:childTnLst>
+                                    <p:set>
+                                      <p:cBhvr>
+                                        <p:cTn id="21" dur="1" fill="hold">
+                                          <p:stCondLst>
+                                            <p:cond delay="0"/>
+                                          </p:stCondLst>
+                                        </p:cTn>
+                                        <p:tgtEl>
+                                          <p:spTgt spid="8">
+                                            <p:txEl>
+                                              <p:pRg st="3" end="3"/>
+                                            </p:txEl>
+                                          </p:spTgt>
+                                        </p:tgtEl>
+                                        <p:attrNameLst>
+                                          <p:attrName>style.visibility</p:attrName>
+                                        </p:attrNameLst>
+                                      </p:cBhvr>
+                                      <p:to>
+                                        <p:strVal val="visible"/>
+                                      </p:to>
+                                    </p:set>
+                                    <p:animEffect transition="in" filter="fade">
+                                      <p:cBhvr>
+                                        <p:cTn id="22" dur="500"/>
+                                        <p:tgtEl>
+                                          <p:spTgt spid="8">
+                                            <p:txEl>
+                                              <p:pRg st="3" end="3"/>
+                                            </p:txEl>
+                                          </p:spTgt>
+                                        </p:tgtEl>
+                                      </p:cBhvr>
+                                    </p:animEffect>
+                                  </p:childTnLst>
+                                </p:cTn>
+                              </p:par>
+                            </p:childTnLst>
+                          </p:cTn>
+                        </p:par>
+                      </p:childTnLst>
+                    </p:cTn>
+                  </p:par>
+                  <p:par>
+                    <p:cTn id="23" fill="hold">
+                      <p:stCondLst>
+                        <p:cond delay="indefinite"/>
+                      </p:stCondLst>
+                      <p:childTnLst>
+                        <p:par>
+                          <p:cTn id="24" fill="hold">
+                            <p:stCondLst>
+                              <p:cond delay="0"/>
+                            </p:stCondLst>
+                            <p:childTnLst>
+                              <p:par>
+                                <p:cTn id="25" presetID="10" presetClass="entr" presetSubtype="0" fill="hold" nodeType="clickEffect">
+                                  <p:stCondLst>
+                                    <p:cond delay="0"/>
+                                  </p:stCondLst>
+                                  <p:childTnLst>
+                                    <p:set>
+                                      <p:cBhvr>
+                                        <p:cTn id="26" dur="1" fill="hold">
+                                          <p:stCondLst>
+                                            <p:cond delay="0"/>
+                                          </p:stCondLst>
+                                        </p:cTn>
+                                        <p:tgtEl>
+                                          <p:spTgt spid="8">
+                                            <p:txEl>
+                                              <p:pRg st="4" end="4"/>
+                                            </p:txEl>
+                                          </p:spTgt>
+                                        </p:tgtEl>
+                                        <p:attrNameLst>
+                                          <p:attrName>style.visibility</p:attrName>
+                                        </p:attrNameLst>
+                                      </p:cBhvr>
+                                      <p:to>
+                                        <p:strVal val="visible"/>
+                                      </p:to>
+                                    </p:set>
+                                    <p:animEffect transition="in" filter="fade">
+                                      <p:cBhvr>
+                                        <p:cTn id="27" dur="500"/>
+                                        <p:tgtEl>
+                                          <p:spTgt spid="8">
+                                            <p:txEl>
+                                              <p:pRg st="4" end="4"/>
+                                            </p:txEl>
+                                          </p:spTgt>
+                                        </p:tgtEl>
+                                      </p:cBhvr>
+                                    </p:animEffect>
+                                  </p:childTnLst>
+                                </p:cTn>
+                              </p:par>
+                            </p:childTnLst>
+                          </p:cTn>
+                        </p:par>
+                      </p:childTnLst>
+                    </p:cTn>
+                  </p:par>
+                  <p:par>
+                    <p:cTn id="28" fill="hold">
+                      <p:stCondLst>
+                        <p:cond delay="indefinite"/>
+                      </p:stCondLst>
+                      <p:childTnLst>
+                        <p:par>
+                          <p:cTn id="29" fill="hold">
+                            <p:stCondLst>
+                              <p:cond delay="0"/>
+                            </p:stCondLst>
+                            <p:childTnLst>
+                              <p:par>
+                                <p:cTn id="30" presetID="10" presetClass="entr" presetSubtype="0" fill="hold" nodeType="clickEffect">
+                                  <p:stCondLst>
+                                    <p:cond delay="0"/>
+                                  </p:stCondLst>
+                                  <p:childTnLst>
+                                    <p:set>
+                                      <p:cBhvr>
+                                        <p:cTn id="31" dur="1" fill="hold">
+                                          <p:stCondLst>
+                                            <p:cond delay="0"/>
+                                          </p:stCondLst>
+                                        </p:cTn>
+                                        <p:tgtEl>
+                                          <p:spTgt spid="8">
+                                            <p:txEl>
+                                              <p:pRg st="5" end="5"/>
+                                            </p:txEl>
+                                          </p:spTgt>
+                                        </p:tgtEl>
+                                        <p:attrNameLst>
+                                          <p:attrName>style.visibility</p:attrName>
+                                        </p:attrNameLst>
+                                      </p:cBhvr>
+                                      <p:to>
+                                        <p:strVal val="visible"/>
+                                      </p:to>
+                                    </p:set>
+                                    <p:animEffect transition="in" filter="fade">
+                                      <p:cBhvr>
+                                        <p:cTn id="32" dur="500"/>
+                                        <p:tgtEl>
+                                          <p:spTgt spid="8">
+                                            <p:txEl>
+                                              <p:pRg st="5" end="5"/>
+                                            </p:txEl>
+                                          </p:spTgt>
+                                        </p:tgtEl>
+                                      </p:cBhvr>
+                                    </p:animEffect>
+                                  </p:childTnLst>
+                                </p:cTn>
+                              </p:par>
+                            </p:childTnLst>
+                          </p:cTn>
+                        </p:par>
+                      </p:childTnLst>
+                    </p:cTn>
+                  </p:par>
+                  <p:par>
+                    <p:cTn id="33" fill="hold">
+                      <p:stCondLst>
+                        <p:cond delay="indefinite"/>
+                      </p:stCondLst>
+                      <p:childTnLst>
+                        <p:par>
+                          <p:cTn id="34" fill="hold">
+                            <p:stCondLst>
+                              <p:cond delay="0"/>
+                            </p:stCondLst>
+                            <p:childTnLst>
+                              <p:par>
+                                <p:cTn id="35" presetID="10" presetClass="entr" presetSubtype="0" fill="hold" nodeType="clickEffect">
+                                  <p:stCondLst>
+                                    <p:cond delay="0"/>
+                                  </p:stCondLst>
+                                  <p:childTnLst>
+                                    <p:set>
+                                      <p:cBhvr>
+                                        <p:cTn id="36" dur="1" fill="hold">
+                                          <p:stCondLst>
+                                            <p:cond delay="0"/>
+                                          </p:stCondLst>
+                                        </p:cTn>
+                                        <p:tgtEl>
+                                          <p:spTgt spid="8">
+                                            <p:txEl>
+                                              <p:pRg st="6" end="6"/>
+                                            </p:txEl>
+                                          </p:spTgt>
+                                        </p:tgtEl>
+                                        <p:attrNameLst>
+                                          <p:attrName>style.visibility</p:attrName>
+                                        </p:attrNameLst>
+                                      </p:cBhvr>
+                                      <p:to>
+                                        <p:strVal val="visible"/>
+                                      </p:to>
+                                    </p:set>
+                                    <p:animEffect transition="in" filter="fade">
+                                      <p:cBhvr>
+                                        <p:cTn id="37" dur="500"/>
+                                        <p:tgtEl>
+                                          <p:spTgt spid="8">
+                                            <p:txEl>
+                                              <p:pRg st="6" end="6"/>
+                                            </p:txEl>
+                                          </p:spTgt>
+                                        </p:tgtEl>
+                                      </p:cBhvr>
+                                    </p:animEffect>
+                                  </p:childTnLst>
+                                </p:cTn>
+                              </p:par>
+                            </p:childTnLst>
+                          </p:cTn>
+                        </p:par>
+                      </p:childTnLst>
+                    </p:cTn>
+                  </p:par>
+                  <p:par>
+                    <p:cTn id="38" fill="hold">
+                      <p:stCondLst>
+                        <p:cond delay="indefinite"/>
+                      </p:stCondLst>
+                      <p:childTnLst>
+                        <p:par>
+                          <p:cTn id="39" fill="hold">
+                            <p:stCondLst>
+                              <p:cond delay="0"/>
+                            </p:stCondLst>
+                            <p:childTnLst>
+                              <p:par>
+                                <p:cTn id="40" presetID="10" presetClass="entr" presetSubtype="0" fill="hold" nodeType="clickEffect">
+                                  <p:stCondLst>
+                                    <p:cond delay="0"/>
+                                  </p:stCondLst>
+                                  <p:childTnLst>
+                                    <p:set>
+                                      <p:cBhvr>
+                                        <p:cTn id="41" dur="1" fill="hold">
+                                          <p:stCondLst>
+                                            <p:cond delay="0"/>
+                                          </p:stCondLst>
+                                        </p:cTn>
+                                        <p:tgtEl>
+                                          <p:spTgt spid="8">
+                                            <p:txEl>
+                                              <p:pRg st="7" end="7"/>
+                                            </p:txEl>
+                                          </p:spTgt>
+                                        </p:tgtEl>
+                                        <p:attrNameLst>
+                                          <p:attrName>style.visibility</p:attrName>
+                                        </p:attrNameLst>
+                                      </p:cBhvr>
+                                      <p:to>
+                                        <p:strVal val="visible"/>
+                                      </p:to>
+                                    </p:set>
+                                    <p:animEffect transition="in" filter="fade">
+                                      <p:cBhvr>
+                                        <p:cTn id="42" dur="500"/>
+                                        <p:tgtEl>
+                                          <p:spTgt spid="8">
+                                            <p:txEl>
+                                              <p:pRg st="7" end="7"/>
+                                            </p:txEl>
+                                          </p:spTgt>
+                                        </p:tgtEl>
+                                      </p:cBhvr>
+                                    </p:animEffect>
+                                  </p:childTnLst>
+                                </p:cTn>
+                              </p:par>
+                            </p:childTnLst>
+                          </p:cTn>
+                        </p:par>
+                      </p:childTnLst>
+                    </p:cTn>
+                  </p:par>
+                </p:childTnLst>
+              </p:cTn>
+              <p:prevCondLst>
+                <p:cond evt="onPrev" delay="0">
+                  <p:tgtEl>
+                    <p:sldTgt/>
+                  </p:tgtEl>
+                </p:cond>
+              </p:prevCondLst>
+              <p:nextCondLst>
+                <p:cond evt="onNext" delay="0">
+                  <p:tgtEl>
+                    <p:sldTgt/>
+                  </p:tgtEl>
+                </p:cond>
+              </p:nextCondLst>
+            </p:seq>
+          </p:childTnLst>
+        </p:cTn>
       </p:par>
     </p:tnLst>
   </p:timing>

--- a/warner-manage-azure-webapps.pptx
+++ b/warner-manage-azure-webapps.pptx
@@ -10,21 +10,22 @@
     <p:sldId id="270" r:id="rId4"/>
     <p:sldId id="258" r:id="rId5"/>
     <p:sldId id="259" r:id="rId6"/>
-    <p:sldId id="275" r:id="rId7"/>
+    <p:sldId id="277" r:id="rId7"/>
     <p:sldId id="265" r:id="rId8"/>
     <p:sldId id="266" r:id="rId9"/>
     <p:sldId id="274" r:id="rId10"/>
     <p:sldId id="260" r:id="rId11"/>
-    <p:sldId id="268" r:id="rId12"/>
-    <p:sldId id="267" r:id="rId13"/>
-    <p:sldId id="261" r:id="rId14"/>
-    <p:sldId id="272" r:id="rId15"/>
-    <p:sldId id="271" r:id="rId16"/>
-    <p:sldId id="273" r:id="rId17"/>
-    <p:sldId id="263" r:id="rId18"/>
-    <p:sldId id="269" r:id="rId19"/>
-    <p:sldId id="276" r:id="rId20"/>
-    <p:sldId id="264" r:id="rId21"/>
+    <p:sldId id="278" r:id="rId12"/>
+    <p:sldId id="268" r:id="rId13"/>
+    <p:sldId id="267" r:id="rId14"/>
+    <p:sldId id="261" r:id="rId15"/>
+    <p:sldId id="272" r:id="rId16"/>
+    <p:sldId id="271" r:id="rId17"/>
+    <p:sldId id="273" r:id="rId18"/>
+    <p:sldId id="263" r:id="rId19"/>
+    <p:sldId id="269" r:id="rId20"/>
+    <p:sldId id="276" r:id="rId21"/>
+    <p:sldId id="264" r:id="rId22"/>
   </p:sldIdLst>
   <p:sldSz cx="12192000" cy="6858000"/>
   <p:notesSz cx="6858000" cy="9144000"/>
@@ -876,7 +877,7 @@
           <a:p>
             <a:fld id="{6AD6EE87-EBD5-4F12-A48A-63ACA297AC8F}" type="datetimeFigureOut">
               <a:rPr lang="en-US" smtClean="0"/>
-              <a:t>4/9/2017</a:t>
+              <a:t>4/11/2017</a:t>
             </a:fld>
             <a:endParaRPr lang="en-US" dirty="0"/>
           </a:p>
@@ -1200,7 +1201,7 @@
             <a:fld id="{90298CD5-6C1E-4009-B41F-6DF62E31D3BE}" type="datetimeFigureOut">
               <a:rPr lang="en-US" smtClean="0"/>
               <a:pPr/>
-              <a:t>4/9/2017</a:t>
+              <a:t>4/11/2017</a:t>
             </a:fld>
             <a:endParaRPr lang="en-US" dirty="0"/>
           </a:p>
@@ -1516,7 +1517,7 @@
             <a:fld id="{90298CD5-6C1E-4009-B41F-6DF62E31D3BE}" type="datetimeFigureOut">
               <a:rPr lang="en-US" smtClean="0"/>
               <a:pPr/>
-              <a:t>4/9/2017</a:t>
+              <a:t>4/11/2017</a:t>
             </a:fld>
             <a:endParaRPr lang="en-US" dirty="0"/>
           </a:p>
@@ -1851,7 +1852,7 @@
             <a:fld id="{90298CD5-6C1E-4009-B41F-6DF62E31D3BE}" type="datetimeFigureOut">
               <a:rPr lang="en-US" smtClean="0"/>
               <a:pPr/>
-              <a:t>4/9/2017</a:t>
+              <a:t>4/11/2017</a:t>
             </a:fld>
             <a:endParaRPr lang="en-US" dirty="0"/>
           </a:p>
@@ -2167,7 +2168,7 @@
             <a:fld id="{90298CD5-6C1E-4009-B41F-6DF62E31D3BE}" type="datetimeFigureOut">
               <a:rPr lang="en-US" smtClean="0"/>
               <a:pPr/>
-              <a:t>4/9/2017</a:t>
+              <a:t>4/11/2017</a:t>
             </a:fld>
             <a:endParaRPr lang="en-US" dirty="0"/>
           </a:p>
@@ -2562,7 +2563,7 @@
             <a:fld id="{90298CD5-6C1E-4009-B41F-6DF62E31D3BE}" type="datetimeFigureOut">
               <a:rPr lang="en-US" smtClean="0"/>
               <a:pPr/>
-              <a:t>4/9/2017</a:t>
+              <a:t>4/11/2017</a:t>
             </a:fld>
             <a:endParaRPr lang="en-US" dirty="0"/>
           </a:p>
@@ -2733,7 +2734,7 @@
           <a:p>
             <a:fld id="{4CD73815-2707-4475-8F1A-B873CB631BB4}" type="datetimeFigureOut">
               <a:rPr lang="en-US" smtClean="0"/>
-              <a:t>4/9/2017</a:t>
+              <a:t>4/11/2017</a:t>
             </a:fld>
             <a:endParaRPr lang="en-US" dirty="0"/>
           </a:p>
@@ -2913,7 +2914,7 @@
           <a:p>
             <a:fld id="{2A4AFB99-0EAB-4182-AFF8-E214C82A68F6}" type="datetimeFigureOut">
               <a:rPr lang="en-US" smtClean="0"/>
-              <a:t>4/9/2017</a:t>
+              <a:t>4/11/2017</a:t>
             </a:fld>
             <a:endParaRPr lang="en-US" dirty="0"/>
           </a:p>
@@ -3364,7 +3365,7 @@
           <a:p>
             <a:fld id="{A5D3794B-289A-4A80-97D7-111025398D45}" type="datetimeFigureOut">
               <a:rPr lang="en-US" smtClean="0"/>
-              <a:t>4/9/2017</a:t>
+              <a:t>4/11/2017</a:t>
             </a:fld>
             <a:endParaRPr lang="en-US" dirty="0"/>
           </a:p>
@@ -3611,7 +3612,7 @@
           <a:p>
             <a:fld id="{5A61015F-7CC6-4D0A-9D87-873EA4C304CC}" type="datetimeFigureOut">
               <a:rPr lang="en-US" smtClean="0"/>
-              <a:t>4/9/2017</a:t>
+              <a:t>4/11/2017</a:t>
             </a:fld>
             <a:endParaRPr lang="en-US" dirty="0"/>
           </a:p>
@@ -3915,7 +3916,7 @@
           <a:p>
             <a:fld id="{93C6A301-0538-44EC-B09D-202E1042A48B}" type="datetimeFigureOut">
               <a:rPr lang="en-US" smtClean="0"/>
-              <a:t>4/9/2017</a:t>
+              <a:t>4/11/2017</a:t>
             </a:fld>
             <a:endParaRPr lang="en-US" dirty="0"/>
           </a:p>
@@ -4289,7 +4290,7 @@
           <a:p>
             <a:fld id="{D789574A-8875-45EF-8EA2-3CAA0F7ABC4C}" type="datetimeFigureOut">
               <a:rPr lang="en-US" smtClean="0"/>
-              <a:t>4/9/2017</a:t>
+              <a:t>4/11/2017</a:t>
             </a:fld>
             <a:endParaRPr lang="en-US" dirty="0"/>
           </a:p>
@@ -4412,7 +4413,7 @@
           <a:p>
             <a:fld id="{67EF4D4C-5367-4C26-9E2B-D8088D7FCA81}" type="datetimeFigureOut">
               <a:rPr lang="en-US" smtClean="0"/>
-              <a:t>4/9/2017</a:t>
+              <a:t>4/11/2017</a:t>
             </a:fld>
             <a:endParaRPr lang="en-US" dirty="0"/>
           </a:p>
@@ -4507,7 +4508,7 @@
           <a:p>
             <a:fld id="{56E91E96-98B0-4413-9547-46F3504108EF}" type="datetimeFigureOut">
               <a:rPr lang="en-US" smtClean="0"/>
-              <a:t>4/9/2017</a:t>
+              <a:t>4/11/2017</a:t>
             </a:fld>
             <a:endParaRPr lang="en-US" dirty="0"/>
           </a:p>
@@ -4762,7 +4763,7 @@
           <a:p>
             <a:fld id="{05C68B11-C5A8-448C-8CE9-B1A273C79CFC}" type="datetimeFigureOut">
               <a:rPr lang="en-US" smtClean="0"/>
-              <a:t>4/9/2017</a:t>
+              <a:t>4/11/2017</a:t>
             </a:fld>
             <a:endParaRPr lang="en-US" dirty="0"/>
           </a:p>
@@ -5067,7 +5068,7 @@
           <a:p>
             <a:fld id="{C7616CA0-919D-4A49-9C8A-62FDFB3A5183}" type="datetimeFigureOut">
               <a:rPr lang="en-US" smtClean="0"/>
-              <a:t>4/9/2017</a:t>
+              <a:t>4/11/2017</a:t>
             </a:fld>
             <a:endParaRPr lang="en-US" dirty="0"/>
           </a:p>
@@ -5770,7 +5771,7 @@
             <a:fld id="{90298CD5-6C1E-4009-B41F-6DF62E31D3BE}" type="datetimeFigureOut">
               <a:rPr lang="en-US" smtClean="0"/>
               <a:pPr/>
-              <a:t>4/9/2017</a:t>
+              <a:t>4/11/2017</a:t>
             </a:fld>
             <a:endParaRPr lang="en-US" dirty="0"/>
           </a:p>
@@ -6496,6 +6497,82 @@
           <a:chExt cx="0" cy="0"/>
         </a:xfrm>
       </p:grpSpPr>
+      <p:sp>
+        <p:nvSpPr>
+          <p:cNvPr id="2" name="Title 1"/>
+          <p:cNvSpPr>
+            <a:spLocks noGrp="1"/>
+          </p:cNvSpPr>
+          <p:nvPr>
+            <p:ph type="title"/>
+          </p:nvPr>
+        </p:nvSpPr>
+        <p:spPr/>
+        <p:txBody>
+          <a:bodyPr/>
+          <a:lstStyle/>
+          <a:p>
+            <a:r>
+              <a:rPr lang="en-US" dirty="0"/>
+              <a:t>Web Platform Installer (Web PI)</a:t>
+            </a:r>
+          </a:p>
+        </p:txBody>
+      </p:sp>
+      <p:pic>
+        <p:nvPicPr>
+          <p:cNvPr id="4" name="Picture 3"/>
+          <p:cNvPicPr>
+            <a:picLocks noChangeAspect="1"/>
+          </p:cNvPicPr>
+          <p:nvPr/>
+        </p:nvPicPr>
+        <p:blipFill>
+          <a:blip r:embed="rId2"/>
+          <a:stretch>
+            <a:fillRect/>
+          </a:stretch>
+        </p:blipFill>
+        <p:spPr>
+          <a:xfrm>
+            <a:off x="2201117" y="1426890"/>
+            <a:ext cx="7789766" cy="5318819"/>
+          </a:xfrm>
+          <a:prstGeom prst="rect">
+            <a:avLst/>
+          </a:prstGeom>
+        </p:spPr>
+      </p:pic>
+    </p:spTree>
+    <p:extLst>
+      <p:ext uri="{BB962C8B-B14F-4D97-AF65-F5344CB8AC3E}">
+        <p14:creationId xmlns:p14="http://schemas.microsoft.com/office/powerpoint/2010/main" val="1705640115"/>
+      </p:ext>
+    </p:extLst>
+  </p:cSld>
+  <p:clrMapOvr>
+    <a:masterClrMapping/>
+  </p:clrMapOvr>
+</p:sld>
+</file>
+
+<file path=ppt/slides/slide12.xml><?xml version="1.0" encoding="utf-8"?>
+<p:sld xmlns:a="http://schemas.openxmlformats.org/drawingml/2006/main" xmlns:r="http://schemas.openxmlformats.org/officeDocument/2006/relationships" xmlns:p="http://schemas.openxmlformats.org/presentationml/2006/main">
+  <p:cSld>
+    <p:spTree>
+      <p:nvGrpSpPr>
+        <p:cNvPr id="1" name=""/>
+        <p:cNvGrpSpPr/>
+        <p:nvPr/>
+      </p:nvGrpSpPr>
+      <p:grpSpPr>
+        <a:xfrm>
+          <a:off x="0" y="0"/>
+          <a:ext cx="0" cy="0"/>
+          <a:chOff x="0" y="0"/>
+          <a:chExt cx="0" cy="0"/>
+        </a:xfrm>
+      </p:grpSpPr>
       <p:pic>
         <p:nvPicPr>
           <p:cNvPr id="5" name="Picture 4"/>
@@ -6520,6 +6597,54 @@
           </a:prstGeom>
         </p:spPr>
       </p:pic>
+      <p:sp>
+        <p:nvSpPr>
+          <p:cNvPr id="2" name="Arrow: Left 1"/>
+          <p:cNvSpPr/>
+          <p:nvPr/>
+        </p:nvSpPr>
+        <p:spPr>
+          <a:xfrm>
+            <a:off x="2176272" y="2414016"/>
+            <a:ext cx="2642616" cy="658368"/>
+          </a:xfrm>
+          <a:prstGeom prst="leftArrow">
+            <a:avLst/>
+          </a:prstGeom>
+          <a:solidFill>
+            <a:srgbClr val="FFFF00"/>
+          </a:solidFill>
+          <a:ln>
+            <a:solidFill>
+              <a:schemeClr val="tx1"/>
+            </a:solidFill>
+          </a:ln>
+        </p:spPr>
+        <p:style>
+          <a:lnRef idx="2">
+            <a:schemeClr val="accent1">
+              <a:shade val="50000"/>
+            </a:schemeClr>
+          </a:lnRef>
+          <a:fillRef idx="1">
+            <a:schemeClr val="accent1"/>
+          </a:fillRef>
+          <a:effectRef idx="0">
+            <a:schemeClr val="accent1"/>
+          </a:effectRef>
+          <a:fontRef idx="minor">
+            <a:schemeClr val="lt1"/>
+          </a:fontRef>
+        </p:style>
+        <p:txBody>
+          <a:bodyPr rtlCol="0" anchor="ctr"/>
+          <a:lstStyle/>
+          <a:p>
+            <a:pPr algn="ctr"/>
+            <a:endParaRPr lang="en-US"/>
+          </a:p>
+        </p:txBody>
+      </p:sp>
     </p:spTree>
     <p:extLst>
       <p:ext uri="{BB962C8B-B14F-4D97-AF65-F5344CB8AC3E}">
@@ -6530,10 +6655,96 @@
   <p:clrMapOvr>
     <a:masterClrMapping/>
   </p:clrMapOvr>
+  <p:timing>
+    <p:tnLst>
+      <p:par>
+        <p:cTn id="1" dur="indefinite" restart="never" nodeType="tmRoot">
+          <p:childTnLst>
+            <p:seq concurrent="1" nextAc="seek">
+              <p:cTn id="2" dur="indefinite" nodeType="mainSeq">
+                <p:childTnLst>
+                  <p:par>
+                    <p:cTn id="3" fill="hold">
+                      <p:stCondLst>
+                        <p:cond delay="indefinite"/>
+                      </p:stCondLst>
+                      <p:childTnLst>
+                        <p:par>
+                          <p:cTn id="4" fill="hold">
+                            <p:stCondLst>
+                              <p:cond delay="0"/>
+                            </p:stCondLst>
+                            <p:childTnLst>
+                              <p:par>
+                                <p:cTn id="5" presetID="10" presetClass="entr" presetSubtype="0" fill="hold" grpId="0" nodeType="clickEffect">
+                                  <p:stCondLst>
+                                    <p:cond delay="0"/>
+                                  </p:stCondLst>
+                                  <p:childTnLst>
+                                    <p:set>
+                                      <p:cBhvr>
+                                        <p:cTn id="6" dur="1" fill="hold">
+                                          <p:stCondLst>
+                                            <p:cond delay="0"/>
+                                          </p:stCondLst>
+                                        </p:cTn>
+                                        <p:tgtEl>
+                                          <p:spTgt spid="2"/>
+                                        </p:tgtEl>
+                                        <p:attrNameLst>
+                                          <p:attrName>style.visibility</p:attrName>
+                                        </p:attrNameLst>
+                                      </p:cBhvr>
+                                      <p:to>
+                                        <p:strVal val="visible"/>
+                                      </p:to>
+                                    </p:set>
+                                    <p:animEffect transition="in" filter="fade">
+                                      <p:cBhvr>
+                                        <p:cTn id="7" dur="500"/>
+                                        <p:tgtEl>
+                                          <p:spTgt spid="2"/>
+                                        </p:tgtEl>
+                                      </p:cBhvr>
+                                    </p:animEffect>
+                                  </p:childTnLst>
+                                </p:cTn>
+                              </p:par>
+                            </p:childTnLst>
+                          </p:cTn>
+                        </p:par>
+                      </p:childTnLst>
+                    </p:cTn>
+                  </p:par>
+                </p:childTnLst>
+              </p:cTn>
+              <p:prevCondLst>
+                <p:cond evt="onPrev" delay="0">
+                  <p:tgtEl>
+                    <p:sldTgt/>
+                  </p:tgtEl>
+                </p:cond>
+              </p:prevCondLst>
+              <p:nextCondLst>
+                <p:cond evt="onNext" delay="0">
+                  <p:tgtEl>
+                    <p:sldTgt/>
+                  </p:tgtEl>
+                </p:cond>
+              </p:nextCondLst>
+            </p:seq>
+          </p:childTnLst>
+        </p:cTn>
+      </p:par>
+    </p:tnLst>
+    <p:bldLst>
+      <p:bldP spid="2" grpId="0" animBg="1"/>
+    </p:bldLst>
+  </p:timing>
 </p:sld>
 </file>
 
-<file path=ppt/slides/slide12.xml><?xml version="1.0" encoding="utf-8"?>
+<file path=ppt/slides/slide13.xml><?xml version="1.0" encoding="utf-8"?>
 <p:sld xmlns:a="http://schemas.openxmlformats.org/drawingml/2006/main" xmlns:r="http://schemas.openxmlformats.org/officeDocument/2006/relationships" xmlns:p="http://schemas.openxmlformats.org/presentationml/2006/main">
   <p:cSld>
     <p:spTree>
@@ -6587,7 +6798,7 @@
 </p:sld>
 </file>
 
-<file path=ppt/slides/slide13.xml><?xml version="1.0" encoding="utf-8"?>
+<file path=ppt/slides/slide14.xml><?xml version="1.0" encoding="utf-8"?>
 <p:sld xmlns:a="http://schemas.openxmlformats.org/drawingml/2006/main" xmlns:r="http://schemas.openxmlformats.org/officeDocument/2006/relationships" xmlns:p="http://schemas.openxmlformats.org/presentationml/2006/main">
   <p:cSld>
     <p:spTree>
@@ -6639,7 +6850,7 @@
 </p:sld>
 </file>
 
-<file path=ppt/slides/slide14.xml><?xml version="1.0" encoding="utf-8"?>
+<file path=ppt/slides/slide15.xml><?xml version="1.0" encoding="utf-8"?>
 <p:sld xmlns:a="http://schemas.openxmlformats.org/drawingml/2006/main" xmlns:r="http://schemas.openxmlformats.org/officeDocument/2006/relationships" xmlns:p="http://schemas.openxmlformats.org/presentationml/2006/main">
   <p:cSld>
     <p:spTree>
@@ -6772,7 +6983,7 @@
 </p:sld>
 </file>
 
-<file path=ppt/slides/slide15.xml><?xml version="1.0" encoding="utf-8"?>
+<file path=ppt/slides/slide16.xml><?xml version="1.0" encoding="utf-8"?>
 <p:sld xmlns:a="http://schemas.openxmlformats.org/drawingml/2006/main" xmlns:r="http://schemas.openxmlformats.org/officeDocument/2006/relationships" xmlns:p="http://schemas.openxmlformats.org/presentationml/2006/main">
   <p:cSld>
     <p:spTree>
@@ -6824,7 +7035,7 @@
 </p:sld>
 </file>
 
-<file path=ppt/slides/slide16.xml><?xml version="1.0" encoding="utf-8"?>
+<file path=ppt/slides/slide17.xml><?xml version="1.0" encoding="utf-8"?>
 <p:sld xmlns:a="http://schemas.openxmlformats.org/drawingml/2006/main" xmlns:r="http://schemas.openxmlformats.org/officeDocument/2006/relationships" xmlns:p="http://schemas.openxmlformats.org/presentationml/2006/main">
   <p:cSld>
     <p:spTree>
@@ -6963,7 +7174,7 @@
 </p:sld>
 </file>
 
-<file path=ppt/slides/slide17.xml><?xml version="1.0" encoding="utf-8"?>
+<file path=ppt/slides/slide18.xml><?xml version="1.0" encoding="utf-8"?>
 <p:sld xmlns:a="http://schemas.openxmlformats.org/drawingml/2006/main" xmlns:r="http://schemas.openxmlformats.org/officeDocument/2006/relationships" xmlns:p="http://schemas.openxmlformats.org/presentationml/2006/main">
   <p:cSld>
     <p:spTree>
@@ -7015,7 +7226,7 @@
 </p:sld>
 </file>
 
-<file path=ppt/slides/slide18.xml><?xml version="1.0" encoding="utf-8"?>
+<file path=ppt/slides/slide19.xml><?xml version="1.0" encoding="utf-8"?>
 <p:sld xmlns:a="http://schemas.openxmlformats.org/drawingml/2006/main" xmlns:r="http://schemas.openxmlformats.org/officeDocument/2006/relationships" xmlns:p="http://schemas.openxmlformats.org/presentationml/2006/main">
   <p:cSld>
     <p:spTree>
@@ -7504,127 +7715,6 @@
 </p:sld>
 </file>
 
-<file path=ppt/slides/slide19.xml><?xml version="1.0" encoding="utf-8"?>
-<p:sld xmlns:a="http://schemas.openxmlformats.org/drawingml/2006/main" xmlns:r="http://schemas.openxmlformats.org/officeDocument/2006/relationships" xmlns:p="http://schemas.openxmlformats.org/presentationml/2006/main">
-  <p:cSld>
-    <p:spTree>
-      <p:nvGrpSpPr>
-        <p:cNvPr id="1" name=""/>
-        <p:cNvGrpSpPr/>
-        <p:nvPr/>
-      </p:nvGrpSpPr>
-      <p:grpSpPr>
-        <a:xfrm>
-          <a:off x="0" y="0"/>
-          <a:ext cx="0" cy="0"/>
-          <a:chOff x="0" y="0"/>
-          <a:chExt cx="0" cy="0"/>
-        </a:xfrm>
-      </p:grpSpPr>
-      <p:sp>
-        <p:nvSpPr>
-          <p:cNvPr id="2" name="Title 1"/>
-          <p:cNvSpPr>
-            <a:spLocks noGrp="1"/>
-          </p:cNvSpPr>
-          <p:nvPr>
-            <p:ph type="title"/>
-          </p:nvPr>
-        </p:nvSpPr>
-        <p:spPr/>
-        <p:txBody>
-          <a:bodyPr/>
-          <a:lstStyle/>
-          <a:p>
-            <a:r>
-              <a:rPr lang="en-US" dirty="0"/>
-              <a:t>Demo Tasks</a:t>
-            </a:r>
-          </a:p>
-        </p:txBody>
-      </p:sp>
-      <p:sp>
-        <p:nvSpPr>
-          <p:cNvPr id="3" name="Content Placeholder 2"/>
-          <p:cNvSpPr>
-            <a:spLocks noGrp="1"/>
-          </p:cNvSpPr>
-          <p:nvPr>
-            <p:ph idx="1"/>
-          </p:nvPr>
-        </p:nvSpPr>
-        <p:spPr/>
-        <p:txBody>
-          <a:bodyPr/>
-          <a:lstStyle/>
-          <a:p>
-            <a:r>
-              <a:rPr lang="en-US" dirty="0"/>
-              <a:t>Installation workflow</a:t>
-            </a:r>
-          </a:p>
-          <a:p>
-            <a:r>
-              <a:rPr lang="en-US" dirty="0"/>
-              <a:t>Play with the tool in the website context</a:t>
-            </a:r>
-          </a:p>
-        </p:txBody>
-      </p:sp>
-      <p:pic>
-        <p:nvPicPr>
-          <p:cNvPr id="1026" name="Picture 2" descr="Lecture, Conference, Mission, Planning, Plan, Cat"/>
-          <p:cNvPicPr>
-            <a:picLocks noChangeAspect="1" noChangeArrowheads="1"/>
-          </p:cNvPicPr>
-          <p:nvPr/>
-        </p:nvPicPr>
-        <p:blipFill>
-          <a:blip r:embed="rId2">
-            <a:extLst>
-              <a:ext uri="{28A0092B-C50C-407E-A947-70E740481C1C}">
-                <a14:useLocalDpi xmlns:a14="http://schemas.microsoft.com/office/drawing/2010/main" val="0"/>
-              </a:ext>
-            </a:extLst>
-          </a:blip>
-          <a:srcRect/>
-          <a:stretch>
-            <a:fillRect/>
-          </a:stretch>
-        </p:blipFill>
-        <p:spPr bwMode="auto">
-          <a:xfrm>
-            <a:off x="5863742" y="1792224"/>
-            <a:ext cx="5654650" cy="3534156"/>
-          </a:xfrm>
-          <a:prstGeom prst="rect">
-            <a:avLst/>
-          </a:prstGeom>
-          <a:noFill/>
-          <a:extLst>
-            <a:ext uri="{909E8E84-426E-40DD-AFC4-6F175D3DCCD1}">
-              <a14:hiddenFill xmlns:a14="http://schemas.microsoft.com/office/drawing/2010/main">
-                <a:solidFill>
-                  <a:srgbClr val="FFFFFF"/>
-                </a:solidFill>
-              </a14:hiddenFill>
-            </a:ext>
-          </a:extLst>
-        </p:spPr>
-      </p:pic>
-    </p:spTree>
-    <p:extLst>
-      <p:ext uri="{BB962C8B-B14F-4D97-AF65-F5344CB8AC3E}">
-        <p14:creationId xmlns:p14="http://schemas.microsoft.com/office/powerpoint/2010/main" val="988184761"/>
-      </p:ext>
-    </p:extLst>
-  </p:cSld>
-  <p:clrMapOvr>
-    <a:masterClrMapping/>
-  </p:clrMapOvr>
-</p:sld>
-</file>
-
 <file path=ppt/slides/slide2.xml><?xml version="1.0" encoding="utf-8"?>
 <p:sld xmlns:a="http://schemas.openxmlformats.org/drawingml/2006/main" xmlns:r="http://schemas.openxmlformats.org/officeDocument/2006/relationships" xmlns:p="http://schemas.openxmlformats.org/presentationml/2006/main">
   <p:cSld>
@@ -8085,6 +8175,127 @@
       </p:grpSpPr>
       <p:sp>
         <p:nvSpPr>
+          <p:cNvPr id="2" name="Title 1"/>
+          <p:cNvSpPr>
+            <a:spLocks noGrp="1"/>
+          </p:cNvSpPr>
+          <p:nvPr>
+            <p:ph type="title"/>
+          </p:nvPr>
+        </p:nvSpPr>
+        <p:spPr/>
+        <p:txBody>
+          <a:bodyPr/>
+          <a:lstStyle/>
+          <a:p>
+            <a:r>
+              <a:rPr lang="en-US" dirty="0"/>
+              <a:t>Demo Tasks</a:t>
+            </a:r>
+          </a:p>
+        </p:txBody>
+      </p:sp>
+      <p:sp>
+        <p:nvSpPr>
+          <p:cNvPr id="3" name="Content Placeholder 2"/>
+          <p:cNvSpPr>
+            <a:spLocks noGrp="1"/>
+          </p:cNvSpPr>
+          <p:nvPr>
+            <p:ph idx="1"/>
+          </p:nvPr>
+        </p:nvSpPr>
+        <p:spPr/>
+        <p:txBody>
+          <a:bodyPr/>
+          <a:lstStyle/>
+          <a:p>
+            <a:r>
+              <a:rPr lang="en-US" dirty="0"/>
+              <a:t>Installation workflow</a:t>
+            </a:r>
+          </a:p>
+          <a:p>
+            <a:r>
+              <a:rPr lang="en-US" dirty="0"/>
+              <a:t>Play with the tool in the website context</a:t>
+            </a:r>
+          </a:p>
+        </p:txBody>
+      </p:sp>
+      <p:pic>
+        <p:nvPicPr>
+          <p:cNvPr id="1026" name="Picture 2" descr="Lecture, Conference, Mission, Planning, Plan, Cat"/>
+          <p:cNvPicPr>
+            <a:picLocks noChangeAspect="1" noChangeArrowheads="1"/>
+          </p:cNvPicPr>
+          <p:nvPr/>
+        </p:nvPicPr>
+        <p:blipFill>
+          <a:blip r:embed="rId2">
+            <a:extLst>
+              <a:ext uri="{28A0092B-C50C-407E-A947-70E740481C1C}">
+                <a14:useLocalDpi xmlns:a14="http://schemas.microsoft.com/office/drawing/2010/main" val="0"/>
+              </a:ext>
+            </a:extLst>
+          </a:blip>
+          <a:srcRect/>
+          <a:stretch>
+            <a:fillRect/>
+          </a:stretch>
+        </p:blipFill>
+        <p:spPr bwMode="auto">
+          <a:xfrm>
+            <a:off x="5863742" y="1792224"/>
+            <a:ext cx="5654650" cy="3534156"/>
+          </a:xfrm>
+          <a:prstGeom prst="rect">
+            <a:avLst/>
+          </a:prstGeom>
+          <a:noFill/>
+          <a:extLst>
+            <a:ext uri="{909E8E84-426E-40DD-AFC4-6F175D3DCCD1}">
+              <a14:hiddenFill xmlns:a14="http://schemas.microsoft.com/office/drawing/2010/main">
+                <a:solidFill>
+                  <a:srgbClr val="FFFFFF"/>
+                </a:solidFill>
+              </a14:hiddenFill>
+            </a:ext>
+          </a:extLst>
+        </p:spPr>
+      </p:pic>
+    </p:spTree>
+    <p:extLst>
+      <p:ext uri="{BB962C8B-B14F-4D97-AF65-F5344CB8AC3E}">
+        <p14:creationId xmlns:p14="http://schemas.microsoft.com/office/powerpoint/2010/main" val="988184761"/>
+      </p:ext>
+    </p:extLst>
+  </p:cSld>
+  <p:clrMapOvr>
+    <a:masterClrMapping/>
+  </p:clrMapOvr>
+</p:sld>
+</file>
+
+<file path=ppt/slides/slide21.xml><?xml version="1.0" encoding="utf-8"?>
+<p:sld xmlns:a="http://schemas.openxmlformats.org/drawingml/2006/main" xmlns:r="http://schemas.openxmlformats.org/officeDocument/2006/relationships" xmlns:p="http://schemas.openxmlformats.org/presentationml/2006/main">
+  <p:cSld>
+    <p:spTree>
+      <p:nvGrpSpPr>
+        <p:cNvPr id="1" name=""/>
+        <p:cNvGrpSpPr/>
+        <p:nvPr/>
+      </p:nvGrpSpPr>
+      <p:grpSpPr>
+        <a:xfrm>
+          <a:off x="0" y="0"/>
+          <a:ext cx="0" cy="0"/>
+          <a:chOff x="0" y="0"/>
+          <a:chExt cx="0" cy="0"/>
+        </a:xfrm>
+      </p:grpSpPr>
+      <p:sp>
+        <p:nvSpPr>
           <p:cNvPr id="4" name="Title 3"/>
           <p:cNvSpPr>
             <a:spLocks noGrp="1"/>
@@ -9244,77 +9455,720 @@
           <a:p>
             <a:r>
               <a:rPr lang="en-US" dirty="0"/>
-              <a:t>Platform as a Service (PaaS)</a:t>
-            </a:r>
-          </a:p>
-        </p:txBody>
-      </p:sp>
-      <p:pic>
-        <p:nvPicPr>
-          <p:cNvPr id="1026" name="Picture 2" descr="Cloud SQL Server options: SQL server on IaaS, or SaaS SQL database in the cloud."/>
-          <p:cNvPicPr>
-            <a:picLocks noChangeAspect="1" noChangeArrowheads="1"/>
-          </p:cNvPicPr>
+              <a:t>Layers of Abstraction</a:t>
+            </a:r>
+          </a:p>
+        </p:txBody>
+      </p:sp>
+      <p:sp>
+        <p:nvSpPr>
+          <p:cNvPr id="6" name="Isosceles Triangle 5"/>
+          <p:cNvSpPr/>
           <p:nvPr/>
-        </p:nvPicPr>
-        <p:blipFill>
-          <a:blip r:embed="rId2">
-            <a:extLst>
-              <a:ext uri="{28A0092B-C50C-407E-A947-70E740481C1C}">
-                <a14:useLocalDpi xmlns:a14="http://schemas.microsoft.com/office/drawing/2010/main" val="0"/>
-              </a:ext>
-            </a:extLst>
-          </a:blip>
-          <a:srcRect/>
-          <a:stretch>
-            <a:fillRect/>
-          </a:stretch>
-        </p:blipFill>
-        <p:spPr bwMode="auto">
+        </p:nvSpPr>
+        <p:spPr>
           <a:xfrm>
-            <a:off x="2331114" y="1467041"/>
-            <a:ext cx="7529773" cy="5006911"/>
+            <a:off x="3361758" y="1380392"/>
+            <a:ext cx="5292970" cy="5292970"/>
           </a:xfrm>
-          <a:prstGeom prst="rect">
+          <a:prstGeom prst="triangle">
             <a:avLst/>
           </a:prstGeom>
-          <a:noFill/>
-          <a:extLst>
-            <a:ext uri="{909E8E84-426E-40DD-AFC4-6F175D3DCCD1}">
-              <a14:hiddenFill xmlns:a14="http://schemas.microsoft.com/office/drawing/2010/main">
-                <a:solidFill>
-                  <a:srgbClr val="FFFFFF"/>
-                </a:solidFill>
-              </a14:hiddenFill>
-            </a:ext>
-          </a:extLst>
         </p:spPr>
-      </p:pic>
-      <p:sp>
-        <p:nvSpPr>
-          <p:cNvPr id="4" name="TextBox 3"/>
-          <p:cNvSpPr txBox="1"/>
+        <p:style>
+          <a:lnRef idx="2">
+            <a:schemeClr val="lt1">
+              <a:hueOff val="0"/>
+              <a:satOff val="0"/>
+              <a:lumOff val="0"/>
+              <a:alphaOff val="0"/>
+            </a:schemeClr>
+          </a:lnRef>
+          <a:fillRef idx="1">
+            <a:schemeClr val="accent1">
+              <a:hueOff val="0"/>
+              <a:satOff val="0"/>
+              <a:lumOff val="0"/>
+              <a:alphaOff val="0"/>
+            </a:schemeClr>
+          </a:fillRef>
+          <a:effectRef idx="0">
+            <a:schemeClr val="accent1">
+              <a:hueOff val="0"/>
+              <a:satOff val="0"/>
+              <a:lumOff val="0"/>
+              <a:alphaOff val="0"/>
+            </a:schemeClr>
+          </a:effectRef>
+          <a:fontRef idx="minor">
+            <a:schemeClr val="lt1"/>
+          </a:fontRef>
+        </p:style>
+      </p:sp>
+      <p:sp>
+        <p:nvSpPr>
+          <p:cNvPr id="7" name="Freeform: Shape 6"/>
+          <p:cNvSpPr/>
           <p:nvPr/>
         </p:nvSpPr>
         <p:spPr>
           <a:xfrm>
-            <a:off x="26633" y="6473952"/>
-            <a:ext cx="2368296" cy="369332"/>
+            <a:off x="5699027" y="1910205"/>
+            <a:ext cx="3440430" cy="940742"/>
           </a:xfrm>
-          <a:prstGeom prst="rect">
+          <a:custGeom>
             <a:avLst/>
-          </a:prstGeom>
-          <a:noFill/>
+            <a:gdLst>
+              <a:gd name="connsiteX0" fmla="*/ 0 w 3440430"/>
+              <a:gd name="connsiteY0" fmla="*/ 156793 h 940742"/>
+              <a:gd name="connsiteX1" fmla="*/ 156793 w 3440430"/>
+              <a:gd name="connsiteY1" fmla="*/ 0 h 940742"/>
+              <a:gd name="connsiteX2" fmla="*/ 3283637 w 3440430"/>
+              <a:gd name="connsiteY2" fmla="*/ 0 h 940742"/>
+              <a:gd name="connsiteX3" fmla="*/ 3440430 w 3440430"/>
+              <a:gd name="connsiteY3" fmla="*/ 156793 h 940742"/>
+              <a:gd name="connsiteX4" fmla="*/ 3440430 w 3440430"/>
+              <a:gd name="connsiteY4" fmla="*/ 783949 h 940742"/>
+              <a:gd name="connsiteX5" fmla="*/ 3283637 w 3440430"/>
+              <a:gd name="connsiteY5" fmla="*/ 940742 h 940742"/>
+              <a:gd name="connsiteX6" fmla="*/ 156793 w 3440430"/>
+              <a:gd name="connsiteY6" fmla="*/ 940742 h 940742"/>
+              <a:gd name="connsiteX7" fmla="*/ 0 w 3440430"/>
+              <a:gd name="connsiteY7" fmla="*/ 783949 h 940742"/>
+              <a:gd name="connsiteX8" fmla="*/ 0 w 3440430"/>
+              <a:gd name="connsiteY8" fmla="*/ 156793 h 940742"/>
+            </a:gdLst>
+            <a:ahLst/>
+            <a:cxnLst>
+              <a:cxn ang="0">
+                <a:pos x="connsiteX0" y="connsiteY0"/>
+              </a:cxn>
+              <a:cxn ang="0">
+                <a:pos x="connsiteX1" y="connsiteY1"/>
+              </a:cxn>
+              <a:cxn ang="0">
+                <a:pos x="connsiteX2" y="connsiteY2"/>
+              </a:cxn>
+              <a:cxn ang="0">
+                <a:pos x="connsiteX3" y="connsiteY3"/>
+              </a:cxn>
+              <a:cxn ang="0">
+                <a:pos x="connsiteX4" y="connsiteY4"/>
+              </a:cxn>
+              <a:cxn ang="0">
+                <a:pos x="connsiteX5" y="connsiteY5"/>
+              </a:cxn>
+              <a:cxn ang="0">
+                <a:pos x="connsiteX6" y="connsiteY6"/>
+              </a:cxn>
+              <a:cxn ang="0">
+                <a:pos x="connsiteX7" y="connsiteY7"/>
+              </a:cxn>
+              <a:cxn ang="0">
+                <a:pos x="connsiteX8" y="connsiteY8"/>
+              </a:cxn>
+            </a:cxnLst>
+            <a:rect l="l" t="t" r="r" b="b"/>
+            <a:pathLst>
+              <a:path w="3440430" h="940742">
+                <a:moveTo>
+                  <a:pt x="0" y="156793"/>
+                </a:moveTo>
+                <a:cubicBezTo>
+                  <a:pt x="0" y="70199"/>
+                  <a:pt x="70199" y="0"/>
+                  <a:pt x="156793" y="0"/>
+                </a:cubicBezTo>
+                <a:lnTo>
+                  <a:pt x="3283637" y="0"/>
+                </a:lnTo>
+                <a:cubicBezTo>
+                  <a:pt x="3370231" y="0"/>
+                  <a:pt x="3440430" y="70199"/>
+                  <a:pt x="3440430" y="156793"/>
+                </a:cubicBezTo>
+                <a:lnTo>
+                  <a:pt x="3440430" y="783949"/>
+                </a:lnTo>
+                <a:cubicBezTo>
+                  <a:pt x="3440430" y="870543"/>
+                  <a:pt x="3370231" y="940742"/>
+                  <a:pt x="3283637" y="940742"/>
+                </a:cubicBezTo>
+                <a:lnTo>
+                  <a:pt x="156793" y="940742"/>
+                </a:lnTo>
+                <a:cubicBezTo>
+                  <a:pt x="70199" y="940742"/>
+                  <a:pt x="0" y="870543"/>
+                  <a:pt x="0" y="783949"/>
+                </a:cubicBezTo>
+                <a:lnTo>
+                  <a:pt x="0" y="156793"/>
+                </a:lnTo>
+                <a:close/>
+              </a:path>
+            </a:pathLst>
+          </a:custGeom>
         </p:spPr>
-        <p:txBody>
-          <a:bodyPr wrap="square" rtlCol="0">
-            <a:spAutoFit/>
+        <p:style>
+          <a:lnRef idx="2">
+            <a:schemeClr val="accent1">
+              <a:hueOff val="0"/>
+              <a:satOff val="0"/>
+              <a:lumOff val="0"/>
+              <a:alphaOff val="0"/>
+            </a:schemeClr>
+          </a:lnRef>
+          <a:fillRef idx="1">
+            <a:schemeClr val="lt1">
+              <a:alpha val="90000"/>
+              <a:hueOff val="0"/>
+              <a:satOff val="0"/>
+              <a:lumOff val="0"/>
+              <a:alphaOff val="0"/>
+            </a:schemeClr>
+          </a:fillRef>
+          <a:effectRef idx="0">
+            <a:schemeClr val="lt1">
+              <a:alpha val="90000"/>
+              <a:hueOff val="0"/>
+              <a:satOff val="0"/>
+              <a:lumOff val="0"/>
+              <a:alphaOff val="0"/>
+            </a:schemeClr>
+          </a:effectRef>
+          <a:fontRef idx="minor">
+            <a:schemeClr val="dk1">
+              <a:hueOff val="0"/>
+              <a:satOff val="0"/>
+              <a:lumOff val="0"/>
+              <a:alphaOff val="0"/>
+            </a:schemeClr>
+          </a:fontRef>
+        </p:style>
+        <p:txBody>
+          <a:bodyPr spcFirstLastPara="0" vert="horz" wrap="square" lIns="137363" tIns="137363" rIns="137363" bIns="137363" numCol="1" spcCol="1270" anchor="ctr" anchorCtr="0">
+            <a:noAutofit/>
           </a:bodyPr>
           <a:lstStyle/>
           <a:p>
-            <a:r>
-              <a:rPr lang="en-US" dirty="0"/>
-              <a:t>timw.info/paas2</a:t>
+            <a:pPr marL="0" lvl="0" indent="0" algn="ctr" defTabSz="1066800">
+              <a:lnSpc>
+                <a:spcPct val="90000"/>
+              </a:lnSpc>
+              <a:spcBef>
+                <a:spcPct val="0"/>
+              </a:spcBef>
+              <a:spcAft>
+                <a:spcPct val="35000"/>
+              </a:spcAft>
+              <a:buNone/>
+            </a:pPr>
+            <a:r>
+              <a:rPr lang="en-US" sz="2400" kern="1200" dirty="0"/>
+              <a:t>Azure Functions</a:t>
+            </a:r>
+          </a:p>
+        </p:txBody>
+      </p:sp>
+      <p:sp>
+        <p:nvSpPr>
+          <p:cNvPr id="8" name="Freeform: Shape 7"/>
+          <p:cNvSpPr/>
+          <p:nvPr/>
+        </p:nvSpPr>
+        <p:spPr>
+          <a:xfrm>
+            <a:off x="5699027" y="2968541"/>
+            <a:ext cx="3440430" cy="940742"/>
+          </a:xfrm>
+          <a:custGeom>
+            <a:avLst/>
+            <a:gdLst>
+              <a:gd name="connsiteX0" fmla="*/ 0 w 3440430"/>
+              <a:gd name="connsiteY0" fmla="*/ 156793 h 940742"/>
+              <a:gd name="connsiteX1" fmla="*/ 156793 w 3440430"/>
+              <a:gd name="connsiteY1" fmla="*/ 0 h 940742"/>
+              <a:gd name="connsiteX2" fmla="*/ 3283637 w 3440430"/>
+              <a:gd name="connsiteY2" fmla="*/ 0 h 940742"/>
+              <a:gd name="connsiteX3" fmla="*/ 3440430 w 3440430"/>
+              <a:gd name="connsiteY3" fmla="*/ 156793 h 940742"/>
+              <a:gd name="connsiteX4" fmla="*/ 3440430 w 3440430"/>
+              <a:gd name="connsiteY4" fmla="*/ 783949 h 940742"/>
+              <a:gd name="connsiteX5" fmla="*/ 3283637 w 3440430"/>
+              <a:gd name="connsiteY5" fmla="*/ 940742 h 940742"/>
+              <a:gd name="connsiteX6" fmla="*/ 156793 w 3440430"/>
+              <a:gd name="connsiteY6" fmla="*/ 940742 h 940742"/>
+              <a:gd name="connsiteX7" fmla="*/ 0 w 3440430"/>
+              <a:gd name="connsiteY7" fmla="*/ 783949 h 940742"/>
+              <a:gd name="connsiteX8" fmla="*/ 0 w 3440430"/>
+              <a:gd name="connsiteY8" fmla="*/ 156793 h 940742"/>
+            </a:gdLst>
+            <a:ahLst/>
+            <a:cxnLst>
+              <a:cxn ang="0">
+                <a:pos x="connsiteX0" y="connsiteY0"/>
+              </a:cxn>
+              <a:cxn ang="0">
+                <a:pos x="connsiteX1" y="connsiteY1"/>
+              </a:cxn>
+              <a:cxn ang="0">
+                <a:pos x="connsiteX2" y="connsiteY2"/>
+              </a:cxn>
+              <a:cxn ang="0">
+                <a:pos x="connsiteX3" y="connsiteY3"/>
+              </a:cxn>
+              <a:cxn ang="0">
+                <a:pos x="connsiteX4" y="connsiteY4"/>
+              </a:cxn>
+              <a:cxn ang="0">
+                <a:pos x="connsiteX5" y="connsiteY5"/>
+              </a:cxn>
+              <a:cxn ang="0">
+                <a:pos x="connsiteX6" y="connsiteY6"/>
+              </a:cxn>
+              <a:cxn ang="0">
+                <a:pos x="connsiteX7" y="connsiteY7"/>
+              </a:cxn>
+              <a:cxn ang="0">
+                <a:pos x="connsiteX8" y="connsiteY8"/>
+              </a:cxn>
+            </a:cxnLst>
+            <a:rect l="l" t="t" r="r" b="b"/>
+            <a:pathLst>
+              <a:path w="3440430" h="940742">
+                <a:moveTo>
+                  <a:pt x="0" y="156793"/>
+                </a:moveTo>
+                <a:cubicBezTo>
+                  <a:pt x="0" y="70199"/>
+                  <a:pt x="70199" y="0"/>
+                  <a:pt x="156793" y="0"/>
+                </a:cubicBezTo>
+                <a:lnTo>
+                  <a:pt x="3283637" y="0"/>
+                </a:lnTo>
+                <a:cubicBezTo>
+                  <a:pt x="3370231" y="0"/>
+                  <a:pt x="3440430" y="70199"/>
+                  <a:pt x="3440430" y="156793"/>
+                </a:cubicBezTo>
+                <a:lnTo>
+                  <a:pt x="3440430" y="783949"/>
+                </a:lnTo>
+                <a:cubicBezTo>
+                  <a:pt x="3440430" y="870543"/>
+                  <a:pt x="3370231" y="940742"/>
+                  <a:pt x="3283637" y="940742"/>
+                </a:cubicBezTo>
+                <a:lnTo>
+                  <a:pt x="156793" y="940742"/>
+                </a:lnTo>
+                <a:cubicBezTo>
+                  <a:pt x="70199" y="940742"/>
+                  <a:pt x="0" y="870543"/>
+                  <a:pt x="0" y="783949"/>
+                </a:cubicBezTo>
+                <a:lnTo>
+                  <a:pt x="0" y="156793"/>
+                </a:lnTo>
+                <a:close/>
+              </a:path>
+            </a:pathLst>
+          </a:custGeom>
+        </p:spPr>
+        <p:style>
+          <a:lnRef idx="2">
+            <a:schemeClr val="accent1">
+              <a:hueOff val="0"/>
+              <a:satOff val="0"/>
+              <a:lumOff val="0"/>
+              <a:alphaOff val="0"/>
+            </a:schemeClr>
+          </a:lnRef>
+          <a:fillRef idx="1">
+            <a:schemeClr val="lt1">
+              <a:alpha val="90000"/>
+              <a:hueOff val="0"/>
+              <a:satOff val="0"/>
+              <a:lumOff val="0"/>
+              <a:alphaOff val="0"/>
+            </a:schemeClr>
+          </a:fillRef>
+          <a:effectRef idx="0">
+            <a:schemeClr val="lt1">
+              <a:alpha val="90000"/>
+              <a:hueOff val="0"/>
+              <a:satOff val="0"/>
+              <a:lumOff val="0"/>
+              <a:alphaOff val="0"/>
+            </a:schemeClr>
+          </a:effectRef>
+          <a:fontRef idx="minor">
+            <a:schemeClr val="dk1">
+              <a:hueOff val="0"/>
+              <a:satOff val="0"/>
+              <a:lumOff val="0"/>
+              <a:alphaOff val="0"/>
+            </a:schemeClr>
+          </a:fontRef>
+        </p:style>
+        <p:txBody>
+          <a:bodyPr spcFirstLastPara="0" vert="horz" wrap="square" lIns="137363" tIns="137363" rIns="137363" bIns="137363" numCol="1" spcCol="1270" anchor="ctr" anchorCtr="0">
+            <a:noAutofit/>
+          </a:bodyPr>
+          <a:lstStyle/>
+          <a:p>
+            <a:pPr marL="0" lvl="0" indent="0" algn="ctr" defTabSz="1066800">
+              <a:lnSpc>
+                <a:spcPct val="90000"/>
+              </a:lnSpc>
+              <a:spcBef>
+                <a:spcPct val="0"/>
+              </a:spcBef>
+              <a:spcAft>
+                <a:spcPct val="35000"/>
+              </a:spcAft>
+              <a:buNone/>
+            </a:pPr>
+            <a:r>
+              <a:rPr lang="en-US" sz="2400" kern="1200" dirty="0"/>
+              <a:t>Azure App Services (PaaS)</a:t>
+            </a:r>
+          </a:p>
+        </p:txBody>
+      </p:sp>
+      <p:sp>
+        <p:nvSpPr>
+          <p:cNvPr id="9" name="Freeform: Shape 8"/>
+          <p:cNvSpPr/>
+          <p:nvPr/>
+        </p:nvSpPr>
+        <p:spPr>
+          <a:xfrm>
+            <a:off x="5699027" y="4026877"/>
+            <a:ext cx="3440430" cy="940742"/>
+          </a:xfrm>
+          <a:custGeom>
+            <a:avLst/>
+            <a:gdLst>
+              <a:gd name="connsiteX0" fmla="*/ 0 w 3440430"/>
+              <a:gd name="connsiteY0" fmla="*/ 156793 h 940742"/>
+              <a:gd name="connsiteX1" fmla="*/ 156793 w 3440430"/>
+              <a:gd name="connsiteY1" fmla="*/ 0 h 940742"/>
+              <a:gd name="connsiteX2" fmla="*/ 3283637 w 3440430"/>
+              <a:gd name="connsiteY2" fmla="*/ 0 h 940742"/>
+              <a:gd name="connsiteX3" fmla="*/ 3440430 w 3440430"/>
+              <a:gd name="connsiteY3" fmla="*/ 156793 h 940742"/>
+              <a:gd name="connsiteX4" fmla="*/ 3440430 w 3440430"/>
+              <a:gd name="connsiteY4" fmla="*/ 783949 h 940742"/>
+              <a:gd name="connsiteX5" fmla="*/ 3283637 w 3440430"/>
+              <a:gd name="connsiteY5" fmla="*/ 940742 h 940742"/>
+              <a:gd name="connsiteX6" fmla="*/ 156793 w 3440430"/>
+              <a:gd name="connsiteY6" fmla="*/ 940742 h 940742"/>
+              <a:gd name="connsiteX7" fmla="*/ 0 w 3440430"/>
+              <a:gd name="connsiteY7" fmla="*/ 783949 h 940742"/>
+              <a:gd name="connsiteX8" fmla="*/ 0 w 3440430"/>
+              <a:gd name="connsiteY8" fmla="*/ 156793 h 940742"/>
+            </a:gdLst>
+            <a:ahLst/>
+            <a:cxnLst>
+              <a:cxn ang="0">
+                <a:pos x="connsiteX0" y="connsiteY0"/>
+              </a:cxn>
+              <a:cxn ang="0">
+                <a:pos x="connsiteX1" y="connsiteY1"/>
+              </a:cxn>
+              <a:cxn ang="0">
+                <a:pos x="connsiteX2" y="connsiteY2"/>
+              </a:cxn>
+              <a:cxn ang="0">
+                <a:pos x="connsiteX3" y="connsiteY3"/>
+              </a:cxn>
+              <a:cxn ang="0">
+                <a:pos x="connsiteX4" y="connsiteY4"/>
+              </a:cxn>
+              <a:cxn ang="0">
+                <a:pos x="connsiteX5" y="connsiteY5"/>
+              </a:cxn>
+              <a:cxn ang="0">
+                <a:pos x="connsiteX6" y="connsiteY6"/>
+              </a:cxn>
+              <a:cxn ang="0">
+                <a:pos x="connsiteX7" y="connsiteY7"/>
+              </a:cxn>
+              <a:cxn ang="0">
+                <a:pos x="connsiteX8" y="connsiteY8"/>
+              </a:cxn>
+            </a:cxnLst>
+            <a:rect l="l" t="t" r="r" b="b"/>
+            <a:pathLst>
+              <a:path w="3440430" h="940742">
+                <a:moveTo>
+                  <a:pt x="0" y="156793"/>
+                </a:moveTo>
+                <a:cubicBezTo>
+                  <a:pt x="0" y="70199"/>
+                  <a:pt x="70199" y="0"/>
+                  <a:pt x="156793" y="0"/>
+                </a:cubicBezTo>
+                <a:lnTo>
+                  <a:pt x="3283637" y="0"/>
+                </a:lnTo>
+                <a:cubicBezTo>
+                  <a:pt x="3370231" y="0"/>
+                  <a:pt x="3440430" y="70199"/>
+                  <a:pt x="3440430" y="156793"/>
+                </a:cubicBezTo>
+                <a:lnTo>
+                  <a:pt x="3440430" y="783949"/>
+                </a:lnTo>
+                <a:cubicBezTo>
+                  <a:pt x="3440430" y="870543"/>
+                  <a:pt x="3370231" y="940742"/>
+                  <a:pt x="3283637" y="940742"/>
+                </a:cubicBezTo>
+                <a:lnTo>
+                  <a:pt x="156793" y="940742"/>
+                </a:lnTo>
+                <a:cubicBezTo>
+                  <a:pt x="70199" y="940742"/>
+                  <a:pt x="0" y="870543"/>
+                  <a:pt x="0" y="783949"/>
+                </a:cubicBezTo>
+                <a:lnTo>
+                  <a:pt x="0" y="156793"/>
+                </a:lnTo>
+                <a:close/>
+              </a:path>
+            </a:pathLst>
+          </a:custGeom>
+        </p:spPr>
+        <p:style>
+          <a:lnRef idx="2">
+            <a:schemeClr val="accent1">
+              <a:hueOff val="0"/>
+              <a:satOff val="0"/>
+              <a:lumOff val="0"/>
+              <a:alphaOff val="0"/>
+            </a:schemeClr>
+          </a:lnRef>
+          <a:fillRef idx="1">
+            <a:schemeClr val="lt1">
+              <a:alpha val="90000"/>
+              <a:hueOff val="0"/>
+              <a:satOff val="0"/>
+              <a:lumOff val="0"/>
+              <a:alphaOff val="0"/>
+            </a:schemeClr>
+          </a:fillRef>
+          <a:effectRef idx="0">
+            <a:schemeClr val="lt1">
+              <a:alpha val="90000"/>
+              <a:hueOff val="0"/>
+              <a:satOff val="0"/>
+              <a:lumOff val="0"/>
+              <a:alphaOff val="0"/>
+            </a:schemeClr>
+          </a:effectRef>
+          <a:fontRef idx="minor">
+            <a:schemeClr val="dk1">
+              <a:hueOff val="0"/>
+              <a:satOff val="0"/>
+              <a:lumOff val="0"/>
+              <a:alphaOff val="0"/>
+            </a:schemeClr>
+          </a:fontRef>
+        </p:style>
+        <p:txBody>
+          <a:bodyPr spcFirstLastPara="0" vert="horz" wrap="square" lIns="137363" tIns="137363" rIns="137363" bIns="137363" numCol="1" spcCol="1270" anchor="ctr" anchorCtr="0">
+            <a:noAutofit/>
+          </a:bodyPr>
+          <a:lstStyle/>
+          <a:p>
+            <a:pPr marL="0" lvl="0" indent="0" algn="ctr" defTabSz="1066800">
+              <a:lnSpc>
+                <a:spcPct val="90000"/>
+              </a:lnSpc>
+              <a:spcBef>
+                <a:spcPct val="0"/>
+              </a:spcBef>
+              <a:spcAft>
+                <a:spcPct val="35000"/>
+              </a:spcAft>
+              <a:buNone/>
+            </a:pPr>
+            <a:r>
+              <a:rPr lang="en-US" sz="2400" kern="1200" dirty="0"/>
+              <a:t>Azure VMs (IaaS)</a:t>
+            </a:r>
+          </a:p>
+        </p:txBody>
+      </p:sp>
+      <p:sp>
+        <p:nvSpPr>
+          <p:cNvPr id="10" name="Freeform: Shape 9"/>
+          <p:cNvSpPr/>
+          <p:nvPr/>
+        </p:nvSpPr>
+        <p:spPr>
+          <a:xfrm>
+            <a:off x="5699027" y="5085212"/>
+            <a:ext cx="3440430" cy="940742"/>
+          </a:xfrm>
+          <a:custGeom>
+            <a:avLst/>
+            <a:gdLst>
+              <a:gd name="connsiteX0" fmla="*/ 0 w 3440430"/>
+              <a:gd name="connsiteY0" fmla="*/ 156793 h 940742"/>
+              <a:gd name="connsiteX1" fmla="*/ 156793 w 3440430"/>
+              <a:gd name="connsiteY1" fmla="*/ 0 h 940742"/>
+              <a:gd name="connsiteX2" fmla="*/ 3283637 w 3440430"/>
+              <a:gd name="connsiteY2" fmla="*/ 0 h 940742"/>
+              <a:gd name="connsiteX3" fmla="*/ 3440430 w 3440430"/>
+              <a:gd name="connsiteY3" fmla="*/ 156793 h 940742"/>
+              <a:gd name="connsiteX4" fmla="*/ 3440430 w 3440430"/>
+              <a:gd name="connsiteY4" fmla="*/ 783949 h 940742"/>
+              <a:gd name="connsiteX5" fmla="*/ 3283637 w 3440430"/>
+              <a:gd name="connsiteY5" fmla="*/ 940742 h 940742"/>
+              <a:gd name="connsiteX6" fmla="*/ 156793 w 3440430"/>
+              <a:gd name="connsiteY6" fmla="*/ 940742 h 940742"/>
+              <a:gd name="connsiteX7" fmla="*/ 0 w 3440430"/>
+              <a:gd name="connsiteY7" fmla="*/ 783949 h 940742"/>
+              <a:gd name="connsiteX8" fmla="*/ 0 w 3440430"/>
+              <a:gd name="connsiteY8" fmla="*/ 156793 h 940742"/>
+            </a:gdLst>
+            <a:ahLst/>
+            <a:cxnLst>
+              <a:cxn ang="0">
+                <a:pos x="connsiteX0" y="connsiteY0"/>
+              </a:cxn>
+              <a:cxn ang="0">
+                <a:pos x="connsiteX1" y="connsiteY1"/>
+              </a:cxn>
+              <a:cxn ang="0">
+                <a:pos x="connsiteX2" y="connsiteY2"/>
+              </a:cxn>
+              <a:cxn ang="0">
+                <a:pos x="connsiteX3" y="connsiteY3"/>
+              </a:cxn>
+              <a:cxn ang="0">
+                <a:pos x="connsiteX4" y="connsiteY4"/>
+              </a:cxn>
+              <a:cxn ang="0">
+                <a:pos x="connsiteX5" y="connsiteY5"/>
+              </a:cxn>
+              <a:cxn ang="0">
+                <a:pos x="connsiteX6" y="connsiteY6"/>
+              </a:cxn>
+              <a:cxn ang="0">
+                <a:pos x="connsiteX7" y="connsiteY7"/>
+              </a:cxn>
+              <a:cxn ang="0">
+                <a:pos x="connsiteX8" y="connsiteY8"/>
+              </a:cxn>
+            </a:cxnLst>
+            <a:rect l="l" t="t" r="r" b="b"/>
+            <a:pathLst>
+              <a:path w="3440430" h="940742">
+                <a:moveTo>
+                  <a:pt x="0" y="156793"/>
+                </a:moveTo>
+                <a:cubicBezTo>
+                  <a:pt x="0" y="70199"/>
+                  <a:pt x="70199" y="0"/>
+                  <a:pt x="156793" y="0"/>
+                </a:cubicBezTo>
+                <a:lnTo>
+                  <a:pt x="3283637" y="0"/>
+                </a:lnTo>
+                <a:cubicBezTo>
+                  <a:pt x="3370231" y="0"/>
+                  <a:pt x="3440430" y="70199"/>
+                  <a:pt x="3440430" y="156793"/>
+                </a:cubicBezTo>
+                <a:lnTo>
+                  <a:pt x="3440430" y="783949"/>
+                </a:lnTo>
+                <a:cubicBezTo>
+                  <a:pt x="3440430" y="870543"/>
+                  <a:pt x="3370231" y="940742"/>
+                  <a:pt x="3283637" y="940742"/>
+                </a:cubicBezTo>
+                <a:lnTo>
+                  <a:pt x="156793" y="940742"/>
+                </a:lnTo>
+                <a:cubicBezTo>
+                  <a:pt x="70199" y="940742"/>
+                  <a:pt x="0" y="870543"/>
+                  <a:pt x="0" y="783949"/>
+                </a:cubicBezTo>
+                <a:lnTo>
+                  <a:pt x="0" y="156793"/>
+                </a:lnTo>
+                <a:close/>
+              </a:path>
+            </a:pathLst>
+          </a:custGeom>
+        </p:spPr>
+        <p:style>
+          <a:lnRef idx="2">
+            <a:schemeClr val="accent1">
+              <a:hueOff val="0"/>
+              <a:satOff val="0"/>
+              <a:lumOff val="0"/>
+              <a:alphaOff val="0"/>
+            </a:schemeClr>
+          </a:lnRef>
+          <a:fillRef idx="1">
+            <a:schemeClr val="lt1">
+              <a:alpha val="90000"/>
+              <a:hueOff val="0"/>
+              <a:satOff val="0"/>
+              <a:lumOff val="0"/>
+              <a:alphaOff val="0"/>
+            </a:schemeClr>
+          </a:fillRef>
+          <a:effectRef idx="0">
+            <a:schemeClr val="lt1">
+              <a:alpha val="90000"/>
+              <a:hueOff val="0"/>
+              <a:satOff val="0"/>
+              <a:lumOff val="0"/>
+              <a:alphaOff val="0"/>
+            </a:schemeClr>
+          </a:effectRef>
+          <a:fontRef idx="minor">
+            <a:schemeClr val="dk1">
+              <a:hueOff val="0"/>
+              <a:satOff val="0"/>
+              <a:lumOff val="0"/>
+              <a:alphaOff val="0"/>
+            </a:schemeClr>
+          </a:fontRef>
+        </p:style>
+        <p:txBody>
+          <a:bodyPr spcFirstLastPara="0" vert="horz" wrap="square" lIns="137363" tIns="137363" rIns="137363" bIns="137363" numCol="1" spcCol="1270" anchor="ctr" anchorCtr="0">
+            <a:noAutofit/>
+          </a:bodyPr>
+          <a:lstStyle/>
+          <a:p>
+            <a:pPr marL="0" lvl="0" indent="0" algn="ctr" defTabSz="1066800">
+              <a:lnSpc>
+                <a:spcPct val="90000"/>
+              </a:lnSpc>
+              <a:spcBef>
+                <a:spcPct val="0"/>
+              </a:spcBef>
+              <a:spcAft>
+                <a:spcPct val="35000"/>
+              </a:spcAft>
+              <a:buNone/>
+            </a:pPr>
+            <a:r>
+              <a:rPr lang="en-US" sz="2400" kern="1200" dirty="0"/>
+              <a:t>Bare metal (hardware host)</a:t>
             </a:r>
           </a:p>
         </p:txBody>
@@ -9322,13 +10176,261 @@
     </p:spTree>
     <p:extLst>
       <p:ext uri="{BB962C8B-B14F-4D97-AF65-F5344CB8AC3E}">
-        <p14:creationId xmlns:p14="http://schemas.microsoft.com/office/powerpoint/2010/main" val="3725372034"/>
+        <p14:creationId xmlns:p14="http://schemas.microsoft.com/office/powerpoint/2010/main" val="3239161239"/>
       </p:ext>
     </p:extLst>
   </p:cSld>
   <p:clrMapOvr>
     <a:masterClrMapping/>
   </p:clrMapOvr>
+  <p:timing>
+    <p:tnLst>
+      <p:par>
+        <p:cTn id="1" dur="indefinite" restart="never" nodeType="tmRoot">
+          <p:childTnLst>
+            <p:seq concurrent="1" nextAc="seek">
+              <p:cTn id="2" dur="indefinite" nodeType="mainSeq">
+                <p:childTnLst>
+                  <p:par>
+                    <p:cTn id="3" fill="hold">
+                      <p:stCondLst>
+                        <p:cond delay="indefinite"/>
+                      </p:stCondLst>
+                      <p:childTnLst>
+                        <p:par>
+                          <p:cTn id="4" fill="hold">
+                            <p:stCondLst>
+                              <p:cond delay="0"/>
+                            </p:stCondLst>
+                            <p:childTnLst>
+                              <p:par>
+                                <p:cTn id="5" presetID="10" presetClass="entr" presetSubtype="0" fill="hold" grpId="0" nodeType="clickEffect">
+                                  <p:stCondLst>
+                                    <p:cond delay="0"/>
+                                  </p:stCondLst>
+                                  <p:childTnLst>
+                                    <p:set>
+                                      <p:cBhvr>
+                                        <p:cTn id="6" dur="1" fill="hold">
+                                          <p:stCondLst>
+                                            <p:cond delay="0"/>
+                                          </p:stCondLst>
+                                        </p:cTn>
+                                        <p:tgtEl>
+                                          <p:spTgt spid="10"/>
+                                        </p:tgtEl>
+                                        <p:attrNameLst>
+                                          <p:attrName>style.visibility</p:attrName>
+                                        </p:attrNameLst>
+                                      </p:cBhvr>
+                                      <p:to>
+                                        <p:strVal val="visible"/>
+                                      </p:to>
+                                    </p:set>
+                                    <p:animEffect transition="in" filter="fade">
+                                      <p:cBhvr>
+                                        <p:cTn id="7" dur="500"/>
+                                        <p:tgtEl>
+                                          <p:spTgt spid="10"/>
+                                        </p:tgtEl>
+                                      </p:cBhvr>
+                                    </p:animEffect>
+                                  </p:childTnLst>
+                                </p:cTn>
+                              </p:par>
+                            </p:childTnLst>
+                          </p:cTn>
+                        </p:par>
+                      </p:childTnLst>
+                    </p:cTn>
+                  </p:par>
+                  <p:par>
+                    <p:cTn id="8" fill="hold">
+                      <p:stCondLst>
+                        <p:cond delay="indefinite"/>
+                      </p:stCondLst>
+                      <p:childTnLst>
+                        <p:par>
+                          <p:cTn id="9" fill="hold">
+                            <p:stCondLst>
+                              <p:cond delay="0"/>
+                            </p:stCondLst>
+                            <p:childTnLst>
+                              <p:par>
+                                <p:cTn id="10" presetID="10" presetClass="entr" presetSubtype="0" fill="hold" grpId="0" nodeType="clickEffect">
+                                  <p:stCondLst>
+                                    <p:cond delay="0"/>
+                                  </p:stCondLst>
+                                  <p:childTnLst>
+                                    <p:set>
+                                      <p:cBhvr>
+                                        <p:cTn id="11" dur="1" fill="hold">
+                                          <p:stCondLst>
+                                            <p:cond delay="0"/>
+                                          </p:stCondLst>
+                                        </p:cTn>
+                                        <p:tgtEl>
+                                          <p:spTgt spid="9"/>
+                                        </p:tgtEl>
+                                        <p:attrNameLst>
+                                          <p:attrName>style.visibility</p:attrName>
+                                        </p:attrNameLst>
+                                      </p:cBhvr>
+                                      <p:to>
+                                        <p:strVal val="visible"/>
+                                      </p:to>
+                                    </p:set>
+                                    <p:animEffect transition="in" filter="fade">
+                                      <p:cBhvr>
+                                        <p:cTn id="12" dur="500"/>
+                                        <p:tgtEl>
+                                          <p:spTgt spid="9"/>
+                                        </p:tgtEl>
+                                      </p:cBhvr>
+                                    </p:animEffect>
+                                  </p:childTnLst>
+                                </p:cTn>
+                              </p:par>
+                            </p:childTnLst>
+                          </p:cTn>
+                        </p:par>
+                      </p:childTnLst>
+                    </p:cTn>
+                  </p:par>
+                  <p:par>
+                    <p:cTn id="13" fill="hold">
+                      <p:stCondLst>
+                        <p:cond delay="indefinite"/>
+                      </p:stCondLst>
+                      <p:childTnLst>
+                        <p:par>
+                          <p:cTn id="14" fill="hold">
+                            <p:stCondLst>
+                              <p:cond delay="0"/>
+                            </p:stCondLst>
+                            <p:childTnLst>
+                              <p:par>
+                                <p:cTn id="15" presetID="10" presetClass="entr" presetSubtype="0" fill="hold" grpId="0" nodeType="clickEffect">
+                                  <p:stCondLst>
+                                    <p:cond delay="0"/>
+                                  </p:stCondLst>
+                                  <p:childTnLst>
+                                    <p:set>
+                                      <p:cBhvr>
+                                        <p:cTn id="16" dur="1" fill="hold">
+                                          <p:stCondLst>
+                                            <p:cond delay="0"/>
+                                          </p:stCondLst>
+                                        </p:cTn>
+                                        <p:tgtEl>
+                                          <p:spTgt spid="8"/>
+                                        </p:tgtEl>
+                                        <p:attrNameLst>
+                                          <p:attrName>style.visibility</p:attrName>
+                                        </p:attrNameLst>
+                                      </p:cBhvr>
+                                      <p:to>
+                                        <p:strVal val="visible"/>
+                                      </p:to>
+                                    </p:set>
+                                    <p:animEffect transition="in" filter="fade">
+                                      <p:cBhvr>
+                                        <p:cTn id="17" dur="500"/>
+                                        <p:tgtEl>
+                                          <p:spTgt spid="8"/>
+                                        </p:tgtEl>
+                                      </p:cBhvr>
+                                    </p:animEffect>
+                                  </p:childTnLst>
+                                </p:cTn>
+                              </p:par>
+                            </p:childTnLst>
+                          </p:cTn>
+                        </p:par>
+                      </p:childTnLst>
+                    </p:cTn>
+                  </p:par>
+                  <p:par>
+                    <p:cTn id="18" fill="hold">
+                      <p:stCondLst>
+                        <p:cond delay="indefinite"/>
+                      </p:stCondLst>
+                      <p:childTnLst>
+                        <p:par>
+                          <p:cTn id="19" fill="hold">
+                            <p:stCondLst>
+                              <p:cond delay="0"/>
+                            </p:stCondLst>
+                            <p:childTnLst>
+                              <p:par>
+                                <p:cTn id="20" presetID="10" presetClass="entr" presetSubtype="0" fill="hold" grpId="0" nodeType="clickEffect">
+                                  <p:stCondLst>
+                                    <p:cond delay="0"/>
+                                  </p:stCondLst>
+                                  <p:childTnLst>
+                                    <p:set>
+                                      <p:cBhvr>
+                                        <p:cTn id="21" dur="1" fill="hold">
+                                          <p:stCondLst>
+                                            <p:cond delay="0"/>
+                                          </p:stCondLst>
+                                        </p:cTn>
+                                        <p:tgtEl>
+                                          <p:spTgt spid="7"/>
+                                        </p:tgtEl>
+                                        <p:attrNameLst>
+                                          <p:attrName>style.visibility</p:attrName>
+                                        </p:attrNameLst>
+                                      </p:cBhvr>
+                                      <p:to>
+                                        <p:strVal val="visible"/>
+                                      </p:to>
+                                    </p:set>
+                                    <p:animEffect transition="in" filter="fade">
+                                      <p:cBhvr>
+                                        <p:cTn id="22" dur="500"/>
+                                        <p:tgtEl>
+                                          <p:spTgt spid="7"/>
+                                        </p:tgtEl>
+                                      </p:cBhvr>
+                                    </p:animEffect>
+                                  </p:childTnLst>
+                                </p:cTn>
+                              </p:par>
+                            </p:childTnLst>
+                          </p:cTn>
+                        </p:par>
+                      </p:childTnLst>
+                    </p:cTn>
+                  </p:par>
+                </p:childTnLst>
+              </p:cTn>
+              <p:prevCondLst>
+                <p:cond evt="onPrev" delay="0">
+                  <p:tgtEl>
+                    <p:sldTgt/>
+                  </p:tgtEl>
+                </p:cond>
+              </p:prevCondLst>
+              <p:nextCondLst>
+                <p:cond evt="onNext" delay="0">
+                  <p:tgtEl>
+                    <p:sldTgt/>
+                  </p:tgtEl>
+                </p:cond>
+              </p:nextCondLst>
+            </p:seq>
+          </p:childTnLst>
+        </p:cTn>
+      </p:par>
+    </p:tnLst>
+    <p:bldLst>
+      <p:bldP spid="7" grpId="0" animBg="1"/>
+      <p:bldP spid="8" grpId="0" animBg="1"/>
+      <p:bldP spid="9" grpId="0" animBg="1"/>
+      <p:bldP spid="10" grpId="0" animBg="1"/>
+    </p:bldLst>
+  </p:timing>
 </p:sld>
 </file>
 
@@ -10587,32 +11689,34 @@
           <a:lstStyle/>
           <a:p>
             <a:r>
-              <a:rPr lang="en-US"/>
-              <a:t>Scalable workflow engine</a:t>
-            </a:r>
-          </a:p>
-          <a:p>
-            <a:r>
-              <a:rPr lang="en-US"/>
+              <a:rPr lang="en-US" dirty="0"/>
+              <a:t>Scalable workflow engine (IFTTT)</a:t>
+            </a:r>
+          </a:p>
+          <a:p>
+            <a:r>
+              <a:rPr lang="en-US" dirty="0"/>
               <a:t>Events trigger workflow (Azure functions = events trigger code)</a:t>
             </a:r>
           </a:p>
           <a:p>
             <a:r>
-              <a:rPr lang="en-US"/>
+              <a:rPr lang="en-US" dirty="0"/>
               <a:t>Logic apps can use Azure functions in their workflows</a:t>
             </a:r>
           </a:p>
           <a:p>
             <a:r>
-              <a:rPr lang="en-US"/>
-              <a:t>Compare to IFTTT</a:t>
-            </a:r>
-          </a:p>
-          <a:p>
-            <a:r>
-              <a:rPr lang="en-US"/>
-              <a:t>Sibling to Microsoft BizTalk Server 2016 on premises and Azure BiZTalk Services</a:t>
+              <a:rPr lang="en-US" dirty="0"/>
+              <a:t>Sibling to Microsoft BizTalk Server 2016 on premises and Azure </a:t>
+            </a:r>
+            <a:r>
+              <a:rPr lang="en-US" dirty="0" err="1"/>
+              <a:t>BiZTalk</a:t>
+            </a:r>
+            <a:r>
+              <a:rPr lang="en-US" dirty="0"/>
+              <a:t> Services</a:t>
             </a:r>
           </a:p>
         </p:txBody>
@@ -11240,67 +12344,6 @@
                                           <p:spTgt spid="8">
                                             <p:txEl>
                                               <p:pRg st="3" end="3"/>
-                                            </p:txEl>
-                                          </p:spTgt>
-                                        </p:tgtEl>
-                                      </p:cBhvr>
-                                    </p:animEffect>
-                                  </p:childTnLst>
-                                </p:cTn>
-                              </p:par>
-                            </p:childTnLst>
-                          </p:cTn>
-                        </p:par>
-                      </p:childTnLst>
-                    </p:cTn>
-                  </p:par>
-                  <p:par>
-                    <p:cTn id="48" fill="hold">
-                      <p:stCondLst>
-                        <p:cond delay="indefinite"/>
-                      </p:stCondLst>
-                      <p:childTnLst>
-                        <p:par>
-                          <p:cTn id="49" fill="hold">
-                            <p:stCondLst>
-                              <p:cond delay="0"/>
-                            </p:stCondLst>
-                            <p:childTnLst>
-                              <p:par>
-                                <p:cTn id="50" presetID="10" presetClass="entr" presetSubtype="0" fill="hold" nodeType="clickEffect">
-                                  <p:stCondLst>
-                                    <p:cond delay="0"/>
-                                  </p:stCondLst>
-                                  <p:childTnLst>
-                                    <p:set>
-                                      <p:cBhvr>
-                                        <p:cTn id="51" dur="1" fill="hold">
-                                          <p:stCondLst>
-                                            <p:cond delay="0"/>
-                                          </p:stCondLst>
-                                        </p:cTn>
-                                        <p:tgtEl>
-                                          <p:spTgt spid="8">
-                                            <p:txEl>
-                                              <p:pRg st="4" end="4"/>
-                                            </p:txEl>
-                                          </p:spTgt>
-                                        </p:tgtEl>
-                                        <p:attrNameLst>
-                                          <p:attrName>style.visibility</p:attrName>
-                                        </p:attrNameLst>
-                                      </p:cBhvr>
-                                      <p:to>
-                                        <p:strVal val="visible"/>
-                                      </p:to>
-                                    </p:set>
-                                    <p:animEffect transition="in" filter="fade">
-                                      <p:cBhvr>
-                                        <p:cTn id="52" dur="500"/>
-                                        <p:tgtEl>
-                                          <p:spTgt spid="8">
-                                            <p:txEl>
-                                              <p:pRg st="4" end="4"/>
                                             </p:txEl>
                                           </p:spTgt>
                                         </p:tgtEl>
